--- a/phiproject_ay.pptx
+++ b/phiproject_ay.pptx
@@ -1,8 +1,8 @@
 
 <file path=ppt/presentation.xml><?xml version="1.0" encoding="utf-8"?>
-<p:presentation xmlns:a="http://schemas.openxmlformats.org/drawingml/2006/main" xmlns:r="http://schemas.openxmlformats.org/officeDocument/2006/relationships" xmlns:p="http://schemas.openxmlformats.org/presentationml/2006/main" saveSubsetFonts="1" autoCompressPictures="0">
+<p:presentation xmlns:a="http://schemas.openxmlformats.org/drawingml/2006/main" xmlns:r="http://schemas.openxmlformats.org/officeDocument/2006/relationships" xmlns:p="http://schemas.openxmlformats.org/presentationml/2006/main" saveSubsetFonts="1">
   <p:sldMasterIdLst>
-    <p:sldMasterId id="2147483648" r:id="rId1"/>
+    <p:sldMasterId id="2147483660" r:id="rId1"/>
   </p:sldMasterIdLst>
   <p:sldIdLst>
     <p:sldId id="256" r:id="rId2"/>
@@ -23,7 +23,7 @@
     <a:defPPr>
       <a:defRPr lang="en-US"/>
     </a:defPPr>
-    <a:lvl1pPr marL="0" algn="l" defTabSz="457200" rtl="0" eaLnBrk="1" latinLnBrk="0" hangingPunct="1">
+    <a:lvl1pPr marL="0" algn="l" defTabSz="914400" rtl="0" eaLnBrk="1" latinLnBrk="0" hangingPunct="1">
       <a:defRPr sz="1800" kern="1200">
         <a:solidFill>
           <a:schemeClr val="tx1"/>
@@ -33,7 +33,7 @@
         <a:cs typeface="+mn-cs"/>
       </a:defRPr>
     </a:lvl1pPr>
-    <a:lvl2pPr marL="457200" algn="l" defTabSz="457200" rtl="0" eaLnBrk="1" latinLnBrk="0" hangingPunct="1">
+    <a:lvl2pPr marL="457200" algn="l" defTabSz="914400" rtl="0" eaLnBrk="1" latinLnBrk="0" hangingPunct="1">
       <a:defRPr sz="1800" kern="1200">
         <a:solidFill>
           <a:schemeClr val="tx1"/>
@@ -43,7 +43,7 @@
         <a:cs typeface="+mn-cs"/>
       </a:defRPr>
     </a:lvl2pPr>
-    <a:lvl3pPr marL="914400" algn="l" defTabSz="457200" rtl="0" eaLnBrk="1" latinLnBrk="0" hangingPunct="1">
+    <a:lvl3pPr marL="914400" algn="l" defTabSz="914400" rtl="0" eaLnBrk="1" latinLnBrk="0" hangingPunct="1">
       <a:defRPr sz="1800" kern="1200">
         <a:solidFill>
           <a:schemeClr val="tx1"/>
@@ -53,7 +53,7 @@
         <a:cs typeface="+mn-cs"/>
       </a:defRPr>
     </a:lvl3pPr>
-    <a:lvl4pPr marL="1371600" algn="l" defTabSz="457200" rtl="0" eaLnBrk="1" latinLnBrk="0" hangingPunct="1">
+    <a:lvl4pPr marL="1371600" algn="l" defTabSz="914400" rtl="0" eaLnBrk="1" latinLnBrk="0" hangingPunct="1">
       <a:defRPr sz="1800" kern="1200">
         <a:solidFill>
           <a:schemeClr val="tx1"/>
@@ -63,7 +63,7 @@
         <a:cs typeface="+mn-cs"/>
       </a:defRPr>
     </a:lvl4pPr>
-    <a:lvl5pPr marL="1828800" algn="l" defTabSz="457200" rtl="0" eaLnBrk="1" latinLnBrk="0" hangingPunct="1">
+    <a:lvl5pPr marL="1828800" algn="l" defTabSz="914400" rtl="0" eaLnBrk="1" latinLnBrk="0" hangingPunct="1">
       <a:defRPr sz="1800" kern="1200">
         <a:solidFill>
           <a:schemeClr val="tx1"/>
@@ -73,7 +73,7 @@
         <a:cs typeface="+mn-cs"/>
       </a:defRPr>
     </a:lvl5pPr>
-    <a:lvl6pPr marL="2286000" algn="l" defTabSz="457200" rtl="0" eaLnBrk="1" latinLnBrk="0" hangingPunct="1">
+    <a:lvl6pPr marL="2286000" algn="l" defTabSz="914400" rtl="0" eaLnBrk="1" latinLnBrk="0" hangingPunct="1">
       <a:defRPr sz="1800" kern="1200">
         <a:solidFill>
           <a:schemeClr val="tx1"/>
@@ -83,7 +83,7 @@
         <a:cs typeface="+mn-cs"/>
       </a:defRPr>
     </a:lvl6pPr>
-    <a:lvl7pPr marL="2743200" algn="l" defTabSz="457200" rtl="0" eaLnBrk="1" latinLnBrk="0" hangingPunct="1">
+    <a:lvl7pPr marL="2743200" algn="l" defTabSz="914400" rtl="0" eaLnBrk="1" latinLnBrk="0" hangingPunct="1">
       <a:defRPr sz="1800" kern="1200">
         <a:solidFill>
           <a:schemeClr val="tx1"/>
@@ -93,7 +93,7 @@
         <a:cs typeface="+mn-cs"/>
       </a:defRPr>
     </a:lvl7pPr>
-    <a:lvl8pPr marL="3200400" algn="l" defTabSz="457200" rtl="0" eaLnBrk="1" latinLnBrk="0" hangingPunct="1">
+    <a:lvl8pPr marL="3200400" algn="l" defTabSz="914400" rtl="0" eaLnBrk="1" latinLnBrk="0" hangingPunct="1">
       <a:defRPr sz="1800" kern="1200">
         <a:solidFill>
           <a:schemeClr val="tx1"/>
@@ -103,7 +103,7 @@
         <a:cs typeface="+mn-cs"/>
       </a:defRPr>
     </a:lvl8pPr>
-    <a:lvl9pPr marL="3657600" algn="l" defTabSz="457200" rtl="0" eaLnBrk="1" latinLnBrk="0" hangingPunct="1">
+    <a:lvl9pPr marL="3657600" algn="l" defTabSz="914400" rtl="0" eaLnBrk="1" latinLnBrk="0" hangingPunct="1">
       <a:defRPr sz="1800" kern="1200">
         <a:solidFill>
           <a:schemeClr val="tx1"/>
@@ -114,27 +114,11 @@
       </a:defRPr>
     </a:lvl9pPr>
   </p:defaultTextStyle>
-  <p:extLst>
-    <p:ext uri="{EFAFB233-063F-42B5-8137-9DF3F51BA10A}">
-      <p15:sldGuideLst xmlns:p15="http://schemas.microsoft.com/office/powerpoint/2012/main">
-        <p15:guide id="1" orient="horz" pos="2160">
-          <p15:clr>
-            <a:srgbClr val="A4A3A4"/>
-          </p15:clr>
-        </p15:guide>
-        <p15:guide id="2" pos="2880">
-          <p15:clr>
-            <a:srgbClr val="A4A3A4"/>
-          </p15:clr>
-        </p15:guide>
-      </p15:sldGuideLst>
-    </p:ext>
-  </p:extLst>
 </p:presentation>
 </file>
 
 <file path=ppt/slideLayouts/slideLayout1.xml><?xml version="1.0" encoding="utf-8"?>
-<p:sldLayout xmlns:a="http://schemas.openxmlformats.org/drawingml/2006/main" xmlns:r="http://schemas.openxmlformats.org/officeDocument/2006/relationships" xmlns:p="http://schemas.openxmlformats.org/presentationml/2006/main" type="title" preserve="1">
+<p:sldLayout xmlns:a="http://schemas.openxmlformats.org/drawingml/2006/main" xmlns:r="http://schemas.openxmlformats.org/officeDocument/2006/relationships" xmlns:p="http://schemas.openxmlformats.org/presentationml/2006/main" showMasterSp="0" type="title" preserve="1">
   <p:cSld name="Title Slide">
     <p:spTree>
       <p:nvGrpSpPr>
@@ -152,7 +136,7 @@
       </p:grpSpPr>
       <p:sp>
         <p:nvSpPr>
-          <p:cNvPr id="2" name="Title 1"/>
+          <p:cNvPr id="8" name="Title 7"/>
           <p:cNvSpPr>
             <a:spLocks noGrp="1"/>
           </p:cNvSpPr>
@@ -162,25 +146,33 @@
         </p:nvSpPr>
         <p:spPr>
           <a:xfrm>
-            <a:off x="685800" y="2130425"/>
-            <a:ext cx="7772400" cy="1470025"/>
-          </a:xfrm>
-        </p:spPr>
-        <p:txBody>
-          <a:bodyPr/>
-          <a:lstStyle/>
-          <a:p>
-            <a:r>
-              <a:rPr lang="en-US" smtClean="0"/>
+            <a:off x="1219200" y="3886200"/>
+            <a:ext cx="6858000" cy="990600"/>
+          </a:xfrm>
+        </p:spPr>
+        <p:txBody>
+          <a:bodyPr anchor="t" anchorCtr="0"/>
+          <a:lstStyle>
+            <a:lvl1pPr algn="r">
+              <a:defRPr sz="3200">
+                <a:solidFill>
+                  <a:schemeClr val="tx1"/>
+                </a:solidFill>
+              </a:defRPr>
+            </a:lvl1pPr>
+          </a:lstStyle>
+          <a:p>
+            <a:r>
+              <a:rPr kumimoji="0" lang="en-US" smtClean="0"/>
               <a:t>Click to edit Master title style</a:t>
             </a:r>
-            <a:endParaRPr lang="en-US"/>
-          </a:p>
-        </p:txBody>
-      </p:sp>
-      <p:sp>
-        <p:nvSpPr>
-          <p:cNvPr id="3" name="Subtitle 2"/>
+            <a:endParaRPr kumimoji="0" lang="en-US"/>
+          </a:p>
+        </p:txBody>
+      </p:sp>
+      <p:sp>
+        <p:nvSpPr>
+          <p:cNvPr id="9" name="Subtitle 8"/>
           <p:cNvSpPr>
             <a:spLocks noGrp="1"/>
           </p:cNvSpPr>
@@ -190,139 +182,94 @@
         </p:nvSpPr>
         <p:spPr>
           <a:xfrm>
-            <a:off x="1371600" y="3886200"/>
-            <a:ext cx="6400800" cy="1752600"/>
+            <a:off x="1219200" y="5124450"/>
+            <a:ext cx="6858000" cy="533400"/>
           </a:xfrm>
         </p:spPr>
         <p:txBody>
           <a:bodyPr/>
           <a:lstStyle>
-            <a:lvl1pPr marL="0" indent="0" algn="ctr">
+            <a:lvl1pPr marL="0" indent="0" algn="r">
               <a:buNone/>
-              <a:defRPr>
+              <a:defRPr sz="2000">
                 <a:solidFill>
-                  <a:schemeClr val="tx1">
-                    <a:tint val="75000"/>
-                  </a:schemeClr>
+                  <a:schemeClr val="tx2"/>
                 </a:solidFill>
+                <a:latin typeface="+mj-lt"/>
+                <a:ea typeface="+mj-ea"/>
+                <a:cs typeface="+mj-cs"/>
               </a:defRPr>
             </a:lvl1pPr>
             <a:lvl2pPr marL="457200" indent="0" algn="ctr">
               <a:buNone/>
-              <a:defRPr>
-                <a:solidFill>
-                  <a:schemeClr val="tx1">
-                    <a:tint val="75000"/>
-                  </a:schemeClr>
-                </a:solidFill>
-              </a:defRPr>
             </a:lvl2pPr>
             <a:lvl3pPr marL="914400" indent="0" algn="ctr">
               <a:buNone/>
-              <a:defRPr>
-                <a:solidFill>
-                  <a:schemeClr val="tx1">
-                    <a:tint val="75000"/>
-                  </a:schemeClr>
-                </a:solidFill>
-              </a:defRPr>
             </a:lvl3pPr>
             <a:lvl4pPr marL="1371600" indent="0" algn="ctr">
               <a:buNone/>
-              <a:defRPr>
-                <a:solidFill>
-                  <a:schemeClr val="tx1">
-                    <a:tint val="75000"/>
-                  </a:schemeClr>
-                </a:solidFill>
-              </a:defRPr>
             </a:lvl4pPr>
             <a:lvl5pPr marL="1828800" indent="0" algn="ctr">
               <a:buNone/>
-              <a:defRPr>
-                <a:solidFill>
-                  <a:schemeClr val="tx1">
-                    <a:tint val="75000"/>
-                  </a:schemeClr>
-                </a:solidFill>
-              </a:defRPr>
             </a:lvl5pPr>
             <a:lvl6pPr marL="2286000" indent="0" algn="ctr">
               <a:buNone/>
-              <a:defRPr>
-                <a:solidFill>
-                  <a:schemeClr val="tx1">
-                    <a:tint val="75000"/>
-                  </a:schemeClr>
-                </a:solidFill>
-              </a:defRPr>
             </a:lvl6pPr>
             <a:lvl7pPr marL="2743200" indent="0" algn="ctr">
               <a:buNone/>
-              <a:defRPr>
-                <a:solidFill>
-                  <a:schemeClr val="tx1">
-                    <a:tint val="75000"/>
-                  </a:schemeClr>
-                </a:solidFill>
-              </a:defRPr>
             </a:lvl7pPr>
             <a:lvl8pPr marL="3200400" indent="0" algn="ctr">
               <a:buNone/>
-              <a:defRPr>
-                <a:solidFill>
-                  <a:schemeClr val="tx1">
-                    <a:tint val="75000"/>
-                  </a:schemeClr>
-                </a:solidFill>
-              </a:defRPr>
             </a:lvl8pPr>
             <a:lvl9pPr marL="3657600" indent="0" algn="ctr">
               <a:buNone/>
-              <a:defRPr>
-                <a:solidFill>
-                  <a:schemeClr val="tx1">
-                    <a:tint val="75000"/>
-                  </a:schemeClr>
-                </a:solidFill>
-              </a:defRPr>
             </a:lvl9pPr>
           </a:lstStyle>
           <a:p>
             <a:r>
+              <a:rPr kumimoji="0" lang="en-US" smtClean="0"/>
+              <a:t>Click to edit Master subtitle style</a:t>
+            </a:r>
+            <a:endParaRPr kumimoji="0" lang="en-US"/>
+          </a:p>
+        </p:txBody>
+      </p:sp>
+      <p:sp>
+        <p:nvSpPr>
+          <p:cNvPr id="28" name="Date Placeholder 27"/>
+          <p:cNvSpPr>
+            <a:spLocks noGrp="1"/>
+          </p:cNvSpPr>
+          <p:nvPr>
+            <p:ph type="dt" sz="half" idx="10"/>
+          </p:nvPr>
+        </p:nvSpPr>
+        <p:spPr>
+          <a:xfrm>
+            <a:off x="6400800" y="6355080"/>
+            <a:ext cx="2286000" cy="365760"/>
+          </a:xfrm>
+        </p:spPr>
+        <p:txBody>
+          <a:bodyPr/>
+          <a:lstStyle>
+            <a:lvl1pPr>
+              <a:defRPr sz="1400"/>
+            </a:lvl1pPr>
+          </a:lstStyle>
+          <a:p>
+            <a:fld id="{ACDF6120-F1F0-4C60-9FE9-39AC71A9C79D}" type="datetimeFigureOut">
               <a:rPr lang="en-US" smtClean="0"/>
-              <a:t>Click to edit Master subtitle style</a:t>
-            </a:r>
-            <a:endParaRPr lang="en-US"/>
-          </a:p>
-        </p:txBody>
-      </p:sp>
-      <p:sp>
-        <p:nvSpPr>
-          <p:cNvPr id="4" name="Date Placeholder 3"/>
-          <p:cNvSpPr>
-            <a:spLocks noGrp="1"/>
-          </p:cNvSpPr>
-          <p:nvPr>
-            <p:ph type="dt" sz="half" idx="10"/>
-          </p:nvPr>
-        </p:nvSpPr>
-        <p:spPr/>
-        <p:txBody>
-          <a:bodyPr/>
-          <a:lstStyle/>
-          <a:p>
-            <a:fld id="{241EB5C9-1307-BA42-ABA2-0BC069CD8E7F}" type="datetimeFigureOut">
-              <a:rPr lang="en-US" smtClean="0"/>
-              <a:t>4/5/2019</a:t>
+              <a:pPr/>
+              <a:t>11/4/2019</a:t>
             </a:fld>
-            <a:endParaRPr lang="en-US"/>
-          </a:p>
-        </p:txBody>
-      </p:sp>
-      <p:sp>
-        <p:nvSpPr>
-          <p:cNvPr id="5" name="Footer Placeholder 4"/>
+            <a:endParaRPr lang="en-US" sz="1600" dirty="0"/>
+          </a:p>
+        </p:txBody>
+      </p:sp>
+      <p:sp>
+        <p:nvSpPr>
+          <p:cNvPr id="17" name="Footer Placeholder 16"/>
           <p:cNvSpPr>
             <a:spLocks noGrp="1"/>
           </p:cNvSpPr>
@@ -330,18 +277,23 @@
             <p:ph type="ftr" sz="quarter" idx="11"/>
           </p:nvPr>
         </p:nvSpPr>
-        <p:spPr/>
-        <p:txBody>
-          <a:bodyPr/>
-          <a:lstStyle/>
-          <a:p>
-            <a:endParaRPr lang="en-US"/>
-          </a:p>
-        </p:txBody>
-      </p:sp>
-      <p:sp>
-        <p:nvSpPr>
-          <p:cNvPr id="6" name="Slide Number Placeholder 5"/>
+        <p:spPr>
+          <a:xfrm>
+            <a:off x="2898648" y="6355080"/>
+            <a:ext cx="3474720" cy="365760"/>
+          </a:xfrm>
+        </p:spPr>
+        <p:txBody>
+          <a:bodyPr/>
+          <a:lstStyle/>
+          <a:p>
+            <a:endParaRPr kumimoji="0" lang="en-US" dirty="0"/>
+          </a:p>
+        </p:txBody>
+      </p:sp>
+      <p:sp>
+        <p:nvSpPr>
+          <p:cNvPr id="29" name="Slide Number Placeholder 28"/>
           <p:cNvSpPr>
             <a:spLocks noGrp="1"/>
           </p:cNvSpPr>
@@ -349,25 +301,210 @@
             <p:ph type="sldNum" sz="quarter" idx="12"/>
           </p:nvPr>
         </p:nvSpPr>
-        <p:spPr/>
-        <p:txBody>
-          <a:bodyPr/>
-          <a:lstStyle/>
-          <a:p>
-            <a:fld id="{C5EF2332-01BF-834F-8236-50238282D533}" type="slidenum">
-              <a:rPr lang="en-US" smtClean="0"/>
+        <p:spPr>
+          <a:xfrm>
+            <a:off x="1216152" y="6355080"/>
+            <a:ext cx="1219200" cy="365760"/>
+          </a:xfrm>
+        </p:spPr>
+        <p:txBody>
+          <a:bodyPr/>
+          <a:lstStyle/>
+          <a:p>
+            <a:fld id="{EA7C8D44-3667-46F6-9772-CC52308E2A7F}" type="slidenum">
+              <a:rPr kumimoji="0" lang="en-US" smtClean="0"/>
+              <a:pPr/>
               <a:t>‹#›</a:t>
             </a:fld>
-            <a:endParaRPr lang="en-US"/>
+            <a:endParaRPr kumimoji="0" lang="en-US" dirty="0"/>
+          </a:p>
+        </p:txBody>
+      </p:sp>
+      <p:sp>
+        <p:nvSpPr>
+          <p:cNvPr id="21" name="Rectangle 20"/>
+          <p:cNvSpPr/>
+          <p:nvPr/>
+        </p:nvSpPr>
+        <p:spPr>
+          <a:xfrm>
+            <a:off x="904875" y="3648075"/>
+            <a:ext cx="7315200" cy="1280160"/>
+          </a:xfrm>
+          <a:prstGeom prst="rect">
+            <a:avLst/>
+          </a:prstGeom>
+          <a:noFill/>
+          <a:ln w="6350" cap="rnd" cmpd="sng" algn="ctr">
+            <a:solidFill>
+              <a:schemeClr val="accent1"/>
+            </a:solidFill>
+            <a:prstDash val="solid"/>
+          </a:ln>
+          <a:effectLst/>
+        </p:spPr>
+        <p:style>
+          <a:lnRef idx="3">
+            <a:schemeClr val="lt1"/>
+          </a:lnRef>
+          <a:fillRef idx="1">
+            <a:schemeClr val="accent1"/>
+          </a:fillRef>
+          <a:effectRef idx="1">
+            <a:schemeClr val="accent1"/>
+          </a:effectRef>
+          <a:fontRef idx="minor">
+            <a:schemeClr val="lt1"/>
+          </a:fontRef>
+        </p:style>
+        <p:txBody>
+          <a:bodyPr anchor="ctr"/>
+          <a:lstStyle/>
+          <a:p>
+            <a:pPr algn="ctr" eaLnBrk="1" latinLnBrk="0" hangingPunct="1"/>
+            <a:endParaRPr kumimoji="0" lang="en-US"/>
+          </a:p>
+        </p:txBody>
+      </p:sp>
+      <p:sp>
+        <p:nvSpPr>
+          <p:cNvPr id="33" name="Rectangle 32"/>
+          <p:cNvSpPr/>
+          <p:nvPr/>
+        </p:nvSpPr>
+        <p:spPr>
+          <a:xfrm>
+            <a:off x="914400" y="5048250"/>
+            <a:ext cx="7315200" cy="685800"/>
+          </a:xfrm>
+          <a:prstGeom prst="rect">
+            <a:avLst/>
+          </a:prstGeom>
+          <a:noFill/>
+          <a:ln w="6350" cap="rnd" cmpd="sng" algn="ctr">
+            <a:solidFill>
+              <a:schemeClr val="accent2"/>
+            </a:solidFill>
+            <a:prstDash val="solid"/>
+          </a:ln>
+          <a:effectLst/>
+        </p:spPr>
+        <p:style>
+          <a:lnRef idx="3">
+            <a:schemeClr val="lt1"/>
+          </a:lnRef>
+          <a:fillRef idx="1">
+            <a:schemeClr val="accent1"/>
+          </a:fillRef>
+          <a:effectRef idx="1">
+            <a:schemeClr val="accent1"/>
+          </a:effectRef>
+          <a:fontRef idx="minor">
+            <a:schemeClr val="lt1"/>
+          </a:fontRef>
+        </p:style>
+        <p:txBody>
+          <a:bodyPr anchor="ctr"/>
+          <a:lstStyle/>
+          <a:p>
+            <a:pPr algn="ctr" eaLnBrk="1" latinLnBrk="0" hangingPunct="1"/>
+            <a:endParaRPr kumimoji="0" lang="en-US"/>
+          </a:p>
+        </p:txBody>
+      </p:sp>
+      <p:sp>
+        <p:nvSpPr>
+          <p:cNvPr id="22" name="Rectangle 21"/>
+          <p:cNvSpPr/>
+          <p:nvPr/>
+        </p:nvSpPr>
+        <p:spPr>
+          <a:xfrm>
+            <a:off x="904875" y="3648075"/>
+            <a:ext cx="228600" cy="1280160"/>
+          </a:xfrm>
+          <a:prstGeom prst="rect">
+            <a:avLst/>
+          </a:prstGeom>
+          <a:solidFill>
+            <a:schemeClr val="accent1"/>
+          </a:solidFill>
+          <a:ln w="6350" cap="rnd" cmpd="sng" algn="ctr">
+            <a:noFill/>
+            <a:prstDash val="solid"/>
+          </a:ln>
+          <a:effectLst/>
+        </p:spPr>
+        <p:style>
+          <a:lnRef idx="3">
+            <a:schemeClr val="lt1"/>
+          </a:lnRef>
+          <a:fillRef idx="1">
+            <a:schemeClr val="accent1"/>
+          </a:fillRef>
+          <a:effectRef idx="1">
+            <a:schemeClr val="accent1"/>
+          </a:effectRef>
+          <a:fontRef idx="minor">
+            <a:schemeClr val="lt1"/>
+          </a:fontRef>
+        </p:style>
+        <p:txBody>
+          <a:bodyPr anchor="ctr"/>
+          <a:lstStyle/>
+          <a:p>
+            <a:pPr algn="ctr" eaLnBrk="1" latinLnBrk="0" hangingPunct="1"/>
+            <a:endParaRPr kumimoji="0" lang="en-US"/>
+          </a:p>
+        </p:txBody>
+      </p:sp>
+      <p:sp>
+        <p:nvSpPr>
+          <p:cNvPr id="32" name="Rectangle 31"/>
+          <p:cNvSpPr/>
+          <p:nvPr/>
+        </p:nvSpPr>
+        <p:spPr>
+          <a:xfrm>
+            <a:off x="914400" y="5048250"/>
+            <a:ext cx="228600" cy="685800"/>
+          </a:xfrm>
+          <a:prstGeom prst="rect">
+            <a:avLst/>
+          </a:prstGeom>
+          <a:solidFill>
+            <a:schemeClr val="accent2"/>
+          </a:solidFill>
+          <a:ln w="6350" cap="rnd" cmpd="sng" algn="ctr">
+            <a:noFill/>
+            <a:prstDash val="solid"/>
+          </a:ln>
+          <a:effectLst/>
+        </p:spPr>
+        <p:style>
+          <a:lnRef idx="3">
+            <a:schemeClr val="lt1"/>
+          </a:lnRef>
+          <a:fillRef idx="1">
+            <a:schemeClr val="accent1"/>
+          </a:fillRef>
+          <a:effectRef idx="1">
+            <a:schemeClr val="accent1"/>
+          </a:effectRef>
+          <a:fontRef idx="minor">
+            <a:schemeClr val="lt1"/>
+          </a:fontRef>
+        </p:style>
+        <p:txBody>
+          <a:bodyPr anchor="ctr"/>
+          <a:lstStyle/>
+          <a:p>
+            <a:pPr algn="ctr" eaLnBrk="1" latinLnBrk="0" hangingPunct="1"/>
+            <a:endParaRPr kumimoji="0" lang="en-US"/>
           </a:p>
         </p:txBody>
       </p:sp>
     </p:spTree>
-    <p:extLst>
-      <p:ext uri="{BB962C8B-B14F-4D97-AF65-F5344CB8AC3E}">
-        <p14:creationId xmlns:p14="http://schemas.microsoft.com/office/powerpoint/2010/main" val="1444357513"/>
-      </p:ext>
-    </p:extLst>
   </p:cSld>
   <p:clrMapOvr>
     <a:masterClrMapping/>
@@ -408,10 +545,10 @@
           <a:lstStyle/>
           <a:p>
             <a:r>
-              <a:rPr lang="en-US" smtClean="0"/>
+              <a:rPr kumimoji="0" lang="en-US" smtClean="0"/>
               <a:t>Click to edit Master title style</a:t>
             </a:r>
-            <a:endParaRPr lang="en-US"/>
+            <a:endParaRPr kumimoji="0" lang="en-US"/>
           </a:p>
         </p:txBody>
       </p:sp>
@@ -430,40 +567,40 @@
           <a:bodyPr vert="eaVert"/>
           <a:lstStyle/>
           <a:p>
-            <a:pPr lvl="0"/>
+            <a:pPr lvl="0" eaLnBrk="1" latinLnBrk="0" hangingPunct="1"/>
             <a:r>
               <a:rPr lang="en-US" smtClean="0"/>
               <a:t>Click to edit Master text styles</a:t>
             </a:r>
           </a:p>
           <a:p>
-            <a:pPr lvl="1"/>
+            <a:pPr lvl="1" eaLnBrk="1" latinLnBrk="0" hangingPunct="1"/>
             <a:r>
               <a:rPr lang="en-US" smtClean="0"/>
               <a:t>Second level</a:t>
             </a:r>
           </a:p>
           <a:p>
-            <a:pPr lvl="2"/>
+            <a:pPr lvl="2" eaLnBrk="1" latinLnBrk="0" hangingPunct="1"/>
             <a:r>
               <a:rPr lang="en-US" smtClean="0"/>
               <a:t>Third level</a:t>
             </a:r>
           </a:p>
           <a:p>
-            <a:pPr lvl="3"/>
+            <a:pPr lvl="3" eaLnBrk="1" latinLnBrk="0" hangingPunct="1"/>
             <a:r>
               <a:rPr lang="en-US" smtClean="0"/>
               <a:t>Fourth level</a:t>
             </a:r>
           </a:p>
           <a:p>
-            <a:pPr lvl="4"/>
+            <a:pPr lvl="4" eaLnBrk="1" latinLnBrk="0" hangingPunct="1"/>
             <a:r>
               <a:rPr lang="en-US" smtClean="0"/>
               <a:t>Fifth level</a:t>
             </a:r>
-            <a:endParaRPr lang="en-US"/>
+            <a:endParaRPr kumimoji="0" lang="en-US"/>
           </a:p>
         </p:txBody>
       </p:sp>
@@ -482,9 +619,10 @@
           <a:bodyPr/>
           <a:lstStyle/>
           <a:p>
-            <a:fld id="{241EB5C9-1307-BA42-ABA2-0BC069CD8E7F}" type="datetimeFigureOut">
+            <a:fld id="{ACDF6120-F1F0-4C60-9FE9-39AC71A9C79D}" type="datetimeFigureOut">
               <a:rPr lang="en-US" smtClean="0"/>
-              <a:t>4/5/2019</a:t>
+              <a:pPr/>
+              <a:t>11/4/2019</a:t>
             </a:fld>
             <a:endParaRPr lang="en-US"/>
           </a:p>
@@ -505,7 +643,7 @@
           <a:bodyPr/>
           <a:lstStyle/>
           <a:p>
-            <a:endParaRPr lang="en-US"/>
+            <a:endParaRPr kumimoji="0" lang="en-US"/>
           </a:p>
         </p:txBody>
       </p:sp>
@@ -524,20 +662,16 @@
           <a:bodyPr/>
           <a:lstStyle/>
           <a:p>
-            <a:fld id="{C5EF2332-01BF-834F-8236-50238282D533}" type="slidenum">
-              <a:rPr lang="en-US" smtClean="0"/>
+            <a:fld id="{EA7C8D44-3667-46F6-9772-CC52308E2A7F}" type="slidenum">
+              <a:rPr kumimoji="0" lang="en-US" smtClean="0"/>
+              <a:pPr/>
               <a:t>‹#›</a:t>
             </a:fld>
-            <a:endParaRPr lang="en-US"/>
+            <a:endParaRPr kumimoji="0" lang="en-US"/>
           </a:p>
         </p:txBody>
       </p:sp>
     </p:spTree>
-    <p:extLst>
-      <p:ext uri="{BB962C8B-B14F-4D97-AF65-F5344CB8AC3E}">
-        <p14:creationId xmlns:p14="http://schemas.microsoft.com/office/powerpoint/2010/main" val="313914798"/>
-      </p:ext>
-    </p:extLst>
   </p:cSld>
   <p:clrMapOvr>
     <a:masterClrMapping/>
@@ -546,7 +680,7 @@
 </file>
 
 <file path=ppt/slideLayouts/slideLayout11.xml><?xml version="1.0" encoding="utf-8"?>
-<p:sldLayout xmlns:a="http://schemas.openxmlformats.org/drawingml/2006/main" xmlns:r="http://schemas.openxmlformats.org/officeDocument/2006/relationships" xmlns:p="http://schemas.openxmlformats.org/presentationml/2006/main" type="vertTitleAndTx" preserve="1">
+<p:sldLayout xmlns:a="http://schemas.openxmlformats.org/drawingml/2006/main" xmlns:r="http://schemas.openxmlformats.org/officeDocument/2006/relationships" xmlns:p="http://schemas.openxmlformats.org/presentationml/2006/main" showMasterSp="0" type="vertTitleAndTx" preserve="1">
   <p:cSld name="Vertical Title and Text">
     <p:spTree>
       <p:nvGrpSpPr>
@@ -583,10 +717,10 @@
           <a:lstStyle/>
           <a:p>
             <a:r>
-              <a:rPr lang="en-US" smtClean="0"/>
+              <a:rPr kumimoji="0" lang="en-US" smtClean="0"/>
               <a:t>Click to edit Master title style</a:t>
             </a:r>
-            <a:endParaRPr lang="en-US"/>
+            <a:endParaRPr kumimoji="0" lang="en-US"/>
           </a:p>
         </p:txBody>
       </p:sp>
@@ -610,40 +744,40 @@
           <a:bodyPr vert="eaVert"/>
           <a:lstStyle/>
           <a:p>
-            <a:pPr lvl="0"/>
+            <a:pPr lvl="0" eaLnBrk="1" latinLnBrk="0" hangingPunct="1"/>
             <a:r>
               <a:rPr lang="en-US" smtClean="0"/>
               <a:t>Click to edit Master text styles</a:t>
             </a:r>
           </a:p>
           <a:p>
-            <a:pPr lvl="1"/>
+            <a:pPr lvl="1" eaLnBrk="1" latinLnBrk="0" hangingPunct="1"/>
             <a:r>
               <a:rPr lang="en-US" smtClean="0"/>
               <a:t>Second level</a:t>
             </a:r>
           </a:p>
           <a:p>
-            <a:pPr lvl="2"/>
+            <a:pPr lvl="2" eaLnBrk="1" latinLnBrk="0" hangingPunct="1"/>
             <a:r>
               <a:rPr lang="en-US" smtClean="0"/>
               <a:t>Third level</a:t>
             </a:r>
           </a:p>
           <a:p>
-            <a:pPr lvl="3"/>
+            <a:pPr lvl="3" eaLnBrk="1" latinLnBrk="0" hangingPunct="1"/>
             <a:r>
               <a:rPr lang="en-US" smtClean="0"/>
               <a:t>Fourth level</a:t>
             </a:r>
           </a:p>
           <a:p>
-            <a:pPr lvl="4"/>
+            <a:pPr lvl="4" eaLnBrk="1" latinLnBrk="0" hangingPunct="1"/>
             <a:r>
               <a:rPr lang="en-US" smtClean="0"/>
               <a:t>Fifth level</a:t>
             </a:r>
-            <a:endParaRPr lang="en-US"/>
+            <a:endParaRPr kumimoji="0" lang="en-US"/>
           </a:p>
         </p:txBody>
       </p:sp>
@@ -662,9 +796,10 @@
           <a:bodyPr/>
           <a:lstStyle/>
           <a:p>
-            <a:fld id="{241EB5C9-1307-BA42-ABA2-0BC069CD8E7F}" type="datetimeFigureOut">
+            <a:fld id="{ACDF6120-F1F0-4C60-9FE9-39AC71A9C79D}" type="datetimeFigureOut">
               <a:rPr lang="en-US" smtClean="0"/>
-              <a:t>4/5/2019</a:t>
+              <a:pPr/>
+              <a:t>11/4/2019</a:t>
             </a:fld>
             <a:endParaRPr lang="en-US"/>
           </a:p>
@@ -685,7 +820,7 @@
           <a:bodyPr/>
           <a:lstStyle/>
           <a:p>
-            <a:endParaRPr lang="en-US"/>
+            <a:endParaRPr kumimoji="0" lang="en-US"/>
           </a:p>
         </p:txBody>
       </p:sp>
@@ -704,20 +839,138 @@
           <a:bodyPr/>
           <a:lstStyle/>
           <a:p>
-            <a:fld id="{C5EF2332-01BF-834F-8236-50238282D533}" type="slidenum">
-              <a:rPr lang="en-US" smtClean="0"/>
+            <a:fld id="{EA7C8D44-3667-46F6-9772-CC52308E2A7F}" type="slidenum">
+              <a:rPr kumimoji="0" lang="en-US" smtClean="0"/>
+              <a:pPr/>
               <a:t>‹#›</a:t>
             </a:fld>
-            <a:endParaRPr lang="en-US"/>
+            <a:endParaRPr kumimoji="0" lang="en-US"/>
+          </a:p>
+        </p:txBody>
+      </p:sp>
+      <p:sp>
+        <p:nvSpPr>
+          <p:cNvPr id="7" name="Straight Connector 6"/>
+          <p:cNvSpPr>
+            <a:spLocks noChangeShapeType="1"/>
+          </p:cNvSpPr>
+          <p:nvPr/>
+        </p:nvSpPr>
+        <p:spPr bwMode="auto">
+          <a:xfrm>
+            <a:off x="457200" y="6353175"/>
+            <a:ext cx="8229600" cy="0"/>
+          </a:xfrm>
+          <a:prstGeom prst="line">
+            <a:avLst/>
+          </a:prstGeom>
+          <a:noFill/>
+          <a:ln w="9525" cap="flat" cmpd="sng" algn="ctr">
+            <a:solidFill>
+              <a:schemeClr val="accent2"/>
+            </a:solidFill>
+            <a:prstDash val="dash"/>
+            <a:round/>
+            <a:headEnd type="none" w="med" len="med"/>
+            <a:tailEnd type="none" w="med" len="med"/>
+          </a:ln>
+          <a:effectLst/>
+        </p:spPr>
+        <p:txBody>
+          <a:bodyPr vert="horz" wrap="square" lIns="91440" tIns="45720" rIns="91440" bIns="45720" anchor="t" compatLnSpc="1"/>
+          <a:lstStyle/>
+          <a:p>
+            <a:endParaRPr kumimoji="0" lang="en-US"/>
+          </a:p>
+        </p:txBody>
+      </p:sp>
+      <p:sp>
+        <p:nvSpPr>
+          <p:cNvPr id="8" name="Isosceles Triangle 7"/>
+          <p:cNvSpPr>
+            <a:spLocks noChangeAspect="1"/>
+          </p:cNvSpPr>
+          <p:nvPr/>
+        </p:nvSpPr>
+        <p:spPr>
+          <a:xfrm rot="5400000">
+            <a:off x="419100" y="6467475"/>
+            <a:ext cx="190849" cy="120314"/>
+          </a:xfrm>
+          <a:prstGeom prst="triangle">
+            <a:avLst>
+              <a:gd name="adj" fmla="val 50000"/>
+            </a:avLst>
+          </a:prstGeom>
+          <a:solidFill>
+            <a:schemeClr val="accent2"/>
+          </a:solidFill>
+          <a:ln w="25400" cap="rnd" cmpd="sng" algn="ctr">
+            <a:noFill/>
+            <a:prstDash val="solid"/>
+          </a:ln>
+          <a:effectLst/>
+        </p:spPr>
+        <p:style>
+          <a:lnRef idx="3">
+            <a:schemeClr val="lt1"/>
+          </a:lnRef>
+          <a:fillRef idx="1">
+            <a:schemeClr val="accent1"/>
+          </a:fillRef>
+          <a:effectRef idx="1">
+            <a:schemeClr val="accent1"/>
+          </a:effectRef>
+          <a:fontRef idx="minor">
+            <a:schemeClr val="lt1"/>
+          </a:fontRef>
+        </p:style>
+        <p:txBody>
+          <a:bodyPr anchor="ctr"/>
+          <a:lstStyle/>
+          <a:p>
+            <a:pPr algn="ctr" eaLnBrk="1" latinLnBrk="0" hangingPunct="1"/>
+            <a:endParaRPr kumimoji="0" lang="en-US"/>
+          </a:p>
+        </p:txBody>
+      </p:sp>
+      <p:sp>
+        <p:nvSpPr>
+          <p:cNvPr id="9" name="Straight Connector 8"/>
+          <p:cNvSpPr>
+            <a:spLocks noChangeShapeType="1"/>
+          </p:cNvSpPr>
+          <p:nvPr/>
+        </p:nvSpPr>
+        <p:spPr bwMode="auto">
+          <a:xfrm rot="5400000">
+            <a:off x="3629607" y="3201952"/>
+            <a:ext cx="5852160" cy="0"/>
+          </a:xfrm>
+          <a:prstGeom prst="line">
+            <a:avLst/>
+          </a:prstGeom>
+          <a:noFill/>
+          <a:ln w="9525" cap="flat" cmpd="sng" algn="ctr">
+            <a:solidFill>
+              <a:schemeClr val="accent2"/>
+            </a:solidFill>
+            <a:prstDash val="dash"/>
+            <a:round/>
+            <a:headEnd type="none" w="med" len="med"/>
+            <a:tailEnd type="none" w="med" len="med"/>
+          </a:ln>
+          <a:effectLst/>
+        </p:spPr>
+        <p:txBody>
+          <a:bodyPr vert="horz" wrap="square" lIns="91440" tIns="45720" rIns="91440" bIns="45720" anchor="t" compatLnSpc="1"/>
+          <a:lstStyle/>
+          <a:p>
+            <a:endParaRPr kumimoji="0" lang="en-US"/>
           </a:p>
         </p:txBody>
       </p:sp>
     </p:spTree>
-    <p:extLst>
-      <p:ext uri="{BB962C8B-B14F-4D97-AF65-F5344CB8AC3E}">
-        <p14:creationId xmlns:p14="http://schemas.microsoft.com/office/powerpoint/2010/main" val="2581529045"/>
-      </p:ext>
-    </p:extLst>
   </p:cSld>
   <p:clrMapOvr>
     <a:masterClrMapping/>
@@ -758,21 +1011,45 @@
           <a:lstStyle/>
           <a:p>
             <a:r>
+              <a:rPr kumimoji="0" lang="en-US" smtClean="0"/>
+              <a:t>Click to edit Master title style</a:t>
+            </a:r>
+            <a:endParaRPr kumimoji="0" lang="en-US"/>
+          </a:p>
+        </p:txBody>
+      </p:sp>
+      <p:sp>
+        <p:nvSpPr>
+          <p:cNvPr id="4" name="Date Placeholder 3"/>
+          <p:cNvSpPr>
+            <a:spLocks noGrp="1"/>
+          </p:cNvSpPr>
+          <p:nvPr>
+            <p:ph type="dt" sz="half" idx="10"/>
+          </p:nvPr>
+        </p:nvSpPr>
+        <p:spPr/>
+        <p:txBody>
+          <a:bodyPr/>
+          <a:lstStyle/>
+          <a:p>
+            <a:fld id="{ACDF6120-F1F0-4C60-9FE9-39AC71A9C79D}" type="datetimeFigureOut">
               <a:rPr lang="en-US" smtClean="0"/>
-              <a:t>Click to edit Master title style</a:t>
-            </a:r>
-            <a:endParaRPr lang="en-US"/>
-          </a:p>
-        </p:txBody>
-      </p:sp>
-      <p:sp>
-        <p:nvSpPr>
-          <p:cNvPr id="3" name="Content Placeholder 2"/>
-          <p:cNvSpPr>
-            <a:spLocks noGrp="1"/>
-          </p:cNvSpPr>
-          <p:nvPr>
-            <p:ph idx="1"/>
+              <a:pPr/>
+              <a:t>11/4/2019</a:t>
+            </a:fld>
+            <a:endParaRPr lang="en-US" dirty="0"/>
+          </a:p>
+        </p:txBody>
+      </p:sp>
+      <p:sp>
+        <p:nvSpPr>
+          <p:cNvPr id="5" name="Footer Placeholder 4"/>
+          <p:cNvSpPr>
+            <a:spLocks noGrp="1"/>
+          </p:cNvSpPr>
+          <p:nvPr>
+            <p:ph type="ftr" sz="quarter" idx="11"/>
           </p:nvPr>
         </p:nvSpPr>
         <p:spPr/>
@@ -780,114 +1057,92 @@
           <a:bodyPr/>
           <a:lstStyle/>
           <a:p>
-            <a:pPr lvl="0"/>
+            <a:endParaRPr kumimoji="0" lang="en-US"/>
+          </a:p>
+        </p:txBody>
+      </p:sp>
+      <p:sp>
+        <p:nvSpPr>
+          <p:cNvPr id="6" name="Slide Number Placeholder 5"/>
+          <p:cNvSpPr>
+            <a:spLocks noGrp="1"/>
+          </p:cNvSpPr>
+          <p:nvPr>
+            <p:ph type="sldNum" sz="quarter" idx="12"/>
+          </p:nvPr>
+        </p:nvSpPr>
+        <p:spPr/>
+        <p:txBody>
+          <a:bodyPr/>
+          <a:lstStyle/>
+          <a:p>
+            <a:fld id="{EA7C8D44-3667-46F6-9772-CC52308E2A7F}" type="slidenum">
+              <a:rPr kumimoji="0" lang="en-US" smtClean="0"/>
+              <a:pPr/>
+              <a:t>‹#›</a:t>
+            </a:fld>
+            <a:endParaRPr kumimoji="0" lang="en-US" dirty="0"/>
+          </a:p>
+        </p:txBody>
+      </p:sp>
+      <p:sp>
+        <p:nvSpPr>
+          <p:cNvPr id="8" name="Content Placeholder 7"/>
+          <p:cNvSpPr>
+            <a:spLocks noGrp="1"/>
+          </p:cNvSpPr>
+          <p:nvPr>
+            <p:ph sz="quarter" idx="1"/>
+          </p:nvPr>
+        </p:nvSpPr>
+        <p:spPr>
+          <a:xfrm>
+            <a:off x="457200" y="1219200"/>
+            <a:ext cx="8229600" cy="4937760"/>
+          </a:xfrm>
+        </p:spPr>
+        <p:txBody>
+          <a:bodyPr/>
+          <a:lstStyle/>
+          <a:p>
+            <a:pPr lvl="0" eaLnBrk="1" latinLnBrk="0" hangingPunct="1"/>
             <a:r>
               <a:rPr lang="en-US" smtClean="0"/>
               <a:t>Click to edit Master text styles</a:t>
             </a:r>
           </a:p>
           <a:p>
-            <a:pPr lvl="1"/>
+            <a:pPr lvl="1" eaLnBrk="1" latinLnBrk="0" hangingPunct="1"/>
             <a:r>
               <a:rPr lang="en-US" smtClean="0"/>
               <a:t>Second level</a:t>
             </a:r>
           </a:p>
           <a:p>
-            <a:pPr lvl="2"/>
+            <a:pPr lvl="2" eaLnBrk="1" latinLnBrk="0" hangingPunct="1"/>
             <a:r>
               <a:rPr lang="en-US" smtClean="0"/>
               <a:t>Third level</a:t>
             </a:r>
           </a:p>
           <a:p>
-            <a:pPr lvl="3"/>
+            <a:pPr lvl="3" eaLnBrk="1" latinLnBrk="0" hangingPunct="1"/>
             <a:r>
               <a:rPr lang="en-US" smtClean="0"/>
               <a:t>Fourth level</a:t>
             </a:r>
           </a:p>
           <a:p>
-            <a:pPr lvl="4"/>
+            <a:pPr lvl="4" eaLnBrk="1" latinLnBrk="0" hangingPunct="1"/>
             <a:r>
               <a:rPr lang="en-US" smtClean="0"/>
               <a:t>Fifth level</a:t>
             </a:r>
-            <a:endParaRPr lang="en-US"/>
-          </a:p>
-        </p:txBody>
-      </p:sp>
-      <p:sp>
-        <p:nvSpPr>
-          <p:cNvPr id="4" name="Date Placeholder 3"/>
-          <p:cNvSpPr>
-            <a:spLocks noGrp="1"/>
-          </p:cNvSpPr>
-          <p:nvPr>
-            <p:ph type="dt" sz="half" idx="10"/>
-          </p:nvPr>
-        </p:nvSpPr>
-        <p:spPr/>
-        <p:txBody>
-          <a:bodyPr/>
-          <a:lstStyle/>
-          <a:p>
-            <a:fld id="{241EB5C9-1307-BA42-ABA2-0BC069CD8E7F}" type="datetimeFigureOut">
-              <a:rPr lang="en-US" smtClean="0"/>
-              <a:t>4/5/2019</a:t>
-            </a:fld>
-            <a:endParaRPr lang="en-US"/>
-          </a:p>
-        </p:txBody>
-      </p:sp>
-      <p:sp>
-        <p:nvSpPr>
-          <p:cNvPr id="5" name="Footer Placeholder 4"/>
-          <p:cNvSpPr>
-            <a:spLocks noGrp="1"/>
-          </p:cNvSpPr>
-          <p:nvPr>
-            <p:ph type="ftr" sz="quarter" idx="11"/>
-          </p:nvPr>
-        </p:nvSpPr>
-        <p:spPr/>
-        <p:txBody>
-          <a:bodyPr/>
-          <a:lstStyle/>
-          <a:p>
-            <a:endParaRPr lang="en-US"/>
-          </a:p>
-        </p:txBody>
-      </p:sp>
-      <p:sp>
-        <p:nvSpPr>
-          <p:cNvPr id="6" name="Slide Number Placeholder 5"/>
-          <p:cNvSpPr>
-            <a:spLocks noGrp="1"/>
-          </p:cNvSpPr>
-          <p:nvPr>
-            <p:ph type="sldNum" sz="quarter" idx="12"/>
-          </p:nvPr>
-        </p:nvSpPr>
-        <p:spPr/>
-        <p:txBody>
-          <a:bodyPr/>
-          <a:lstStyle/>
-          <a:p>
-            <a:fld id="{C5EF2332-01BF-834F-8236-50238282D533}" type="slidenum">
-              <a:rPr lang="en-US" smtClean="0"/>
-              <a:t>‹#›</a:t>
-            </a:fld>
-            <a:endParaRPr lang="en-US"/>
+            <a:endParaRPr kumimoji="0" lang="en-US"/>
           </a:p>
         </p:txBody>
       </p:sp>
     </p:spTree>
-    <p:extLst>
-      <p:ext uri="{BB962C8B-B14F-4D97-AF65-F5344CB8AC3E}">
-        <p14:creationId xmlns:p14="http://schemas.microsoft.com/office/powerpoint/2010/main" val="338346009"/>
-      </p:ext>
-    </p:extLst>
   </p:cSld>
   <p:clrMapOvr>
     <a:masterClrMapping/>
@@ -896,8 +1151,13 @@
 </file>
 
 <file path=ppt/slideLayouts/slideLayout3.xml><?xml version="1.0" encoding="utf-8"?>
-<p:sldLayout xmlns:a="http://schemas.openxmlformats.org/drawingml/2006/main" xmlns:r="http://schemas.openxmlformats.org/officeDocument/2006/relationships" xmlns:p="http://schemas.openxmlformats.org/presentationml/2006/main" type="secHead" preserve="1">
+<p:sldLayout xmlns:a="http://schemas.openxmlformats.org/drawingml/2006/main" xmlns:r="http://schemas.openxmlformats.org/officeDocument/2006/relationships" xmlns:p="http://schemas.openxmlformats.org/presentationml/2006/main" showMasterSp="0" type="secHead" preserve="1">
   <p:cSld name="Section Header">
+    <p:bg>
+      <p:bgRef idx="1001">
+        <a:schemeClr val="bg2"/>
+      </p:bgRef>
+    </p:bg>
     <p:spTree>
       <p:nvGrpSpPr>
         <p:cNvPr id="1" name=""/>
@@ -924,23 +1184,24 @@
         </p:nvSpPr>
         <p:spPr>
           <a:xfrm>
-            <a:off x="722313" y="4406900"/>
-            <a:ext cx="7772400" cy="1362075"/>
-          </a:xfrm>
-        </p:spPr>
-        <p:txBody>
-          <a:bodyPr anchor="t"/>
+            <a:off x="1219200" y="2971800"/>
+            <a:ext cx="6858000" cy="1066800"/>
+          </a:xfrm>
+        </p:spPr>
+        <p:txBody>
+          <a:bodyPr anchor="t" anchorCtr="0"/>
           <a:lstStyle>
-            <a:lvl1pPr algn="l">
-              <a:defRPr sz="4000" b="1" cap="all"/>
+            <a:lvl1pPr algn="r">
+              <a:buNone/>
+              <a:defRPr sz="3200" b="0" cap="none" baseline="0"/>
             </a:lvl1pPr>
           </a:lstStyle>
           <a:p>
             <a:r>
-              <a:rPr lang="en-US" smtClean="0"/>
+              <a:rPr kumimoji="0" lang="en-US" smtClean="0"/>
               <a:t>Click to edit Master title style</a:t>
             </a:r>
-            <a:endParaRPr lang="en-US"/>
+            <a:endParaRPr kumimoji="0" lang="en-US"/>
           </a:p>
         </p:txBody>
       </p:sp>
@@ -956,14 +1217,14 @@
         </p:nvSpPr>
         <p:spPr>
           <a:xfrm>
-            <a:off x="722313" y="2906713"/>
-            <a:ext cx="7772400" cy="1500187"/>
-          </a:xfrm>
-        </p:spPr>
-        <p:txBody>
-          <a:bodyPr anchor="b"/>
+            <a:off x="1295400" y="4267200"/>
+            <a:ext cx="6781800" cy="1143000"/>
+          </a:xfrm>
+        </p:spPr>
+        <p:txBody>
+          <a:bodyPr anchor="t" anchorCtr="0"/>
           <a:lstStyle>
-            <a:lvl1pPr marL="0" indent="0">
+            <a:lvl1pPr marL="0" indent="0" algn="r">
               <a:buNone/>
               <a:defRPr sz="2000">
                 <a:solidFill>
@@ -973,7 +1234,7 @@
                 </a:solidFill>
               </a:defRPr>
             </a:lvl1pPr>
-            <a:lvl2pPr marL="457200" indent="0">
+            <a:lvl2pPr>
               <a:buNone/>
               <a:defRPr sz="1800">
                 <a:solidFill>
@@ -983,7 +1244,7 @@
                 </a:solidFill>
               </a:defRPr>
             </a:lvl2pPr>
-            <a:lvl3pPr marL="914400" indent="0">
+            <a:lvl3pPr>
               <a:buNone/>
               <a:defRPr sz="1600">
                 <a:solidFill>
@@ -993,7 +1254,7 @@
                 </a:solidFill>
               </a:defRPr>
             </a:lvl3pPr>
-            <a:lvl4pPr marL="1371600" indent="0">
+            <a:lvl4pPr>
               <a:buNone/>
               <a:defRPr sz="1400">
                 <a:solidFill>
@@ -1003,7 +1264,7 @@
                 </a:solidFill>
               </a:defRPr>
             </a:lvl4pPr>
-            <a:lvl5pPr marL="1828800" indent="0">
+            <a:lvl5pPr>
               <a:buNone/>
               <a:defRPr sz="1400">
                 <a:solidFill>
@@ -1013,76 +1274,42 @@
                 </a:solidFill>
               </a:defRPr>
             </a:lvl5pPr>
-            <a:lvl6pPr marL="2286000" indent="0">
-              <a:buNone/>
-              <a:defRPr sz="1400">
-                <a:solidFill>
-                  <a:schemeClr val="tx1">
-                    <a:tint val="75000"/>
-                  </a:schemeClr>
-                </a:solidFill>
-              </a:defRPr>
-            </a:lvl6pPr>
-            <a:lvl7pPr marL="2743200" indent="0">
-              <a:buNone/>
-              <a:defRPr sz="1400">
-                <a:solidFill>
-                  <a:schemeClr val="tx1">
-                    <a:tint val="75000"/>
-                  </a:schemeClr>
-                </a:solidFill>
-              </a:defRPr>
-            </a:lvl7pPr>
-            <a:lvl8pPr marL="3200400" indent="0">
-              <a:buNone/>
-              <a:defRPr sz="1400">
-                <a:solidFill>
-                  <a:schemeClr val="tx1">
-                    <a:tint val="75000"/>
-                  </a:schemeClr>
-                </a:solidFill>
-              </a:defRPr>
-            </a:lvl8pPr>
-            <a:lvl9pPr marL="3657600" indent="0">
-              <a:buNone/>
-              <a:defRPr sz="1400">
-                <a:solidFill>
-                  <a:schemeClr val="tx1">
-                    <a:tint val="75000"/>
-                  </a:schemeClr>
-                </a:solidFill>
-              </a:defRPr>
-            </a:lvl9pPr>
           </a:lstStyle>
           <a:p>
-            <a:pPr lvl="0"/>
-            <a:r>
+            <a:pPr lvl="0" eaLnBrk="1" latinLnBrk="0" hangingPunct="1"/>
+            <a:r>
+              <a:rPr kumimoji="0" lang="en-US" smtClean="0"/>
+              <a:t>Click to edit Master text styles</a:t>
+            </a:r>
+          </a:p>
+        </p:txBody>
+      </p:sp>
+      <p:sp>
+        <p:nvSpPr>
+          <p:cNvPr id="4" name="Date Placeholder 3"/>
+          <p:cNvSpPr>
+            <a:spLocks noGrp="1"/>
+          </p:cNvSpPr>
+          <p:nvPr>
+            <p:ph type="dt" sz="half" idx="10"/>
+          </p:nvPr>
+        </p:nvSpPr>
+        <p:spPr>
+          <a:xfrm>
+            <a:off x="6400800" y="6355080"/>
+            <a:ext cx="2286000" cy="365760"/>
+          </a:xfrm>
+        </p:spPr>
+        <p:txBody>
+          <a:bodyPr/>
+          <a:lstStyle/>
+          <a:p>
+            <a:fld id="{ACDF6120-F1F0-4C60-9FE9-39AC71A9C79D}" type="datetimeFigureOut">
               <a:rPr lang="en-US" smtClean="0"/>
-              <a:t>Click to edit Master text styles</a:t>
-            </a:r>
-          </a:p>
-        </p:txBody>
-      </p:sp>
-      <p:sp>
-        <p:nvSpPr>
-          <p:cNvPr id="4" name="Date Placeholder 3"/>
-          <p:cNvSpPr>
-            <a:spLocks noGrp="1"/>
-          </p:cNvSpPr>
-          <p:nvPr>
-            <p:ph type="dt" sz="half" idx="10"/>
-          </p:nvPr>
-        </p:nvSpPr>
-        <p:spPr/>
-        <p:txBody>
-          <a:bodyPr/>
-          <a:lstStyle/>
-          <a:p>
-            <a:fld id="{241EB5C9-1307-BA42-ABA2-0BC069CD8E7F}" type="datetimeFigureOut">
-              <a:rPr lang="en-US" smtClean="0"/>
-              <a:t>4/5/2019</a:t>
+              <a:pPr/>
+              <a:t>11/4/2019</a:t>
             </a:fld>
-            <a:endParaRPr lang="en-US"/>
+            <a:endParaRPr lang="en-US" dirty="0"/>
           </a:p>
         </p:txBody>
       </p:sp>
@@ -1096,12 +1323,17 @@
             <p:ph type="ftr" sz="quarter" idx="11"/>
           </p:nvPr>
         </p:nvSpPr>
-        <p:spPr/>
-        <p:txBody>
-          <a:bodyPr/>
-          <a:lstStyle/>
-          <a:p>
-            <a:endParaRPr lang="en-US"/>
+        <p:spPr>
+          <a:xfrm>
+            <a:off x="2898648" y="6355080"/>
+            <a:ext cx="3474720" cy="365760"/>
+          </a:xfrm>
+        </p:spPr>
+        <p:txBody>
+          <a:bodyPr/>
+          <a:lstStyle/>
+          <a:p>
+            <a:endParaRPr kumimoji="0" lang="en-US" dirty="0"/>
           </a:p>
         </p:txBody>
       </p:sp>
@@ -1115,28 +1347,121 @@
             <p:ph type="sldNum" sz="quarter" idx="12"/>
           </p:nvPr>
         </p:nvSpPr>
-        <p:spPr/>
-        <p:txBody>
-          <a:bodyPr/>
-          <a:lstStyle/>
-          <a:p>
-            <a:fld id="{C5EF2332-01BF-834F-8236-50238282D533}" type="slidenum">
-              <a:rPr lang="en-US" smtClean="0"/>
+        <p:spPr>
+          <a:xfrm>
+            <a:off x="1069848" y="6355080"/>
+            <a:ext cx="1520952" cy="365760"/>
+          </a:xfrm>
+        </p:spPr>
+        <p:txBody>
+          <a:bodyPr/>
+          <a:lstStyle/>
+          <a:p>
+            <a:fld id="{EA7C8D44-3667-46F6-9772-CC52308E2A7F}" type="slidenum">
+              <a:rPr kumimoji="0" lang="en-US" smtClean="0"/>
+              <a:pPr/>
               <a:t>‹#›</a:t>
             </a:fld>
-            <a:endParaRPr lang="en-US"/>
+            <a:endParaRPr kumimoji="0" lang="en-US" dirty="0"/>
+          </a:p>
+        </p:txBody>
+      </p:sp>
+      <p:sp>
+        <p:nvSpPr>
+          <p:cNvPr id="7" name="Rectangle 6"/>
+          <p:cNvSpPr/>
+          <p:nvPr/>
+        </p:nvSpPr>
+        <p:spPr>
+          <a:xfrm>
+            <a:off x="914400" y="2819400"/>
+            <a:ext cx="7315200" cy="1280160"/>
+          </a:xfrm>
+          <a:prstGeom prst="rect">
+            <a:avLst/>
+          </a:prstGeom>
+          <a:noFill/>
+          <a:ln w="6350" cap="rnd" cmpd="sng" algn="ctr">
+            <a:solidFill>
+              <a:schemeClr val="accent1"/>
+            </a:solidFill>
+            <a:prstDash val="solid"/>
+          </a:ln>
+          <a:effectLst/>
+        </p:spPr>
+        <p:style>
+          <a:lnRef idx="3">
+            <a:schemeClr val="lt1"/>
+          </a:lnRef>
+          <a:fillRef idx="1">
+            <a:schemeClr val="accent1"/>
+          </a:fillRef>
+          <a:effectRef idx="1">
+            <a:schemeClr val="accent1"/>
+          </a:effectRef>
+          <a:fontRef idx="minor">
+            <a:schemeClr val="lt1"/>
+          </a:fontRef>
+        </p:style>
+        <p:txBody>
+          <a:bodyPr anchor="ctr"/>
+          <a:lstStyle/>
+          <a:p>
+            <a:pPr algn="ctr" eaLnBrk="1" latinLnBrk="0" hangingPunct="1"/>
+            <a:endParaRPr kumimoji="0" lang="en-US"/>
+          </a:p>
+        </p:txBody>
+      </p:sp>
+      <p:sp>
+        <p:nvSpPr>
+          <p:cNvPr id="8" name="Rectangle 7"/>
+          <p:cNvSpPr/>
+          <p:nvPr/>
+        </p:nvSpPr>
+        <p:spPr>
+          <a:xfrm>
+            <a:off x="914400" y="2819400"/>
+            <a:ext cx="228600" cy="1280160"/>
+          </a:xfrm>
+          <a:prstGeom prst="rect">
+            <a:avLst/>
+          </a:prstGeom>
+          <a:solidFill>
+            <a:schemeClr val="accent1"/>
+          </a:solidFill>
+          <a:ln w="6350" cap="rnd" cmpd="sng" algn="ctr">
+            <a:noFill/>
+            <a:prstDash val="solid"/>
+          </a:ln>
+          <a:effectLst/>
+        </p:spPr>
+        <p:style>
+          <a:lnRef idx="3">
+            <a:schemeClr val="lt1"/>
+          </a:lnRef>
+          <a:fillRef idx="1">
+            <a:schemeClr val="accent1"/>
+          </a:fillRef>
+          <a:effectRef idx="1">
+            <a:schemeClr val="accent1"/>
+          </a:effectRef>
+          <a:fontRef idx="minor">
+            <a:schemeClr val="lt1"/>
+          </a:fontRef>
+        </p:style>
+        <p:txBody>
+          <a:bodyPr anchor="ctr"/>
+          <a:lstStyle/>
+          <a:p>
+            <a:pPr algn="ctr" eaLnBrk="1" latinLnBrk="0" hangingPunct="1"/>
+            <a:endParaRPr kumimoji="0" lang="en-US"/>
           </a:p>
         </p:txBody>
       </p:sp>
     </p:spTree>
-    <p:extLst>
-      <p:ext uri="{BB962C8B-B14F-4D97-AF65-F5344CB8AC3E}">
-        <p14:creationId xmlns:p14="http://schemas.microsoft.com/office/powerpoint/2010/main" val="1073069076"/>
-      </p:ext>
-    </p:extLst>
   </p:cSld>
   <p:clrMapOvr>
-    <a:masterClrMapping/>
+    <a:overrideClrMapping bg1="dk1" tx1="lt1" bg2="dk2" tx2="lt2" accent1="accent1" accent2="accent2" accent3="accent3" accent4="accent4" accent5="accent5" accent6="accent6" hlink="hlink" folHlink="folHlink"/>
   </p:clrMapOvr>
 </p:sldLayout>
 </file>
@@ -1168,260 +1493,206 @@
             <p:ph type="title"/>
           </p:nvPr>
         </p:nvSpPr>
-        <p:spPr/>
-        <p:txBody>
-          <a:bodyPr/>
-          <a:lstStyle/>
-          <a:p>
-            <a:r>
-              <a:rPr lang="en-US" smtClean="0"/>
-              <a:t>Click to edit Master title style</a:t>
-            </a:r>
-            <a:endParaRPr lang="en-US"/>
-          </a:p>
-        </p:txBody>
-      </p:sp>
-      <p:sp>
-        <p:nvSpPr>
-          <p:cNvPr id="3" name="Content Placeholder 2"/>
-          <p:cNvSpPr>
-            <a:spLocks noGrp="1"/>
-          </p:cNvSpPr>
-          <p:nvPr>
-            <p:ph sz="half" idx="1"/>
-          </p:nvPr>
-        </p:nvSpPr>
         <p:spPr>
           <a:xfrm>
-            <a:off x="457200" y="1600200"/>
-            <a:ext cx="4038600" cy="4525963"/>
-          </a:xfrm>
-        </p:spPr>
-        <p:txBody>
-          <a:bodyPr/>
-          <a:lstStyle>
-            <a:lvl1pPr>
-              <a:defRPr sz="2800"/>
-            </a:lvl1pPr>
-            <a:lvl2pPr>
-              <a:defRPr sz="2400"/>
-            </a:lvl2pPr>
-            <a:lvl3pPr>
-              <a:defRPr sz="2000"/>
-            </a:lvl3pPr>
-            <a:lvl4pPr>
-              <a:defRPr sz="1800"/>
-            </a:lvl4pPr>
-            <a:lvl5pPr>
-              <a:defRPr sz="1800"/>
-            </a:lvl5pPr>
-            <a:lvl6pPr>
-              <a:defRPr sz="1800"/>
-            </a:lvl6pPr>
-            <a:lvl7pPr>
-              <a:defRPr sz="1800"/>
-            </a:lvl7pPr>
-            <a:lvl8pPr>
-              <a:defRPr sz="1800"/>
-            </a:lvl8pPr>
-            <a:lvl9pPr>
-              <a:defRPr sz="1800"/>
-            </a:lvl9pPr>
-          </a:lstStyle>
-          <a:p>
-            <a:pPr lvl="0"/>
+            <a:off x="457200" y="228600"/>
+            <a:ext cx="8229600" cy="914400"/>
+          </a:xfrm>
+        </p:spPr>
+        <p:txBody>
+          <a:bodyPr/>
+          <a:lstStyle/>
+          <a:p>
+            <a:r>
+              <a:rPr kumimoji="0" lang="en-US" smtClean="0"/>
+              <a:t>Click to edit Master title style</a:t>
+            </a:r>
+            <a:endParaRPr kumimoji="0" lang="en-US"/>
+          </a:p>
+        </p:txBody>
+      </p:sp>
+      <p:sp>
+        <p:nvSpPr>
+          <p:cNvPr id="5" name="Date Placeholder 4"/>
+          <p:cNvSpPr>
+            <a:spLocks noGrp="1"/>
+          </p:cNvSpPr>
+          <p:nvPr>
+            <p:ph type="dt" sz="half" idx="10"/>
+          </p:nvPr>
+        </p:nvSpPr>
+        <p:spPr/>
+        <p:txBody>
+          <a:bodyPr/>
+          <a:lstStyle/>
+          <a:p>
+            <a:fld id="{ACDF6120-F1F0-4C60-9FE9-39AC71A9C79D}" type="datetimeFigureOut">
+              <a:rPr lang="en-US" smtClean="0"/>
+              <a:pPr/>
+              <a:t>11/4/2019</a:t>
+            </a:fld>
+            <a:endParaRPr lang="en-US"/>
+          </a:p>
+        </p:txBody>
+      </p:sp>
+      <p:sp>
+        <p:nvSpPr>
+          <p:cNvPr id="6" name="Footer Placeholder 5"/>
+          <p:cNvSpPr>
+            <a:spLocks noGrp="1"/>
+          </p:cNvSpPr>
+          <p:nvPr>
+            <p:ph type="ftr" sz="quarter" idx="11"/>
+          </p:nvPr>
+        </p:nvSpPr>
+        <p:spPr/>
+        <p:txBody>
+          <a:bodyPr/>
+          <a:lstStyle/>
+          <a:p>
+            <a:endParaRPr kumimoji="0" lang="en-US"/>
+          </a:p>
+        </p:txBody>
+      </p:sp>
+      <p:sp>
+        <p:nvSpPr>
+          <p:cNvPr id="7" name="Slide Number Placeholder 6"/>
+          <p:cNvSpPr>
+            <a:spLocks noGrp="1"/>
+          </p:cNvSpPr>
+          <p:nvPr>
+            <p:ph type="sldNum" sz="quarter" idx="12"/>
+          </p:nvPr>
+        </p:nvSpPr>
+        <p:spPr/>
+        <p:txBody>
+          <a:bodyPr/>
+          <a:lstStyle/>
+          <a:p>
+            <a:fld id="{EA7C8D44-3667-46F6-9772-CC52308E2A7F}" type="slidenum">
+              <a:rPr kumimoji="0" lang="en-US" smtClean="0"/>
+              <a:pPr/>
+              <a:t>‹#›</a:t>
+            </a:fld>
+            <a:endParaRPr kumimoji="0" lang="en-US"/>
+          </a:p>
+        </p:txBody>
+      </p:sp>
+      <p:sp>
+        <p:nvSpPr>
+          <p:cNvPr id="9" name="Content Placeholder 8"/>
+          <p:cNvSpPr>
+            <a:spLocks noGrp="1"/>
+          </p:cNvSpPr>
+          <p:nvPr>
+            <p:ph sz="quarter" idx="1"/>
+          </p:nvPr>
+        </p:nvSpPr>
+        <p:spPr>
+          <a:xfrm>
+            <a:off x="457200" y="1219200"/>
+            <a:ext cx="4041648" cy="4937760"/>
+          </a:xfrm>
+        </p:spPr>
+        <p:txBody>
+          <a:bodyPr/>
+          <a:lstStyle/>
+          <a:p>
+            <a:pPr lvl="0" eaLnBrk="1" latinLnBrk="0" hangingPunct="1"/>
             <a:r>
               <a:rPr lang="en-US" smtClean="0"/>
               <a:t>Click to edit Master text styles</a:t>
             </a:r>
           </a:p>
           <a:p>
-            <a:pPr lvl="1"/>
+            <a:pPr lvl="1" eaLnBrk="1" latinLnBrk="0" hangingPunct="1"/>
             <a:r>
               <a:rPr lang="en-US" smtClean="0"/>
               <a:t>Second level</a:t>
             </a:r>
           </a:p>
           <a:p>
-            <a:pPr lvl="2"/>
+            <a:pPr lvl="2" eaLnBrk="1" latinLnBrk="0" hangingPunct="1"/>
             <a:r>
               <a:rPr lang="en-US" smtClean="0"/>
               <a:t>Third level</a:t>
             </a:r>
           </a:p>
           <a:p>
-            <a:pPr lvl="3"/>
+            <a:pPr lvl="3" eaLnBrk="1" latinLnBrk="0" hangingPunct="1"/>
             <a:r>
               <a:rPr lang="en-US" smtClean="0"/>
               <a:t>Fourth level</a:t>
             </a:r>
           </a:p>
           <a:p>
-            <a:pPr lvl="4"/>
+            <a:pPr lvl="4" eaLnBrk="1" latinLnBrk="0" hangingPunct="1"/>
             <a:r>
               <a:rPr lang="en-US" smtClean="0"/>
               <a:t>Fifth level</a:t>
             </a:r>
-            <a:endParaRPr lang="en-US"/>
-          </a:p>
-        </p:txBody>
-      </p:sp>
-      <p:sp>
-        <p:nvSpPr>
-          <p:cNvPr id="4" name="Content Placeholder 3"/>
-          <p:cNvSpPr>
-            <a:spLocks noGrp="1"/>
-          </p:cNvSpPr>
-          <p:nvPr>
-            <p:ph sz="half" idx="2"/>
+            <a:endParaRPr kumimoji="0" lang="en-US"/>
+          </a:p>
+        </p:txBody>
+      </p:sp>
+      <p:sp>
+        <p:nvSpPr>
+          <p:cNvPr id="11" name="Content Placeholder 10"/>
+          <p:cNvSpPr>
+            <a:spLocks noGrp="1"/>
+          </p:cNvSpPr>
+          <p:nvPr>
+            <p:ph sz="quarter" idx="2"/>
           </p:nvPr>
         </p:nvSpPr>
         <p:spPr>
           <a:xfrm>
-            <a:off x="4648200" y="1600200"/>
-            <a:ext cx="4038600" cy="4525963"/>
-          </a:xfrm>
-        </p:spPr>
-        <p:txBody>
-          <a:bodyPr/>
-          <a:lstStyle>
-            <a:lvl1pPr>
-              <a:defRPr sz="2800"/>
-            </a:lvl1pPr>
-            <a:lvl2pPr>
-              <a:defRPr sz="2400"/>
-            </a:lvl2pPr>
-            <a:lvl3pPr>
-              <a:defRPr sz="2000"/>
-            </a:lvl3pPr>
-            <a:lvl4pPr>
-              <a:defRPr sz="1800"/>
-            </a:lvl4pPr>
-            <a:lvl5pPr>
-              <a:defRPr sz="1800"/>
-            </a:lvl5pPr>
-            <a:lvl6pPr>
-              <a:defRPr sz="1800"/>
-            </a:lvl6pPr>
-            <a:lvl7pPr>
-              <a:defRPr sz="1800"/>
-            </a:lvl7pPr>
-            <a:lvl8pPr>
-              <a:defRPr sz="1800"/>
-            </a:lvl8pPr>
-            <a:lvl9pPr>
-              <a:defRPr sz="1800"/>
-            </a:lvl9pPr>
-          </a:lstStyle>
-          <a:p>
-            <a:pPr lvl="0"/>
+            <a:off x="4632198" y="1216152"/>
+            <a:ext cx="4041648" cy="4937760"/>
+          </a:xfrm>
+        </p:spPr>
+        <p:txBody>
+          <a:bodyPr/>
+          <a:lstStyle/>
+          <a:p>
+            <a:pPr lvl="0" eaLnBrk="1" latinLnBrk="0" hangingPunct="1"/>
             <a:r>
               <a:rPr lang="en-US" smtClean="0"/>
               <a:t>Click to edit Master text styles</a:t>
             </a:r>
           </a:p>
           <a:p>
-            <a:pPr lvl="1"/>
+            <a:pPr lvl="1" eaLnBrk="1" latinLnBrk="0" hangingPunct="1"/>
             <a:r>
               <a:rPr lang="en-US" smtClean="0"/>
               <a:t>Second level</a:t>
             </a:r>
           </a:p>
           <a:p>
-            <a:pPr lvl="2"/>
+            <a:pPr lvl="2" eaLnBrk="1" latinLnBrk="0" hangingPunct="1"/>
             <a:r>
               <a:rPr lang="en-US" smtClean="0"/>
               <a:t>Third level</a:t>
             </a:r>
           </a:p>
           <a:p>
-            <a:pPr lvl="3"/>
+            <a:pPr lvl="3" eaLnBrk="1" latinLnBrk="0" hangingPunct="1"/>
             <a:r>
               <a:rPr lang="en-US" smtClean="0"/>
               <a:t>Fourth level</a:t>
             </a:r>
           </a:p>
           <a:p>
-            <a:pPr lvl="4"/>
+            <a:pPr lvl="4" eaLnBrk="1" latinLnBrk="0" hangingPunct="1"/>
             <a:r>
               <a:rPr lang="en-US" smtClean="0"/>
               <a:t>Fifth level</a:t>
             </a:r>
-            <a:endParaRPr lang="en-US"/>
-          </a:p>
-        </p:txBody>
-      </p:sp>
-      <p:sp>
-        <p:nvSpPr>
-          <p:cNvPr id="5" name="Date Placeholder 4"/>
-          <p:cNvSpPr>
-            <a:spLocks noGrp="1"/>
-          </p:cNvSpPr>
-          <p:nvPr>
-            <p:ph type="dt" sz="half" idx="10"/>
-          </p:nvPr>
-        </p:nvSpPr>
-        <p:spPr/>
-        <p:txBody>
-          <a:bodyPr/>
-          <a:lstStyle/>
-          <a:p>
-            <a:fld id="{241EB5C9-1307-BA42-ABA2-0BC069CD8E7F}" type="datetimeFigureOut">
-              <a:rPr lang="en-US" smtClean="0"/>
-              <a:t>4/5/2019</a:t>
-            </a:fld>
-            <a:endParaRPr lang="en-US"/>
-          </a:p>
-        </p:txBody>
-      </p:sp>
-      <p:sp>
-        <p:nvSpPr>
-          <p:cNvPr id="6" name="Footer Placeholder 5"/>
-          <p:cNvSpPr>
-            <a:spLocks noGrp="1"/>
-          </p:cNvSpPr>
-          <p:nvPr>
-            <p:ph type="ftr" sz="quarter" idx="11"/>
-          </p:nvPr>
-        </p:nvSpPr>
-        <p:spPr/>
-        <p:txBody>
-          <a:bodyPr/>
-          <a:lstStyle/>
-          <a:p>
-            <a:endParaRPr lang="en-US"/>
-          </a:p>
-        </p:txBody>
-      </p:sp>
-      <p:sp>
-        <p:nvSpPr>
-          <p:cNvPr id="7" name="Slide Number Placeholder 6"/>
-          <p:cNvSpPr>
-            <a:spLocks noGrp="1"/>
-          </p:cNvSpPr>
-          <p:nvPr>
-            <p:ph type="sldNum" sz="quarter" idx="12"/>
-          </p:nvPr>
-        </p:nvSpPr>
-        <p:spPr/>
-        <p:txBody>
-          <a:bodyPr/>
-          <a:lstStyle/>
-          <a:p>
-            <a:fld id="{C5EF2332-01BF-834F-8236-50238282D533}" type="slidenum">
-              <a:rPr lang="en-US" smtClean="0"/>
-              <a:t>‹#›</a:t>
-            </a:fld>
-            <a:endParaRPr lang="en-US"/>
+            <a:endParaRPr kumimoji="0" lang="en-US"/>
           </a:p>
         </p:txBody>
       </p:sp>
     </p:spTree>
-    <p:extLst>
-      <p:ext uri="{BB962C8B-B14F-4D97-AF65-F5344CB8AC3E}">
-        <p14:creationId xmlns:p14="http://schemas.microsoft.com/office/powerpoint/2010/main" val="2619886245"/>
-      </p:ext>
-    </p:extLst>
   </p:cSld>
   <p:clrMapOvr>
     <a:masterClrMapping/>
@@ -1456,9 +1727,14 @@
             <p:ph type="title"/>
           </p:nvPr>
         </p:nvSpPr>
-        <p:spPr/>
-        <p:txBody>
-          <a:bodyPr/>
+        <p:spPr>
+          <a:xfrm>
+            <a:off x="457200" y="228600"/>
+            <a:ext cx="8229600" cy="914400"/>
+          </a:xfrm>
+        </p:spPr>
+        <p:txBody>
+          <a:bodyPr anchor="ctr"/>
           <a:lstStyle>
             <a:lvl1pPr>
               <a:defRPr/>
@@ -1466,10 +1742,10 @@
           </a:lstStyle>
           <a:p>
             <a:r>
-              <a:rPr lang="en-US" smtClean="0"/>
+              <a:rPr kumimoji="0" lang="en-US" smtClean="0"/>
               <a:t>Click to edit Master title style</a:t>
             </a:r>
-            <a:endParaRPr lang="en-US"/>
+            <a:endParaRPr kumimoji="0" lang="en-US"/>
           </a:p>
         </p:txBody>
       </p:sp>
@@ -1485,54 +1761,48 @@
         </p:nvSpPr>
         <p:spPr>
           <a:xfrm>
-            <a:off x="457200" y="1535113"/>
-            <a:ext cx="4040188" cy="639762"/>
-          </a:xfrm>
-        </p:spPr>
-        <p:txBody>
-          <a:bodyPr anchor="b"/>
+            <a:off x="457200" y="1285875"/>
+            <a:ext cx="4040188" cy="685800"/>
+          </a:xfrm>
+          <a:noFill/>
+          <a:ln>
+            <a:noFill/>
+          </a:ln>
+        </p:spPr>
+        <p:txBody>
+          <a:bodyPr lIns="91440" anchor="b" anchorCtr="0">
+            <a:noAutofit/>
+          </a:bodyPr>
           <a:lstStyle>
             <a:lvl1pPr marL="0" indent="0">
               <a:buNone/>
-              <a:defRPr sz="2400" b="1"/>
+              <a:defRPr sz="2400" b="1">
+                <a:solidFill>
+                  <a:schemeClr val="accent2"/>
+                </a:solidFill>
+              </a:defRPr>
             </a:lvl1pPr>
-            <a:lvl2pPr marL="457200" indent="0">
+            <a:lvl2pPr>
               <a:buNone/>
               <a:defRPr sz="2000" b="1"/>
             </a:lvl2pPr>
-            <a:lvl3pPr marL="914400" indent="0">
+            <a:lvl3pPr>
               <a:buNone/>
               <a:defRPr sz="1800" b="1"/>
             </a:lvl3pPr>
-            <a:lvl4pPr marL="1371600" indent="0">
+            <a:lvl4pPr>
               <a:buNone/>
               <a:defRPr sz="1600" b="1"/>
             </a:lvl4pPr>
-            <a:lvl5pPr marL="1828800" indent="0">
+            <a:lvl5pPr>
               <a:buNone/>
               <a:defRPr sz="1600" b="1"/>
             </a:lvl5pPr>
-            <a:lvl6pPr marL="2286000" indent="0">
-              <a:buNone/>
-              <a:defRPr sz="1600" b="1"/>
-            </a:lvl6pPr>
-            <a:lvl7pPr marL="2743200" indent="0">
-              <a:buNone/>
-              <a:defRPr sz="1600" b="1"/>
-            </a:lvl7pPr>
-            <a:lvl8pPr marL="3200400" indent="0">
-              <a:buNone/>
-              <a:defRPr sz="1600" b="1"/>
-            </a:lvl8pPr>
-            <a:lvl9pPr marL="3657600" indent="0">
-              <a:buNone/>
-              <a:defRPr sz="1600" b="1"/>
-            </a:lvl9pPr>
           </a:lstStyle>
           <a:p>
-            <a:pPr lvl="0"/>
-            <a:r>
-              <a:rPr lang="en-US" smtClean="0"/>
+            <a:pPr lvl="0" eaLnBrk="1" latinLnBrk="0" hangingPunct="1"/>
+            <a:r>
+              <a:rPr kumimoji="0" lang="en-US" smtClean="0"/>
               <a:t>Click to edit Master text styles</a:t>
             </a:r>
           </a:p>
@@ -1540,157 +1810,188 @@
       </p:sp>
       <p:sp>
         <p:nvSpPr>
-          <p:cNvPr id="4" name="Content Placeholder 3"/>
-          <p:cNvSpPr>
-            <a:spLocks noGrp="1"/>
-          </p:cNvSpPr>
-          <p:nvPr>
-            <p:ph sz="half" idx="2"/>
+          <p:cNvPr id="4" name="Text Placeholder 3"/>
+          <p:cNvSpPr>
+            <a:spLocks noGrp="1"/>
+          </p:cNvSpPr>
+          <p:nvPr>
+            <p:ph type="body" sz="half" idx="3"/>
           </p:nvPr>
         </p:nvSpPr>
         <p:spPr>
           <a:xfrm>
-            <a:off x="457200" y="2174875"/>
-            <a:ext cx="4040188" cy="3951288"/>
-          </a:xfrm>
-        </p:spPr>
-        <p:txBody>
-          <a:bodyPr/>
-          <a:lstStyle>
-            <a:lvl1pPr>
-              <a:defRPr sz="2400"/>
-            </a:lvl1pPr>
-            <a:lvl2pPr>
-              <a:defRPr sz="2000"/>
-            </a:lvl2pPr>
-            <a:lvl3pPr>
-              <a:defRPr sz="1800"/>
-            </a:lvl3pPr>
-            <a:lvl4pPr>
-              <a:defRPr sz="1600"/>
-            </a:lvl4pPr>
-            <a:lvl5pPr>
-              <a:defRPr sz="1600"/>
-            </a:lvl5pPr>
-            <a:lvl6pPr>
-              <a:defRPr sz="1600"/>
-            </a:lvl6pPr>
-            <a:lvl7pPr>
-              <a:defRPr sz="1600"/>
-            </a:lvl7pPr>
-            <a:lvl8pPr>
-              <a:defRPr sz="1600"/>
-            </a:lvl8pPr>
-            <a:lvl9pPr>
-              <a:defRPr sz="1600"/>
-            </a:lvl9pPr>
-          </a:lstStyle>
-          <a:p>
-            <a:pPr lvl="0"/>
-            <a:r>
-              <a:rPr lang="en-US" smtClean="0"/>
-              <a:t>Click to edit Master text styles</a:t>
-            </a:r>
-          </a:p>
-          <a:p>
-            <a:pPr lvl="1"/>
-            <a:r>
-              <a:rPr lang="en-US" smtClean="0"/>
-              <a:t>Second level</a:t>
-            </a:r>
-          </a:p>
-          <a:p>
-            <a:pPr lvl="2"/>
-            <a:r>
-              <a:rPr lang="en-US" smtClean="0"/>
-              <a:t>Third level</a:t>
-            </a:r>
-          </a:p>
-          <a:p>
-            <a:pPr lvl="3"/>
-            <a:r>
-              <a:rPr lang="en-US" smtClean="0"/>
-              <a:t>Fourth level</a:t>
-            </a:r>
-          </a:p>
-          <a:p>
-            <a:pPr lvl="4"/>
-            <a:r>
-              <a:rPr lang="en-US" smtClean="0"/>
-              <a:t>Fifth level</a:t>
-            </a:r>
-            <a:endParaRPr lang="en-US"/>
-          </a:p>
-        </p:txBody>
-      </p:sp>
-      <p:sp>
-        <p:nvSpPr>
-          <p:cNvPr id="5" name="Text Placeholder 4"/>
-          <p:cNvSpPr>
-            <a:spLocks noGrp="1"/>
-          </p:cNvSpPr>
-          <p:nvPr>
-            <p:ph type="body" sz="quarter" idx="3"/>
-          </p:nvPr>
-        </p:nvSpPr>
-        <p:spPr>
-          <a:xfrm>
-            <a:off x="4645025" y="1535113"/>
-            <a:ext cx="4041775" cy="639762"/>
-          </a:xfrm>
-        </p:spPr>
-        <p:txBody>
-          <a:bodyPr anchor="b"/>
+            <a:off x="4648200" y="1295400"/>
+            <a:ext cx="4041775" cy="685800"/>
+          </a:xfrm>
+          <a:noFill/>
+          <a:ln>
+            <a:noFill/>
+          </a:ln>
+        </p:spPr>
+        <p:txBody>
+          <a:bodyPr lIns="91440" anchor="b" anchorCtr="0"/>
           <a:lstStyle>
             <a:lvl1pPr marL="0" indent="0">
               <a:buNone/>
-              <a:defRPr sz="2400" b="1"/>
+              <a:defRPr sz="2400" b="1">
+                <a:solidFill>
+                  <a:schemeClr val="accent2"/>
+                </a:solidFill>
+              </a:defRPr>
             </a:lvl1pPr>
-            <a:lvl2pPr marL="457200" indent="0">
+            <a:lvl2pPr>
               <a:buNone/>
               <a:defRPr sz="2000" b="1"/>
             </a:lvl2pPr>
-            <a:lvl3pPr marL="914400" indent="0">
+            <a:lvl3pPr>
               <a:buNone/>
               <a:defRPr sz="1800" b="1"/>
             </a:lvl3pPr>
-            <a:lvl4pPr marL="1371600" indent="0">
+            <a:lvl4pPr>
               <a:buNone/>
               <a:defRPr sz="1600" b="1"/>
             </a:lvl4pPr>
-            <a:lvl5pPr marL="1828800" indent="0">
+            <a:lvl5pPr>
               <a:buNone/>
               <a:defRPr sz="1600" b="1"/>
             </a:lvl5pPr>
-            <a:lvl6pPr marL="2286000" indent="0">
-              <a:buNone/>
-              <a:defRPr sz="1600" b="1"/>
-            </a:lvl6pPr>
-            <a:lvl7pPr marL="2743200" indent="0">
-              <a:buNone/>
-              <a:defRPr sz="1600" b="1"/>
-            </a:lvl7pPr>
-            <a:lvl8pPr marL="3200400" indent="0">
-              <a:buNone/>
-              <a:defRPr sz="1600" b="1"/>
-            </a:lvl8pPr>
-            <a:lvl9pPr marL="3657600" indent="0">
-              <a:buNone/>
-              <a:defRPr sz="1600" b="1"/>
-            </a:lvl9pPr>
           </a:lstStyle>
           <a:p>
-            <a:pPr lvl="0"/>
+            <a:pPr lvl="0" eaLnBrk="1" latinLnBrk="0" hangingPunct="1"/>
+            <a:r>
+              <a:rPr kumimoji="0" lang="en-US" smtClean="0"/>
+              <a:t>Click to edit Master text styles</a:t>
+            </a:r>
+          </a:p>
+        </p:txBody>
+      </p:sp>
+      <p:sp>
+        <p:nvSpPr>
+          <p:cNvPr id="7" name="Date Placeholder 6"/>
+          <p:cNvSpPr>
+            <a:spLocks noGrp="1"/>
+          </p:cNvSpPr>
+          <p:nvPr>
+            <p:ph type="dt" sz="half" idx="10"/>
+          </p:nvPr>
+        </p:nvSpPr>
+        <p:spPr/>
+        <p:txBody>
+          <a:bodyPr/>
+          <a:lstStyle/>
+          <a:p>
+            <a:fld id="{ACDF6120-F1F0-4C60-9FE9-39AC71A9C79D}" type="datetimeFigureOut">
+              <a:rPr lang="en-US" smtClean="0"/>
+              <a:pPr/>
+              <a:t>11/4/2019</a:t>
+            </a:fld>
+            <a:endParaRPr lang="en-US"/>
+          </a:p>
+        </p:txBody>
+      </p:sp>
+      <p:sp>
+        <p:nvSpPr>
+          <p:cNvPr id="8" name="Footer Placeholder 7"/>
+          <p:cNvSpPr>
+            <a:spLocks noGrp="1"/>
+          </p:cNvSpPr>
+          <p:nvPr>
+            <p:ph type="ftr" sz="quarter" idx="11"/>
+          </p:nvPr>
+        </p:nvSpPr>
+        <p:spPr/>
+        <p:txBody>
+          <a:bodyPr/>
+          <a:lstStyle/>
+          <a:p>
+            <a:endParaRPr kumimoji="0" lang="en-US"/>
+          </a:p>
+        </p:txBody>
+      </p:sp>
+      <p:sp>
+        <p:nvSpPr>
+          <p:cNvPr id="9" name="Slide Number Placeholder 8"/>
+          <p:cNvSpPr>
+            <a:spLocks noGrp="1"/>
+          </p:cNvSpPr>
+          <p:nvPr>
+            <p:ph type="sldNum" sz="quarter" idx="12"/>
+          </p:nvPr>
+        </p:nvSpPr>
+        <p:spPr/>
+        <p:txBody>
+          <a:bodyPr/>
+          <a:lstStyle/>
+          <a:p>
+            <a:fld id="{EA7C8D44-3667-46F6-9772-CC52308E2A7F}" type="slidenum">
+              <a:rPr kumimoji="0" lang="en-US" smtClean="0"/>
+              <a:pPr/>
+              <a:t>‹#›</a:t>
+            </a:fld>
+            <a:endParaRPr kumimoji="0" lang="en-US"/>
+          </a:p>
+        </p:txBody>
+      </p:sp>
+      <p:sp>
+        <p:nvSpPr>
+          <p:cNvPr id="11" name="Content Placeholder 10"/>
+          <p:cNvSpPr>
+            <a:spLocks noGrp="1"/>
+          </p:cNvSpPr>
+          <p:nvPr>
+            <p:ph sz="quarter" idx="2"/>
+          </p:nvPr>
+        </p:nvSpPr>
+        <p:spPr>
+          <a:xfrm>
+            <a:off x="457200" y="2133600"/>
+            <a:ext cx="4038600" cy="4038600"/>
+          </a:xfrm>
+        </p:spPr>
+        <p:txBody>
+          <a:bodyPr/>
+          <a:lstStyle/>
+          <a:p>
+            <a:pPr lvl="0" eaLnBrk="1" latinLnBrk="0" hangingPunct="1"/>
             <a:r>
               <a:rPr lang="en-US" smtClean="0"/>
               <a:t>Click to edit Master text styles</a:t>
             </a:r>
           </a:p>
-        </p:txBody>
-      </p:sp>
-      <p:sp>
-        <p:nvSpPr>
-          <p:cNvPr id="6" name="Content Placeholder 5"/>
+          <a:p>
+            <a:pPr lvl="1" eaLnBrk="1" latinLnBrk="0" hangingPunct="1"/>
+            <a:r>
+              <a:rPr lang="en-US" smtClean="0"/>
+              <a:t>Second level</a:t>
+            </a:r>
+          </a:p>
+          <a:p>
+            <a:pPr lvl="2" eaLnBrk="1" latinLnBrk="0" hangingPunct="1"/>
+            <a:r>
+              <a:rPr lang="en-US" smtClean="0"/>
+              <a:t>Third level</a:t>
+            </a:r>
+          </a:p>
+          <a:p>
+            <a:pPr lvl="3" eaLnBrk="1" latinLnBrk="0" hangingPunct="1"/>
+            <a:r>
+              <a:rPr lang="en-US" smtClean="0"/>
+              <a:t>Fourth level</a:t>
+            </a:r>
+          </a:p>
+          <a:p>
+            <a:pPr lvl="4" eaLnBrk="1" latinLnBrk="0" hangingPunct="1"/>
+            <a:r>
+              <a:rPr lang="en-US" smtClean="0"/>
+              <a:t>Fifth level</a:t>
+            </a:r>
+            <a:endParaRPr kumimoji="0" lang="en-US"/>
+          </a:p>
+        </p:txBody>
+      </p:sp>
+      <p:sp>
+        <p:nvSpPr>
+          <p:cNvPr id="13" name="Content Placeholder 12"/>
           <p:cNvSpPr>
             <a:spLocks noGrp="1"/>
           </p:cNvSpPr>
@@ -1700,150 +2001,52 @@
         </p:nvSpPr>
         <p:spPr>
           <a:xfrm>
-            <a:off x="4645025" y="2174875"/>
-            <a:ext cx="4041775" cy="3951288"/>
-          </a:xfrm>
-        </p:spPr>
-        <p:txBody>
-          <a:bodyPr/>
-          <a:lstStyle>
-            <a:lvl1pPr>
-              <a:defRPr sz="2400"/>
-            </a:lvl1pPr>
-            <a:lvl2pPr>
-              <a:defRPr sz="2000"/>
-            </a:lvl2pPr>
-            <a:lvl3pPr>
-              <a:defRPr sz="1800"/>
-            </a:lvl3pPr>
-            <a:lvl4pPr>
-              <a:defRPr sz="1600"/>
-            </a:lvl4pPr>
-            <a:lvl5pPr>
-              <a:defRPr sz="1600"/>
-            </a:lvl5pPr>
-            <a:lvl6pPr>
-              <a:defRPr sz="1600"/>
-            </a:lvl6pPr>
-            <a:lvl7pPr>
-              <a:defRPr sz="1600"/>
-            </a:lvl7pPr>
-            <a:lvl8pPr>
-              <a:defRPr sz="1600"/>
-            </a:lvl8pPr>
-            <a:lvl9pPr>
-              <a:defRPr sz="1600"/>
-            </a:lvl9pPr>
-          </a:lstStyle>
-          <a:p>
-            <a:pPr lvl="0"/>
+            <a:off x="4648200" y="2133600"/>
+            <a:ext cx="4038600" cy="4038600"/>
+          </a:xfrm>
+        </p:spPr>
+        <p:txBody>
+          <a:bodyPr/>
+          <a:lstStyle/>
+          <a:p>
+            <a:pPr lvl="0" eaLnBrk="1" latinLnBrk="0" hangingPunct="1"/>
             <a:r>
               <a:rPr lang="en-US" smtClean="0"/>
               <a:t>Click to edit Master text styles</a:t>
             </a:r>
           </a:p>
           <a:p>
-            <a:pPr lvl="1"/>
+            <a:pPr lvl="1" eaLnBrk="1" latinLnBrk="0" hangingPunct="1"/>
             <a:r>
               <a:rPr lang="en-US" smtClean="0"/>
               <a:t>Second level</a:t>
             </a:r>
           </a:p>
           <a:p>
-            <a:pPr lvl="2"/>
+            <a:pPr lvl="2" eaLnBrk="1" latinLnBrk="0" hangingPunct="1"/>
             <a:r>
               <a:rPr lang="en-US" smtClean="0"/>
               <a:t>Third level</a:t>
             </a:r>
           </a:p>
           <a:p>
-            <a:pPr lvl="3"/>
+            <a:pPr lvl="3" eaLnBrk="1" latinLnBrk="0" hangingPunct="1"/>
             <a:r>
               <a:rPr lang="en-US" smtClean="0"/>
               <a:t>Fourth level</a:t>
             </a:r>
           </a:p>
           <a:p>
-            <a:pPr lvl="4"/>
+            <a:pPr lvl="4" eaLnBrk="1" latinLnBrk="0" hangingPunct="1"/>
             <a:r>
               <a:rPr lang="en-US" smtClean="0"/>
               <a:t>Fifth level</a:t>
             </a:r>
-            <a:endParaRPr lang="en-US"/>
-          </a:p>
-        </p:txBody>
-      </p:sp>
-      <p:sp>
-        <p:nvSpPr>
-          <p:cNvPr id="7" name="Date Placeholder 6"/>
-          <p:cNvSpPr>
-            <a:spLocks noGrp="1"/>
-          </p:cNvSpPr>
-          <p:nvPr>
-            <p:ph type="dt" sz="half" idx="10"/>
-          </p:nvPr>
-        </p:nvSpPr>
-        <p:spPr/>
-        <p:txBody>
-          <a:bodyPr/>
-          <a:lstStyle/>
-          <a:p>
-            <a:fld id="{241EB5C9-1307-BA42-ABA2-0BC069CD8E7F}" type="datetimeFigureOut">
-              <a:rPr lang="en-US" smtClean="0"/>
-              <a:t>4/5/2019</a:t>
-            </a:fld>
-            <a:endParaRPr lang="en-US"/>
-          </a:p>
-        </p:txBody>
-      </p:sp>
-      <p:sp>
-        <p:nvSpPr>
-          <p:cNvPr id="8" name="Footer Placeholder 7"/>
-          <p:cNvSpPr>
-            <a:spLocks noGrp="1"/>
-          </p:cNvSpPr>
-          <p:nvPr>
-            <p:ph type="ftr" sz="quarter" idx="11"/>
-          </p:nvPr>
-        </p:nvSpPr>
-        <p:spPr/>
-        <p:txBody>
-          <a:bodyPr/>
-          <a:lstStyle/>
-          <a:p>
-            <a:endParaRPr lang="en-US"/>
-          </a:p>
-        </p:txBody>
-      </p:sp>
-      <p:sp>
-        <p:nvSpPr>
-          <p:cNvPr id="9" name="Slide Number Placeholder 8"/>
-          <p:cNvSpPr>
-            <a:spLocks noGrp="1"/>
-          </p:cNvSpPr>
-          <p:nvPr>
-            <p:ph type="sldNum" sz="quarter" idx="12"/>
-          </p:nvPr>
-        </p:nvSpPr>
-        <p:spPr/>
-        <p:txBody>
-          <a:bodyPr/>
-          <a:lstStyle/>
-          <a:p>
-            <a:fld id="{C5EF2332-01BF-834F-8236-50238282D533}" type="slidenum">
-              <a:rPr lang="en-US" smtClean="0"/>
-              <a:t>‹#›</a:t>
-            </a:fld>
-            <a:endParaRPr lang="en-US"/>
+            <a:endParaRPr kumimoji="0" lang="en-US"/>
           </a:p>
         </p:txBody>
       </p:sp>
     </p:spTree>
-    <p:extLst>
-      <p:ext uri="{BB962C8B-B14F-4D97-AF65-F5344CB8AC3E}">
-        <p14:creationId xmlns:p14="http://schemas.microsoft.com/office/powerpoint/2010/main" val="2535793967"/>
-      </p:ext>
-    </p:extLst>
   </p:cSld>
   <p:clrMapOvr>
     <a:masterClrMapping/>
@@ -1878,37 +2081,43 @@
             <p:ph type="title"/>
           </p:nvPr>
         </p:nvSpPr>
+        <p:spPr>
+          <a:xfrm>
+            <a:off x="457200" y="228600"/>
+            <a:ext cx="8229600" cy="914400"/>
+          </a:xfrm>
+        </p:spPr>
+        <p:txBody>
+          <a:bodyPr/>
+          <a:lstStyle/>
+          <a:p>
+            <a:r>
+              <a:rPr kumimoji="0" lang="en-US" smtClean="0"/>
+              <a:t>Click to edit Master title style</a:t>
+            </a:r>
+            <a:endParaRPr kumimoji="0" lang="en-US"/>
+          </a:p>
+        </p:txBody>
+      </p:sp>
+      <p:sp>
+        <p:nvSpPr>
+          <p:cNvPr id="3" name="Date Placeholder 2"/>
+          <p:cNvSpPr>
+            <a:spLocks noGrp="1"/>
+          </p:cNvSpPr>
+          <p:nvPr>
+            <p:ph type="dt" sz="half" idx="10"/>
+          </p:nvPr>
+        </p:nvSpPr>
         <p:spPr/>
         <p:txBody>
           <a:bodyPr/>
           <a:lstStyle/>
           <a:p>
-            <a:r>
+            <a:fld id="{ACDF6120-F1F0-4C60-9FE9-39AC71A9C79D}" type="datetimeFigureOut">
               <a:rPr lang="en-US" smtClean="0"/>
-              <a:t>Click to edit Master title style</a:t>
-            </a:r>
-            <a:endParaRPr lang="en-US"/>
-          </a:p>
-        </p:txBody>
-      </p:sp>
-      <p:sp>
-        <p:nvSpPr>
-          <p:cNvPr id="3" name="Date Placeholder 2"/>
-          <p:cNvSpPr>
-            <a:spLocks noGrp="1"/>
-          </p:cNvSpPr>
-          <p:nvPr>
-            <p:ph type="dt" sz="half" idx="10"/>
-          </p:nvPr>
-        </p:nvSpPr>
-        <p:spPr/>
-        <p:txBody>
-          <a:bodyPr/>
-          <a:lstStyle/>
-          <a:p>
-            <a:fld id="{241EB5C9-1307-BA42-ABA2-0BC069CD8E7F}" type="datetimeFigureOut">
-              <a:rPr lang="en-US" smtClean="0"/>
-              <a:t>4/5/2019</a:t>
+              <a:pPr/>
+              <a:t>11/4/2019</a:t>
             </a:fld>
             <a:endParaRPr lang="en-US"/>
           </a:p>
@@ -1929,7 +2138,7 @@
           <a:bodyPr/>
           <a:lstStyle/>
           <a:p>
-            <a:endParaRPr lang="en-US"/>
+            <a:endParaRPr kumimoji="0" lang="en-US"/>
           </a:p>
         </p:txBody>
       </p:sp>
@@ -1948,20 +2157,66 @@
           <a:bodyPr/>
           <a:lstStyle/>
           <a:p>
-            <a:fld id="{C5EF2332-01BF-834F-8236-50238282D533}" type="slidenum">
-              <a:rPr lang="en-US" smtClean="0"/>
+            <a:fld id="{EA7C8D44-3667-46F6-9772-CC52308E2A7F}" type="slidenum">
+              <a:rPr kumimoji="0" lang="en-US" smtClean="0"/>
+              <a:pPr/>
               <a:t>‹#›</a:t>
             </a:fld>
-            <a:endParaRPr lang="en-US"/>
+            <a:endParaRPr kumimoji="0" lang="en-US"/>
+          </a:p>
+        </p:txBody>
+      </p:sp>
+      <p:sp>
+        <p:nvSpPr>
+          <p:cNvPr id="6" name="Isosceles Triangle 5"/>
+          <p:cNvSpPr>
+            <a:spLocks noChangeAspect="1"/>
+          </p:cNvSpPr>
+          <p:nvPr/>
+        </p:nvSpPr>
+        <p:spPr>
+          <a:xfrm rot="5400000">
+            <a:off x="419100" y="6467475"/>
+            <a:ext cx="190849" cy="120314"/>
+          </a:xfrm>
+          <a:prstGeom prst="triangle">
+            <a:avLst>
+              <a:gd name="adj" fmla="val 50000"/>
+            </a:avLst>
+          </a:prstGeom>
+          <a:solidFill>
+            <a:schemeClr val="accent2"/>
+          </a:solidFill>
+          <a:ln w="25400" cap="rnd" cmpd="sng" algn="ctr">
+            <a:noFill/>
+            <a:prstDash val="solid"/>
+          </a:ln>
+          <a:effectLst/>
+        </p:spPr>
+        <p:style>
+          <a:lnRef idx="3">
+            <a:schemeClr val="lt1"/>
+          </a:lnRef>
+          <a:fillRef idx="1">
+            <a:schemeClr val="accent1"/>
+          </a:fillRef>
+          <a:effectRef idx="1">
+            <a:schemeClr val="accent1"/>
+          </a:effectRef>
+          <a:fontRef idx="minor">
+            <a:schemeClr val="lt1"/>
+          </a:fontRef>
+        </p:style>
+        <p:txBody>
+          <a:bodyPr anchor="ctr"/>
+          <a:lstStyle/>
+          <a:p>
+            <a:pPr algn="ctr" eaLnBrk="1" latinLnBrk="0" hangingPunct="1"/>
+            <a:endParaRPr kumimoji="0" lang="en-US"/>
           </a:p>
         </p:txBody>
       </p:sp>
     </p:spTree>
-    <p:extLst>
-      <p:ext uri="{BB962C8B-B14F-4D97-AF65-F5344CB8AC3E}">
-        <p14:creationId xmlns:p14="http://schemas.microsoft.com/office/powerpoint/2010/main" val="3472721253"/>
-      </p:ext>
-    </p:extLst>
   </p:cSld>
   <p:clrMapOvr>
     <a:masterClrMapping/>
@@ -1970,7 +2225,7 @@
 </file>
 
 <file path=ppt/slideLayouts/slideLayout7.xml><?xml version="1.0" encoding="utf-8"?>
-<p:sldLayout xmlns:a="http://schemas.openxmlformats.org/drawingml/2006/main" xmlns:r="http://schemas.openxmlformats.org/officeDocument/2006/relationships" xmlns:p="http://schemas.openxmlformats.org/presentationml/2006/main" type="blank" preserve="1">
+<p:sldLayout xmlns:a="http://schemas.openxmlformats.org/drawingml/2006/main" xmlns:r="http://schemas.openxmlformats.org/officeDocument/2006/relationships" xmlns:p="http://schemas.openxmlformats.org/presentationml/2006/main" showMasterSp="0" type="blank" preserve="1">
   <p:cSld name="Blank">
     <p:spTree>
       <p:nvGrpSpPr>
@@ -2001,9 +2256,10 @@
           <a:bodyPr/>
           <a:lstStyle/>
           <a:p>
-            <a:fld id="{241EB5C9-1307-BA42-ABA2-0BC069CD8E7F}" type="datetimeFigureOut">
+            <a:fld id="{ACDF6120-F1F0-4C60-9FE9-39AC71A9C79D}" type="datetimeFigureOut">
               <a:rPr lang="en-US" smtClean="0"/>
-              <a:t>4/5/2019</a:t>
+              <a:pPr/>
+              <a:t>11/4/2019</a:t>
             </a:fld>
             <a:endParaRPr lang="en-US"/>
           </a:p>
@@ -2024,7 +2280,7 @@
           <a:bodyPr/>
           <a:lstStyle/>
           <a:p>
-            <a:endParaRPr lang="en-US"/>
+            <a:endParaRPr kumimoji="0" lang="en-US"/>
           </a:p>
         </p:txBody>
       </p:sp>
@@ -2043,20 +2299,102 @@
           <a:bodyPr/>
           <a:lstStyle/>
           <a:p>
-            <a:fld id="{C5EF2332-01BF-834F-8236-50238282D533}" type="slidenum">
-              <a:rPr lang="en-US" smtClean="0"/>
+            <a:fld id="{EA7C8D44-3667-46F6-9772-CC52308E2A7F}" type="slidenum">
+              <a:rPr kumimoji="0" lang="en-US" smtClean="0"/>
+              <a:pPr/>
               <a:t>‹#›</a:t>
             </a:fld>
-            <a:endParaRPr lang="en-US"/>
+            <a:endParaRPr kumimoji="0" lang="en-US"/>
+          </a:p>
+        </p:txBody>
+      </p:sp>
+      <p:sp>
+        <p:nvSpPr>
+          <p:cNvPr id="5" name="Straight Connector 4"/>
+          <p:cNvSpPr>
+            <a:spLocks noChangeShapeType="1"/>
+          </p:cNvSpPr>
+          <p:nvPr/>
+        </p:nvSpPr>
+        <p:spPr bwMode="auto">
+          <a:xfrm>
+            <a:off x="457200" y="6353175"/>
+            <a:ext cx="8229600" cy="0"/>
+          </a:xfrm>
+          <a:prstGeom prst="line">
+            <a:avLst/>
+          </a:prstGeom>
+          <a:noFill/>
+          <a:ln w="9525" cap="flat" cmpd="sng" algn="ctr">
+            <a:solidFill>
+              <a:schemeClr val="accent2"/>
+            </a:solidFill>
+            <a:prstDash val="dash"/>
+            <a:round/>
+            <a:headEnd type="none" w="med" len="med"/>
+            <a:tailEnd type="none" w="med" len="med"/>
+          </a:ln>
+          <a:effectLst/>
+        </p:spPr>
+        <p:txBody>
+          <a:bodyPr vert="horz" wrap="square" lIns="91440" tIns="45720" rIns="91440" bIns="45720" anchor="t" compatLnSpc="1"/>
+          <a:lstStyle/>
+          <a:p>
+            <a:endParaRPr kumimoji="0" lang="en-US"/>
+          </a:p>
+        </p:txBody>
+      </p:sp>
+      <p:sp>
+        <p:nvSpPr>
+          <p:cNvPr id="6" name="Isosceles Triangle 5"/>
+          <p:cNvSpPr>
+            <a:spLocks noChangeAspect="1"/>
+          </p:cNvSpPr>
+          <p:nvPr/>
+        </p:nvSpPr>
+        <p:spPr>
+          <a:xfrm rot="5400000">
+            <a:off x="419100" y="6467475"/>
+            <a:ext cx="190849" cy="120314"/>
+          </a:xfrm>
+          <a:prstGeom prst="triangle">
+            <a:avLst>
+              <a:gd name="adj" fmla="val 50000"/>
+            </a:avLst>
+          </a:prstGeom>
+          <a:solidFill>
+            <a:schemeClr val="accent2"/>
+          </a:solidFill>
+          <a:ln w="25400" cap="rnd" cmpd="sng" algn="ctr">
+            <a:noFill/>
+            <a:prstDash val="solid"/>
+          </a:ln>
+          <a:effectLst/>
+        </p:spPr>
+        <p:style>
+          <a:lnRef idx="3">
+            <a:schemeClr val="lt1"/>
+          </a:lnRef>
+          <a:fillRef idx="1">
+            <a:schemeClr val="accent1"/>
+          </a:fillRef>
+          <a:effectRef idx="1">
+            <a:schemeClr val="accent1"/>
+          </a:effectRef>
+          <a:fontRef idx="minor">
+            <a:schemeClr val="lt1"/>
+          </a:fontRef>
+        </p:style>
+        <p:txBody>
+          <a:bodyPr anchor="ctr"/>
+          <a:lstStyle/>
+          <a:p>
+            <a:pPr algn="ctr" eaLnBrk="1" latinLnBrk="0" hangingPunct="1"/>
+            <a:endParaRPr kumimoji="0" lang="en-US"/>
           </a:p>
         </p:txBody>
       </p:sp>
     </p:spTree>
-    <p:extLst>
-      <p:ext uri="{BB962C8B-B14F-4D97-AF65-F5344CB8AC3E}">
-        <p14:creationId xmlns:p14="http://schemas.microsoft.com/office/powerpoint/2010/main" val="2130901097"/>
-      </p:ext>
-    </p:extLst>
   </p:cSld>
   <p:clrMapOvr>
     <a:masterClrMapping/>
@@ -2065,7 +2403,7 @@
 </file>
 
 <file path=ppt/slideLayouts/slideLayout8.xml><?xml version="1.0" encoding="utf-8"?>
-<p:sldLayout xmlns:a="http://schemas.openxmlformats.org/drawingml/2006/main" xmlns:r="http://schemas.openxmlformats.org/officeDocument/2006/relationships" xmlns:p="http://schemas.openxmlformats.org/presentationml/2006/main" type="objTx" preserve="1">
+<p:sldLayout xmlns:a="http://schemas.openxmlformats.org/drawingml/2006/main" xmlns:r="http://schemas.openxmlformats.org/officeDocument/2006/relationships" xmlns:p="http://schemas.openxmlformats.org/presentationml/2006/main" showMasterSp="0" type="objTx" preserve="1">
   <p:cSld name="Content with Caption">
     <p:spTree>
       <p:nvGrpSpPr>
@@ -2093,247 +2431,342 @@
         </p:nvSpPr>
         <p:spPr>
           <a:xfrm>
-            <a:off x="457200" y="273050"/>
-            <a:ext cx="3008313" cy="1162050"/>
-          </a:xfrm>
-        </p:spPr>
-        <p:txBody>
-          <a:bodyPr anchor="b"/>
+            <a:off x="6324600" y="304800"/>
+            <a:ext cx="2514600" cy="838200"/>
+          </a:xfrm>
+        </p:spPr>
+        <p:txBody>
+          <a:bodyPr anchor="b" anchorCtr="0">
+            <a:noAutofit/>
+          </a:bodyPr>
           <a:lstStyle>
             <a:lvl1pPr algn="l">
-              <a:defRPr sz="2000" b="1"/>
+              <a:buNone/>
+              <a:defRPr sz="2000" b="1">
+                <a:solidFill>
+                  <a:schemeClr val="tx2"/>
+                </a:solidFill>
+                <a:latin typeface="+mn-lt"/>
+                <a:ea typeface="+mn-ea"/>
+                <a:cs typeface="+mn-cs"/>
+              </a:defRPr>
             </a:lvl1pPr>
           </a:lstStyle>
           <a:p>
             <a:r>
-              <a:rPr lang="en-US" smtClean="0"/>
+              <a:rPr kumimoji="0" lang="en-US" smtClean="0"/>
               <a:t>Click to edit Master title style</a:t>
             </a:r>
-            <a:endParaRPr lang="en-US"/>
-          </a:p>
-        </p:txBody>
-      </p:sp>
-      <p:sp>
-        <p:nvSpPr>
-          <p:cNvPr id="3" name="Content Placeholder 2"/>
-          <p:cNvSpPr>
-            <a:spLocks noGrp="1"/>
-          </p:cNvSpPr>
-          <p:nvPr>
-            <p:ph idx="1"/>
+            <a:endParaRPr kumimoji="0" lang="en-US"/>
+          </a:p>
+        </p:txBody>
+      </p:sp>
+      <p:sp>
+        <p:nvSpPr>
+          <p:cNvPr id="3" name="Text Placeholder 2"/>
+          <p:cNvSpPr>
+            <a:spLocks noGrp="1"/>
+          </p:cNvSpPr>
+          <p:nvPr>
+            <p:ph type="body" idx="2"/>
           </p:nvPr>
         </p:nvSpPr>
         <p:spPr>
           <a:xfrm>
-            <a:off x="3575050" y="273050"/>
-            <a:ext cx="5111750" cy="5853113"/>
+            <a:off x="6324600" y="1219200"/>
+            <a:ext cx="2514600" cy="4843463"/>
           </a:xfrm>
         </p:spPr>
         <p:txBody>
           <a:bodyPr/>
           <a:lstStyle>
-            <a:lvl1pPr>
-              <a:defRPr sz="3200"/>
+            <a:lvl1pPr marL="0" indent="0">
+              <a:lnSpc>
+                <a:spcPts val="2200"/>
+              </a:lnSpc>
+              <a:spcAft>
+                <a:spcPts val="1000"/>
+              </a:spcAft>
+              <a:buNone/>
+              <a:defRPr sz="1600">
+                <a:solidFill>
+                  <a:schemeClr val="tx2"/>
+                </a:solidFill>
+              </a:defRPr>
             </a:lvl1pPr>
             <a:lvl2pPr>
-              <a:defRPr sz="2800"/>
-            </a:lvl2pPr>
-            <a:lvl3pPr>
-              <a:defRPr sz="2400"/>
-            </a:lvl3pPr>
-            <a:lvl4pPr>
-              <a:defRPr sz="2000"/>
-            </a:lvl4pPr>
-            <a:lvl5pPr>
-              <a:defRPr sz="2000"/>
-            </a:lvl5pPr>
-            <a:lvl6pPr>
-              <a:defRPr sz="2000"/>
-            </a:lvl6pPr>
-            <a:lvl7pPr>
-              <a:defRPr sz="2000"/>
-            </a:lvl7pPr>
-            <a:lvl8pPr>
-              <a:defRPr sz="2000"/>
-            </a:lvl8pPr>
-            <a:lvl9pPr>
-              <a:defRPr sz="2000"/>
-            </a:lvl9pPr>
-          </a:lstStyle>
-          <a:p>
-            <a:pPr lvl="0"/>
-            <a:r>
-              <a:rPr lang="en-US" smtClean="0"/>
-              <a:t>Click to edit Master text styles</a:t>
-            </a:r>
-          </a:p>
-          <a:p>
-            <a:pPr lvl="1"/>
-            <a:r>
-              <a:rPr lang="en-US" smtClean="0"/>
-              <a:t>Second level</a:t>
-            </a:r>
-          </a:p>
-          <a:p>
-            <a:pPr lvl="2"/>
-            <a:r>
-              <a:rPr lang="en-US" smtClean="0"/>
-              <a:t>Third level</a:t>
-            </a:r>
-          </a:p>
-          <a:p>
-            <a:pPr lvl="3"/>
-            <a:r>
-              <a:rPr lang="en-US" smtClean="0"/>
-              <a:t>Fourth level</a:t>
-            </a:r>
-          </a:p>
-          <a:p>
-            <a:pPr lvl="4"/>
-            <a:r>
-              <a:rPr lang="en-US" smtClean="0"/>
-              <a:t>Fifth level</a:t>
-            </a:r>
-            <a:endParaRPr lang="en-US"/>
-          </a:p>
-        </p:txBody>
-      </p:sp>
-      <p:sp>
-        <p:nvSpPr>
-          <p:cNvPr id="4" name="Text Placeholder 3"/>
-          <p:cNvSpPr>
-            <a:spLocks noGrp="1"/>
-          </p:cNvSpPr>
-          <p:nvPr>
-            <p:ph type="body" sz="half" idx="2"/>
-          </p:nvPr>
-        </p:nvSpPr>
-        <p:spPr>
-          <a:xfrm>
-            <a:off x="457200" y="1435100"/>
-            <a:ext cx="3008313" cy="4691063"/>
-          </a:xfrm>
-        </p:spPr>
-        <p:txBody>
-          <a:bodyPr/>
-          <a:lstStyle>
-            <a:lvl1pPr marL="0" indent="0">
-              <a:buNone/>
-              <a:defRPr sz="1400"/>
-            </a:lvl1pPr>
-            <a:lvl2pPr marL="457200" indent="0">
               <a:buNone/>
               <a:defRPr sz="1200"/>
             </a:lvl2pPr>
-            <a:lvl3pPr marL="914400" indent="0">
+            <a:lvl3pPr>
               <a:buNone/>
               <a:defRPr sz="1000"/>
             </a:lvl3pPr>
-            <a:lvl4pPr marL="1371600" indent="0">
+            <a:lvl4pPr>
               <a:buNone/>
               <a:defRPr sz="900"/>
             </a:lvl4pPr>
-            <a:lvl5pPr marL="1828800" indent="0">
+            <a:lvl5pPr>
               <a:buNone/>
               <a:defRPr sz="900"/>
             </a:lvl5pPr>
-            <a:lvl6pPr marL="2286000" indent="0">
-              <a:buNone/>
-              <a:defRPr sz="900"/>
-            </a:lvl6pPr>
-            <a:lvl7pPr marL="2743200" indent="0">
-              <a:buNone/>
-              <a:defRPr sz="900"/>
-            </a:lvl7pPr>
-            <a:lvl8pPr marL="3200400" indent="0">
-              <a:buNone/>
-              <a:defRPr sz="900"/>
-            </a:lvl8pPr>
-            <a:lvl9pPr marL="3657600" indent="0">
-              <a:buNone/>
-              <a:defRPr sz="900"/>
-            </a:lvl9pPr>
           </a:lstStyle>
           <a:p>
-            <a:pPr lvl="0"/>
+            <a:pPr lvl="0" eaLnBrk="1" latinLnBrk="0" hangingPunct="1"/>
+            <a:r>
+              <a:rPr kumimoji="0" lang="en-US" smtClean="0"/>
+              <a:t>Click to edit Master text styles</a:t>
+            </a:r>
+          </a:p>
+        </p:txBody>
+      </p:sp>
+      <p:sp>
+        <p:nvSpPr>
+          <p:cNvPr id="5" name="Date Placeholder 4"/>
+          <p:cNvSpPr>
+            <a:spLocks noGrp="1"/>
+          </p:cNvSpPr>
+          <p:nvPr>
+            <p:ph type="dt" sz="half" idx="10"/>
+          </p:nvPr>
+        </p:nvSpPr>
+        <p:spPr/>
+        <p:txBody>
+          <a:bodyPr/>
+          <a:lstStyle/>
+          <a:p>
+            <a:fld id="{ACDF6120-F1F0-4C60-9FE9-39AC71A9C79D}" type="datetimeFigureOut">
+              <a:rPr lang="en-US" smtClean="0"/>
+              <a:pPr/>
+              <a:t>11/4/2019</a:t>
+            </a:fld>
+            <a:endParaRPr lang="en-US"/>
+          </a:p>
+        </p:txBody>
+      </p:sp>
+      <p:sp>
+        <p:nvSpPr>
+          <p:cNvPr id="6" name="Footer Placeholder 5"/>
+          <p:cNvSpPr>
+            <a:spLocks noGrp="1"/>
+          </p:cNvSpPr>
+          <p:nvPr>
+            <p:ph type="ftr" sz="quarter" idx="11"/>
+          </p:nvPr>
+        </p:nvSpPr>
+        <p:spPr/>
+        <p:txBody>
+          <a:bodyPr/>
+          <a:lstStyle/>
+          <a:p>
+            <a:endParaRPr kumimoji="0" lang="en-US"/>
+          </a:p>
+        </p:txBody>
+      </p:sp>
+      <p:sp>
+        <p:nvSpPr>
+          <p:cNvPr id="7" name="Slide Number Placeholder 6"/>
+          <p:cNvSpPr>
+            <a:spLocks noGrp="1"/>
+          </p:cNvSpPr>
+          <p:nvPr>
+            <p:ph type="sldNum" sz="quarter" idx="12"/>
+          </p:nvPr>
+        </p:nvSpPr>
+        <p:spPr/>
+        <p:txBody>
+          <a:bodyPr/>
+          <a:lstStyle/>
+          <a:p>
+            <a:fld id="{EA7C8D44-3667-46F6-9772-CC52308E2A7F}" type="slidenum">
+              <a:rPr kumimoji="0" lang="en-US" smtClean="0"/>
+              <a:pPr/>
+              <a:t>‹#›</a:t>
+            </a:fld>
+            <a:endParaRPr kumimoji="0" lang="en-US"/>
+          </a:p>
+        </p:txBody>
+      </p:sp>
+      <p:sp>
+        <p:nvSpPr>
+          <p:cNvPr id="8" name="Straight Connector 7"/>
+          <p:cNvSpPr>
+            <a:spLocks noChangeShapeType="1"/>
+          </p:cNvSpPr>
+          <p:nvPr/>
+        </p:nvSpPr>
+        <p:spPr bwMode="auto">
+          <a:xfrm>
+            <a:off x="457200" y="6353175"/>
+            <a:ext cx="8229600" cy="0"/>
+          </a:xfrm>
+          <a:prstGeom prst="line">
+            <a:avLst/>
+          </a:prstGeom>
+          <a:noFill/>
+          <a:ln w="9525" cap="flat" cmpd="sng" algn="ctr">
+            <a:solidFill>
+              <a:schemeClr val="accent2"/>
+            </a:solidFill>
+            <a:prstDash val="dash"/>
+            <a:round/>
+            <a:headEnd type="none" w="med" len="med"/>
+            <a:tailEnd type="none" w="med" len="med"/>
+          </a:ln>
+          <a:effectLst/>
+        </p:spPr>
+        <p:txBody>
+          <a:bodyPr vert="horz" wrap="square" lIns="91440" tIns="45720" rIns="91440" bIns="45720" anchor="t" compatLnSpc="1"/>
+          <a:lstStyle/>
+          <a:p>
+            <a:endParaRPr kumimoji="0" lang="en-US"/>
+          </a:p>
+        </p:txBody>
+      </p:sp>
+      <p:sp>
+        <p:nvSpPr>
+          <p:cNvPr id="10" name="Straight Connector 9"/>
+          <p:cNvSpPr>
+            <a:spLocks noChangeShapeType="1"/>
+          </p:cNvSpPr>
+          <p:nvPr/>
+        </p:nvSpPr>
+        <p:spPr bwMode="auto">
+          <a:xfrm rot="5400000">
+            <a:off x="3160645" y="3324225"/>
+            <a:ext cx="6035040" cy="0"/>
+          </a:xfrm>
+          <a:prstGeom prst="line">
+            <a:avLst/>
+          </a:prstGeom>
+          <a:noFill/>
+          <a:ln w="9525" cap="flat" cmpd="sng" algn="ctr">
+            <a:solidFill>
+              <a:schemeClr val="accent2"/>
+            </a:solidFill>
+            <a:prstDash val="dash"/>
+            <a:round/>
+            <a:headEnd type="none" w="med" len="med"/>
+            <a:tailEnd type="none" w="med" len="med"/>
+          </a:ln>
+          <a:effectLst/>
+        </p:spPr>
+        <p:txBody>
+          <a:bodyPr vert="horz" wrap="square" lIns="91440" tIns="45720" rIns="91440" bIns="45720" anchor="t" compatLnSpc="1"/>
+          <a:lstStyle/>
+          <a:p>
+            <a:endParaRPr kumimoji="0" lang="en-US" dirty="0"/>
+          </a:p>
+        </p:txBody>
+      </p:sp>
+      <p:sp>
+        <p:nvSpPr>
+          <p:cNvPr id="9" name="Isosceles Triangle 8"/>
+          <p:cNvSpPr>
+            <a:spLocks noChangeAspect="1"/>
+          </p:cNvSpPr>
+          <p:nvPr/>
+        </p:nvSpPr>
+        <p:spPr>
+          <a:xfrm rot="5400000">
+            <a:off x="419100" y="6467475"/>
+            <a:ext cx="190849" cy="120314"/>
+          </a:xfrm>
+          <a:prstGeom prst="triangle">
+            <a:avLst>
+              <a:gd name="adj" fmla="val 50000"/>
+            </a:avLst>
+          </a:prstGeom>
+          <a:solidFill>
+            <a:schemeClr val="accent2"/>
+          </a:solidFill>
+          <a:ln w="25400" cap="rnd" cmpd="sng" algn="ctr">
+            <a:noFill/>
+            <a:prstDash val="solid"/>
+          </a:ln>
+          <a:effectLst/>
+        </p:spPr>
+        <p:style>
+          <a:lnRef idx="3">
+            <a:schemeClr val="lt1"/>
+          </a:lnRef>
+          <a:fillRef idx="1">
+            <a:schemeClr val="accent1"/>
+          </a:fillRef>
+          <a:effectRef idx="1">
+            <a:schemeClr val="accent1"/>
+          </a:effectRef>
+          <a:fontRef idx="minor">
+            <a:schemeClr val="lt1"/>
+          </a:fontRef>
+        </p:style>
+        <p:txBody>
+          <a:bodyPr anchor="ctr"/>
+          <a:lstStyle/>
+          <a:p>
+            <a:pPr algn="ctr" eaLnBrk="1" latinLnBrk="0" hangingPunct="1"/>
+            <a:endParaRPr kumimoji="0" lang="en-US"/>
+          </a:p>
+        </p:txBody>
+      </p:sp>
+      <p:sp>
+        <p:nvSpPr>
+          <p:cNvPr id="12" name="Content Placeholder 11"/>
+          <p:cNvSpPr>
+            <a:spLocks noGrp="1"/>
+          </p:cNvSpPr>
+          <p:nvPr>
+            <p:ph sz="quarter" idx="1"/>
+          </p:nvPr>
+        </p:nvSpPr>
+        <p:spPr>
+          <a:xfrm>
+            <a:off x="304800" y="304800"/>
+            <a:ext cx="5715000" cy="5715000"/>
+          </a:xfrm>
+        </p:spPr>
+        <p:txBody>
+          <a:bodyPr/>
+          <a:lstStyle/>
+          <a:p>
+            <a:pPr lvl="0" eaLnBrk="1" latinLnBrk="0" hangingPunct="1"/>
             <a:r>
               <a:rPr lang="en-US" smtClean="0"/>
               <a:t>Click to edit Master text styles</a:t>
             </a:r>
           </a:p>
-        </p:txBody>
-      </p:sp>
-      <p:sp>
-        <p:nvSpPr>
-          <p:cNvPr id="5" name="Date Placeholder 4"/>
-          <p:cNvSpPr>
-            <a:spLocks noGrp="1"/>
-          </p:cNvSpPr>
-          <p:nvPr>
-            <p:ph type="dt" sz="half" idx="10"/>
-          </p:nvPr>
-        </p:nvSpPr>
-        <p:spPr/>
-        <p:txBody>
-          <a:bodyPr/>
-          <a:lstStyle/>
-          <a:p>
-            <a:fld id="{241EB5C9-1307-BA42-ABA2-0BC069CD8E7F}" type="datetimeFigureOut">
+          <a:p>
+            <a:pPr lvl="1" eaLnBrk="1" latinLnBrk="0" hangingPunct="1"/>
+            <a:r>
               <a:rPr lang="en-US" smtClean="0"/>
-              <a:t>4/5/2019</a:t>
-            </a:fld>
-            <a:endParaRPr lang="en-US"/>
-          </a:p>
-        </p:txBody>
-      </p:sp>
-      <p:sp>
-        <p:nvSpPr>
-          <p:cNvPr id="6" name="Footer Placeholder 5"/>
-          <p:cNvSpPr>
-            <a:spLocks noGrp="1"/>
-          </p:cNvSpPr>
-          <p:nvPr>
-            <p:ph type="ftr" sz="quarter" idx="11"/>
-          </p:nvPr>
-        </p:nvSpPr>
-        <p:spPr/>
-        <p:txBody>
-          <a:bodyPr/>
-          <a:lstStyle/>
-          <a:p>
-            <a:endParaRPr lang="en-US"/>
-          </a:p>
-        </p:txBody>
-      </p:sp>
-      <p:sp>
-        <p:nvSpPr>
-          <p:cNvPr id="7" name="Slide Number Placeholder 6"/>
-          <p:cNvSpPr>
-            <a:spLocks noGrp="1"/>
-          </p:cNvSpPr>
-          <p:nvPr>
-            <p:ph type="sldNum" sz="quarter" idx="12"/>
-          </p:nvPr>
-        </p:nvSpPr>
-        <p:spPr/>
-        <p:txBody>
-          <a:bodyPr/>
-          <a:lstStyle/>
-          <a:p>
-            <a:fld id="{C5EF2332-01BF-834F-8236-50238282D533}" type="slidenum">
+              <a:t>Second level</a:t>
+            </a:r>
+          </a:p>
+          <a:p>
+            <a:pPr lvl="2" eaLnBrk="1" latinLnBrk="0" hangingPunct="1"/>
+            <a:r>
               <a:rPr lang="en-US" smtClean="0"/>
-              <a:t>‹#›</a:t>
-            </a:fld>
-            <a:endParaRPr lang="en-US"/>
+              <a:t>Third level</a:t>
+            </a:r>
+          </a:p>
+          <a:p>
+            <a:pPr lvl="3" eaLnBrk="1" latinLnBrk="0" hangingPunct="1"/>
+            <a:r>
+              <a:rPr lang="en-US" smtClean="0"/>
+              <a:t>Fourth level</a:t>
+            </a:r>
+          </a:p>
+          <a:p>
+            <a:pPr lvl="4" eaLnBrk="1" latinLnBrk="0" hangingPunct="1"/>
+            <a:r>
+              <a:rPr lang="en-US" smtClean="0"/>
+              <a:t>Fifth level</a:t>
+            </a:r>
+            <a:endParaRPr kumimoji="0" lang="en-US"/>
           </a:p>
         </p:txBody>
       </p:sp>
     </p:spTree>
-    <p:extLst>
-      <p:ext uri="{BB962C8B-B14F-4D97-AF65-F5344CB8AC3E}">
-        <p14:creationId xmlns:p14="http://schemas.microsoft.com/office/powerpoint/2010/main" val="3540895647"/>
-      </p:ext>
-    </p:extLst>
   </p:cSld>
   <p:clrMapOvr>
     <a:masterClrMapping/>
@@ -2342,8 +2775,13 @@
 </file>
 
 <file path=ppt/slideLayouts/slideLayout9.xml><?xml version="1.0" encoding="utf-8"?>
-<p:sldLayout xmlns:a="http://schemas.openxmlformats.org/drawingml/2006/main" xmlns:r="http://schemas.openxmlformats.org/officeDocument/2006/relationships" xmlns:p="http://schemas.openxmlformats.org/presentationml/2006/main" type="picTx" preserve="1">
+<p:sldLayout xmlns:a="http://schemas.openxmlformats.org/drawingml/2006/main" xmlns:r="http://schemas.openxmlformats.org/officeDocument/2006/relationships" xmlns:p="http://schemas.openxmlformats.org/presentationml/2006/main" showMasterSp="0" type="picTx" preserve="1">
   <p:cSld name="Picture with Caption">
+    <p:bg>
+      <p:bgRef idx="1001">
+        <a:schemeClr val="bg2"/>
+      </p:bgRef>
+    </p:bg>
     <p:spTree>
       <p:nvGrpSpPr>
         <p:cNvPr id="1" name=""/>
@@ -2370,23 +2808,33 @@
         </p:nvSpPr>
         <p:spPr>
           <a:xfrm>
-            <a:off x="1792288" y="4800600"/>
-            <a:ext cx="5486400" cy="566738"/>
-          </a:xfrm>
-        </p:spPr>
-        <p:txBody>
-          <a:bodyPr anchor="b"/>
+            <a:off x="457200" y="500856"/>
+            <a:ext cx="8229600" cy="674688"/>
+          </a:xfrm>
+          <a:ln>
+            <a:solidFill>
+              <a:schemeClr val="accent1"/>
+            </a:solidFill>
+          </a:ln>
+        </p:spPr>
+        <p:txBody>
+          <a:bodyPr lIns="274320" anchor="ctr"/>
           <a:lstStyle>
-            <a:lvl1pPr algn="l">
-              <a:defRPr sz="2000" b="1"/>
+            <a:lvl1pPr algn="r">
+              <a:buNone/>
+              <a:defRPr sz="2000" b="0">
+                <a:solidFill>
+                  <a:schemeClr val="tx1"/>
+                </a:solidFill>
+              </a:defRPr>
             </a:lvl1pPr>
           </a:lstStyle>
           <a:p>
             <a:r>
-              <a:rPr lang="en-US" smtClean="0"/>
+              <a:rPr kumimoji="0" lang="en-US" smtClean="0"/>
               <a:t>Click to edit Master title style</a:t>
             </a:r>
-            <a:endParaRPr lang="en-US"/>
+            <a:endParaRPr kumimoji="0" lang="en-US"/>
           </a:p>
         </p:txBody>
       </p:sp>
@@ -2402,52 +2850,36 @@
         </p:nvSpPr>
         <p:spPr>
           <a:xfrm>
-            <a:off x="1792288" y="612775"/>
-            <a:ext cx="5486400" cy="4114800"/>
-          </a:xfrm>
+            <a:off x="457200" y="1905000"/>
+            <a:ext cx="8229600" cy="4270248"/>
+          </a:xfrm>
+          <a:solidFill>
+            <a:schemeClr val="tx1">
+              <a:shade val="50000"/>
+            </a:schemeClr>
+          </a:solidFill>
+          <a:ln>
+            <a:noFill/>
+          </a:ln>
+          <a:effectLst/>
         </p:spPr>
         <p:txBody>
           <a:bodyPr/>
           <a:lstStyle>
             <a:lvl1pPr marL="0" indent="0">
+              <a:spcBef>
+                <a:spcPts val="600"/>
+              </a:spcBef>
               <a:buNone/>
               <a:defRPr sz="3200"/>
             </a:lvl1pPr>
-            <a:lvl2pPr marL="457200" indent="0">
-              <a:buNone/>
-              <a:defRPr sz="2800"/>
-            </a:lvl2pPr>
-            <a:lvl3pPr marL="914400" indent="0">
-              <a:buNone/>
-              <a:defRPr sz="2400"/>
-            </a:lvl3pPr>
-            <a:lvl4pPr marL="1371600" indent="0">
-              <a:buNone/>
-              <a:defRPr sz="2000"/>
-            </a:lvl4pPr>
-            <a:lvl5pPr marL="1828800" indent="0">
-              <a:buNone/>
-              <a:defRPr sz="2000"/>
-            </a:lvl5pPr>
-            <a:lvl6pPr marL="2286000" indent="0">
-              <a:buNone/>
-              <a:defRPr sz="2000"/>
-            </a:lvl6pPr>
-            <a:lvl7pPr marL="2743200" indent="0">
-              <a:buNone/>
-              <a:defRPr sz="2000"/>
-            </a:lvl7pPr>
-            <a:lvl8pPr marL="3200400" indent="0">
-              <a:buNone/>
-              <a:defRPr sz="2000"/>
-            </a:lvl8pPr>
-            <a:lvl9pPr marL="3657600" indent="0">
-              <a:buNone/>
-              <a:defRPr sz="2000"/>
-            </a:lvl9pPr>
           </a:lstStyle>
           <a:p>
-            <a:endParaRPr lang="en-US"/>
+            <a:r>
+              <a:rPr kumimoji="0" lang="en-US" smtClean="0"/>
+              <a:t>Click icon to add picture</a:t>
+            </a:r>
+            <a:endParaRPr kumimoji="0" lang="en-US" dirty="0"/>
           </a:p>
         </p:txBody>
       </p:sp>
@@ -2463,77 +2895,59 @@
         </p:nvSpPr>
         <p:spPr>
           <a:xfrm>
-            <a:off x="1792288" y="5367338"/>
-            <a:ext cx="5486400" cy="804862"/>
-          </a:xfrm>
-        </p:spPr>
-        <p:txBody>
-          <a:bodyPr/>
+            <a:off x="457200" y="1219200"/>
+            <a:ext cx="8229600" cy="533400"/>
+          </a:xfrm>
+        </p:spPr>
+        <p:txBody>
+          <a:bodyPr anchor="ctr" anchorCtr="0"/>
           <a:lstStyle>
-            <a:lvl1pPr marL="0" indent="0">
+            <a:lvl1pPr marL="0" indent="0" algn="l">
+              <a:buFontTx/>
               <a:buNone/>
               <a:defRPr sz="1400"/>
             </a:lvl1pPr>
-            <a:lvl2pPr marL="457200" indent="0">
-              <a:buNone/>
+            <a:lvl2pPr>
               <a:defRPr sz="1200"/>
             </a:lvl2pPr>
-            <a:lvl3pPr marL="914400" indent="0">
-              <a:buNone/>
+            <a:lvl3pPr>
               <a:defRPr sz="1000"/>
             </a:lvl3pPr>
-            <a:lvl4pPr marL="1371600" indent="0">
-              <a:buNone/>
+            <a:lvl4pPr>
               <a:defRPr sz="900"/>
             </a:lvl4pPr>
-            <a:lvl5pPr marL="1828800" indent="0">
-              <a:buNone/>
+            <a:lvl5pPr>
               <a:defRPr sz="900"/>
             </a:lvl5pPr>
-            <a:lvl6pPr marL="2286000" indent="0">
-              <a:buNone/>
-              <a:defRPr sz="900"/>
-            </a:lvl6pPr>
-            <a:lvl7pPr marL="2743200" indent="0">
-              <a:buNone/>
-              <a:defRPr sz="900"/>
-            </a:lvl7pPr>
-            <a:lvl8pPr marL="3200400" indent="0">
-              <a:buNone/>
-              <a:defRPr sz="900"/>
-            </a:lvl8pPr>
-            <a:lvl9pPr marL="3657600" indent="0">
-              <a:buNone/>
-              <a:defRPr sz="900"/>
-            </a:lvl9pPr>
           </a:lstStyle>
           <a:p>
-            <a:pPr lvl="0"/>
-            <a:r>
+            <a:pPr lvl="0" eaLnBrk="1" latinLnBrk="0" hangingPunct="1"/>
+            <a:r>
+              <a:rPr kumimoji="0" lang="en-US" smtClean="0"/>
+              <a:t>Click to edit Master text styles</a:t>
+            </a:r>
+          </a:p>
+        </p:txBody>
+      </p:sp>
+      <p:sp>
+        <p:nvSpPr>
+          <p:cNvPr id="5" name="Date Placeholder 4"/>
+          <p:cNvSpPr>
+            <a:spLocks noGrp="1"/>
+          </p:cNvSpPr>
+          <p:nvPr>
+            <p:ph type="dt" sz="half" idx="10"/>
+          </p:nvPr>
+        </p:nvSpPr>
+        <p:spPr/>
+        <p:txBody>
+          <a:bodyPr/>
+          <a:lstStyle/>
+          <a:p>
+            <a:fld id="{ACDF6120-F1F0-4C60-9FE9-39AC71A9C79D}" type="datetimeFigureOut">
               <a:rPr lang="en-US" smtClean="0"/>
-              <a:t>Click to edit Master text styles</a:t>
-            </a:r>
-          </a:p>
-        </p:txBody>
-      </p:sp>
-      <p:sp>
-        <p:nvSpPr>
-          <p:cNvPr id="5" name="Date Placeholder 4"/>
-          <p:cNvSpPr>
-            <a:spLocks noGrp="1"/>
-          </p:cNvSpPr>
-          <p:nvPr>
-            <p:ph type="dt" sz="half" idx="10"/>
-          </p:nvPr>
-        </p:nvSpPr>
-        <p:spPr/>
-        <p:txBody>
-          <a:bodyPr/>
-          <a:lstStyle/>
-          <a:p>
-            <a:fld id="{241EB5C9-1307-BA42-ABA2-0BC069CD8E7F}" type="datetimeFigureOut">
-              <a:rPr lang="en-US" smtClean="0"/>
-              <a:t>4/5/2019</a:t>
+              <a:pPr/>
+              <a:t>11/4/2019</a:t>
             </a:fld>
             <a:endParaRPr lang="en-US"/>
           </a:p>
@@ -2554,7 +2968,7 @@
           <a:bodyPr/>
           <a:lstStyle/>
           <a:p>
-            <a:endParaRPr lang="en-US"/>
+            <a:endParaRPr kumimoji="0" lang="en-US"/>
           </a:p>
         </p:txBody>
       </p:sp>
@@ -2573,23 +2987,151 @@
           <a:bodyPr/>
           <a:lstStyle/>
           <a:p>
-            <a:fld id="{C5EF2332-01BF-834F-8236-50238282D533}" type="slidenum">
-              <a:rPr lang="en-US" smtClean="0"/>
+            <a:fld id="{EA7C8D44-3667-46F6-9772-CC52308E2A7F}" type="slidenum">
+              <a:rPr kumimoji="0" lang="en-US" smtClean="0"/>
+              <a:pPr/>
               <a:t>‹#›</a:t>
             </a:fld>
-            <a:endParaRPr lang="en-US"/>
+            <a:endParaRPr kumimoji="0" lang="en-US"/>
+          </a:p>
+        </p:txBody>
+      </p:sp>
+      <p:sp>
+        <p:nvSpPr>
+          <p:cNvPr id="8" name="Straight Connector 7"/>
+          <p:cNvSpPr>
+            <a:spLocks noChangeShapeType="1"/>
+          </p:cNvSpPr>
+          <p:nvPr/>
+        </p:nvSpPr>
+        <p:spPr bwMode="auto">
+          <a:xfrm>
+            <a:off x="457200" y="6353175"/>
+            <a:ext cx="8229600" cy="0"/>
+          </a:xfrm>
+          <a:prstGeom prst="line">
+            <a:avLst/>
+          </a:prstGeom>
+          <a:noFill/>
+          <a:ln w="9525" cap="flat" cmpd="sng" algn="ctr">
+            <a:solidFill>
+              <a:schemeClr val="accent2"/>
+            </a:solidFill>
+            <a:prstDash val="dash"/>
+            <a:round/>
+            <a:headEnd type="none" w="med" len="med"/>
+            <a:tailEnd type="none" w="med" len="med"/>
+          </a:ln>
+          <a:effectLst/>
+        </p:spPr>
+        <p:txBody>
+          <a:bodyPr vert="horz" wrap="square" lIns="91440" tIns="45720" rIns="91440" bIns="45720" anchor="t" compatLnSpc="1"/>
+          <a:lstStyle/>
+          <a:p>
+            <a:endParaRPr kumimoji="0" lang="en-US"/>
+          </a:p>
+        </p:txBody>
+      </p:sp>
+      <p:sp>
+        <p:nvSpPr>
+          <p:cNvPr id="9" name="Isosceles Triangle 8"/>
+          <p:cNvSpPr>
+            <a:spLocks noChangeAspect="1"/>
+          </p:cNvSpPr>
+          <p:nvPr/>
+        </p:nvSpPr>
+        <p:spPr>
+          <a:xfrm rot="5400000">
+            <a:off x="419100" y="6467475"/>
+            <a:ext cx="190849" cy="120314"/>
+          </a:xfrm>
+          <a:prstGeom prst="triangle">
+            <a:avLst>
+              <a:gd name="adj" fmla="val 50000"/>
+            </a:avLst>
+          </a:prstGeom>
+          <a:solidFill>
+            <a:schemeClr val="accent2"/>
+          </a:solidFill>
+          <a:ln w="25400" cap="rnd" cmpd="sng" algn="ctr">
+            <a:noFill/>
+            <a:prstDash val="solid"/>
+          </a:ln>
+          <a:effectLst/>
+        </p:spPr>
+        <p:style>
+          <a:lnRef idx="3">
+            <a:schemeClr val="lt1"/>
+          </a:lnRef>
+          <a:fillRef idx="1">
+            <a:schemeClr val="accent1"/>
+          </a:fillRef>
+          <a:effectRef idx="1">
+            <a:schemeClr val="accent1"/>
+          </a:effectRef>
+          <a:fontRef idx="minor">
+            <a:schemeClr val="lt1"/>
+          </a:fontRef>
+        </p:style>
+        <p:txBody>
+          <a:bodyPr anchor="ctr"/>
+          <a:lstStyle/>
+          <a:p>
+            <a:pPr algn="ctr" eaLnBrk="1" latinLnBrk="0" hangingPunct="1"/>
+            <a:endParaRPr kumimoji="0" lang="en-US"/>
+          </a:p>
+        </p:txBody>
+      </p:sp>
+      <p:sp>
+        <p:nvSpPr>
+          <p:cNvPr id="10" name="Rectangle 9"/>
+          <p:cNvSpPr/>
+          <p:nvPr/>
+        </p:nvSpPr>
+        <p:spPr>
+          <a:xfrm>
+            <a:off x="457200" y="500856"/>
+            <a:ext cx="182880" cy="685800"/>
+          </a:xfrm>
+          <a:prstGeom prst="rect">
+            <a:avLst/>
+          </a:prstGeom>
+          <a:solidFill>
+            <a:schemeClr val="accent1"/>
+          </a:solidFill>
+          <a:ln w="6350" cap="rnd" cmpd="sng" algn="ctr">
+            <a:noFill/>
+            <a:prstDash val="solid"/>
+          </a:ln>
+          <a:effectLst/>
+        </p:spPr>
+        <p:style>
+          <a:lnRef idx="3">
+            <a:schemeClr val="lt1"/>
+          </a:lnRef>
+          <a:fillRef idx="1">
+            <a:schemeClr val="accent1"/>
+          </a:fillRef>
+          <a:effectRef idx="1">
+            <a:schemeClr val="accent1"/>
+          </a:effectRef>
+          <a:fontRef idx="minor">
+            <a:schemeClr val="lt1"/>
+          </a:fontRef>
+        </p:style>
+        <p:txBody>
+          <a:bodyPr anchor="ctr"/>
+          <a:lstStyle/>
+          <a:p>
+            <a:pPr algn="ctr" eaLnBrk="1" latinLnBrk="0" hangingPunct="1"/>
+            <a:endParaRPr kumimoji="0" lang="en-US"/>
           </a:p>
         </p:txBody>
       </p:sp>
     </p:spTree>
-    <p:extLst>
-      <p:ext uri="{BB962C8B-B14F-4D97-AF65-F5344CB8AC3E}">
-        <p14:creationId xmlns:p14="http://schemas.microsoft.com/office/powerpoint/2010/main" val="3566899855"/>
-      </p:ext>
-    </p:extLst>
   </p:cSld>
   <p:clrMapOvr>
-    <a:masterClrMapping/>
+    <a:overrideClrMapping bg1="dk1" tx1="lt1" bg2="dk2" tx2="lt2" accent1="accent1" accent2="accent2" accent3="accent3" accent4="accent4" accent5="accent5" accent6="accent6" hlink="hlink" folHlink="folHlink"/>
   </p:clrMapOvr>
 </p:sldLayout>
 </file>
@@ -2618,7 +3160,7 @@
       </p:grpSpPr>
       <p:sp>
         <p:nvSpPr>
-          <p:cNvPr id="2" name="Title Placeholder 1"/>
+          <p:cNvPr id="22" name="Title Placeholder 21"/>
           <p:cNvSpPr>
             <a:spLocks noGrp="1"/>
           </p:cNvSpPr>
@@ -2628,30 +3170,30 @@
         </p:nvSpPr>
         <p:spPr>
           <a:xfrm>
-            <a:off x="457200" y="274638"/>
-            <a:ext cx="8229600" cy="1143000"/>
+            <a:off x="457200" y="152400"/>
+            <a:ext cx="8229600" cy="990600"/>
           </a:xfrm>
           <a:prstGeom prst="rect">
             <a:avLst/>
           </a:prstGeom>
         </p:spPr>
         <p:txBody>
-          <a:bodyPr vert="horz" lIns="91440" tIns="45720" rIns="91440" bIns="45720" rtlCol="0" anchor="ctr">
+          <a:bodyPr vert="horz" anchor="b" anchorCtr="0">
             <a:normAutofit/>
           </a:bodyPr>
           <a:lstStyle/>
           <a:p>
             <a:r>
-              <a:rPr lang="en-US" smtClean="0"/>
+              <a:rPr kumimoji="0" lang="en-US" smtClean="0"/>
               <a:t>Click to edit Master title style</a:t>
             </a:r>
-            <a:endParaRPr lang="en-US"/>
-          </a:p>
-        </p:txBody>
-      </p:sp>
-      <p:sp>
-        <p:nvSpPr>
-          <p:cNvPr id="3" name="Text Placeholder 2"/>
+            <a:endParaRPr kumimoji="0" lang="en-US"/>
+          </a:p>
+        </p:txBody>
+      </p:sp>
+      <p:sp>
+        <p:nvSpPr>
+          <p:cNvPr id="13" name="Text Placeholder 12"/>
           <p:cNvSpPr>
             <a:spLocks noGrp="1"/>
           </p:cNvSpPr>
@@ -2661,59 +3203,59 @@
         </p:nvSpPr>
         <p:spPr>
           <a:xfrm>
-            <a:off x="457200" y="1600200"/>
-            <a:ext cx="8229600" cy="4525963"/>
+            <a:off x="457200" y="1219200"/>
+            <a:ext cx="8229600" cy="4910328"/>
           </a:xfrm>
           <a:prstGeom prst="rect">
             <a:avLst/>
           </a:prstGeom>
         </p:spPr>
         <p:txBody>
-          <a:bodyPr vert="horz" lIns="91440" tIns="45720" rIns="91440" bIns="45720" rtlCol="0">
+          <a:bodyPr vert="horz">
             <a:normAutofit/>
           </a:bodyPr>
           <a:lstStyle/>
           <a:p>
-            <a:pPr lvl="0"/>
-            <a:r>
-              <a:rPr lang="en-US" smtClean="0"/>
+            <a:pPr lvl="0" eaLnBrk="1" latinLnBrk="0" hangingPunct="1"/>
+            <a:r>
+              <a:rPr kumimoji="0" lang="en-US" smtClean="0"/>
               <a:t>Click to edit Master text styles</a:t>
             </a:r>
           </a:p>
           <a:p>
-            <a:pPr lvl="1"/>
-            <a:r>
-              <a:rPr lang="en-US" smtClean="0"/>
+            <a:pPr lvl="1" eaLnBrk="1" latinLnBrk="0" hangingPunct="1"/>
+            <a:r>
+              <a:rPr kumimoji="0" lang="en-US" smtClean="0"/>
               <a:t>Second level</a:t>
             </a:r>
           </a:p>
           <a:p>
-            <a:pPr lvl="2"/>
-            <a:r>
-              <a:rPr lang="en-US" smtClean="0"/>
+            <a:pPr lvl="2" eaLnBrk="1" latinLnBrk="0" hangingPunct="1"/>
+            <a:r>
+              <a:rPr kumimoji="0" lang="en-US" smtClean="0"/>
               <a:t>Third level</a:t>
             </a:r>
           </a:p>
           <a:p>
-            <a:pPr lvl="3"/>
-            <a:r>
-              <a:rPr lang="en-US" smtClean="0"/>
+            <a:pPr lvl="3" eaLnBrk="1" latinLnBrk="0" hangingPunct="1"/>
+            <a:r>
+              <a:rPr kumimoji="0" lang="en-US" smtClean="0"/>
               <a:t>Fourth level</a:t>
             </a:r>
           </a:p>
           <a:p>
-            <a:pPr lvl="4"/>
-            <a:r>
-              <a:rPr lang="en-US" smtClean="0"/>
+            <a:pPr lvl="4" eaLnBrk="1" latinLnBrk="0" hangingPunct="1"/>
+            <a:r>
+              <a:rPr kumimoji="0" lang="en-US" smtClean="0"/>
               <a:t>Fifth level</a:t>
             </a:r>
-            <a:endParaRPr lang="en-US"/>
-          </a:p>
-        </p:txBody>
-      </p:sp>
-      <p:sp>
-        <p:nvSpPr>
-          <p:cNvPr id="4" name="Date Placeholder 3"/>
+            <a:endParaRPr kumimoji="0" lang="en-US"/>
+          </a:p>
+        </p:txBody>
+      </p:sp>
+      <p:sp>
+        <p:nvSpPr>
+          <p:cNvPr id="14" name="Date Placeholder 13"/>
           <p:cNvSpPr>
             <a:spLocks noGrp="1"/>
           </p:cNvSpPr>
@@ -2723,38 +3265,41 @@
         </p:nvSpPr>
         <p:spPr>
           <a:xfrm>
-            <a:off x="457200" y="6356350"/>
-            <a:ext cx="2133600" cy="365125"/>
+            <a:off x="6400800" y="6356350"/>
+            <a:ext cx="2289048" cy="365760"/>
           </a:xfrm>
           <a:prstGeom prst="rect">
             <a:avLst/>
           </a:prstGeom>
         </p:spPr>
         <p:txBody>
-          <a:bodyPr vert="horz" lIns="91440" tIns="45720" rIns="91440" bIns="45720" rtlCol="0" anchor="ctr"/>
+          <a:bodyPr vert="horz"/>
           <a:lstStyle>
-            <a:lvl1pPr algn="l">
-              <a:defRPr sz="1200">
+            <a:lvl1pPr algn="l" eaLnBrk="1" latinLnBrk="0" hangingPunct="1">
+              <a:defRPr kumimoji="0" sz="1400">
                 <a:solidFill>
-                  <a:schemeClr val="tx1">
-                    <a:tint val="75000"/>
-                  </a:schemeClr>
+                  <a:schemeClr val="tx2"/>
                 </a:solidFill>
               </a:defRPr>
             </a:lvl1pPr>
           </a:lstStyle>
           <a:p>
-            <a:fld id="{241EB5C9-1307-BA42-ABA2-0BC069CD8E7F}" type="datetimeFigureOut">
+            <a:fld id="{ACDF6120-F1F0-4C60-9FE9-39AC71A9C79D}" type="datetimeFigureOut">
               <a:rPr lang="en-US" smtClean="0"/>
-              <a:t>4/5/2019</a:t>
+              <a:pPr/>
+              <a:t>11/4/2019</a:t>
             </a:fld>
-            <a:endParaRPr lang="en-US"/>
-          </a:p>
-        </p:txBody>
-      </p:sp>
-      <p:sp>
-        <p:nvSpPr>
-          <p:cNvPr id="5" name="Footer Placeholder 4"/>
+            <a:endParaRPr lang="en-US" sz="1400" dirty="0">
+              <a:solidFill>
+                <a:schemeClr val="tx2"/>
+              </a:solidFill>
+            </a:endParaRPr>
+          </a:p>
+        </p:txBody>
+      </p:sp>
+      <p:sp>
+        <p:nvSpPr>
+          <p:cNvPr id="3" name="Footer Placeholder 2"/>
           <p:cNvSpPr>
             <a:spLocks noGrp="1"/>
           </p:cNvSpPr>
@@ -2764,34 +3309,37 @@
         </p:nvSpPr>
         <p:spPr>
           <a:xfrm>
-            <a:off x="3124200" y="6356350"/>
-            <a:ext cx="2895600" cy="365125"/>
+            <a:off x="2898648" y="6356350"/>
+            <a:ext cx="3505200" cy="365760"/>
           </a:xfrm>
           <a:prstGeom prst="rect">
             <a:avLst/>
           </a:prstGeom>
         </p:spPr>
         <p:txBody>
-          <a:bodyPr vert="horz" lIns="91440" tIns="45720" rIns="91440" bIns="45720" rtlCol="0" anchor="ctr"/>
+          <a:bodyPr vert="horz"/>
           <a:lstStyle>
-            <a:lvl1pPr algn="ctr">
-              <a:defRPr sz="1200">
+            <a:lvl1pPr algn="r" eaLnBrk="1" latinLnBrk="0" hangingPunct="1">
+              <a:defRPr kumimoji="0" sz="1400">
                 <a:solidFill>
-                  <a:schemeClr val="tx1">
-                    <a:tint val="75000"/>
-                  </a:schemeClr>
+                  <a:schemeClr val="tx2"/>
                 </a:solidFill>
               </a:defRPr>
             </a:lvl1pPr>
           </a:lstStyle>
           <a:p>
-            <a:endParaRPr lang="en-US"/>
-          </a:p>
-        </p:txBody>
-      </p:sp>
-      <p:sp>
-        <p:nvSpPr>
-          <p:cNvPr id="6" name="Slide Number Placeholder 5"/>
+            <a:pPr algn="r" eaLnBrk="1" latinLnBrk="0" hangingPunct="1"/>
+            <a:endParaRPr kumimoji="0" lang="en-US" sz="1400" dirty="0">
+              <a:solidFill>
+                <a:schemeClr val="tx2"/>
+              </a:solidFill>
+            </a:endParaRPr>
+          </a:p>
+        </p:txBody>
+      </p:sp>
+      <p:sp>
+        <p:nvSpPr>
+          <p:cNvPr id="23" name="Slide Number Placeholder 22"/>
           <p:cNvSpPr>
             <a:spLocks noGrp="1"/>
           </p:cNvSpPr>
@@ -2801,66 +3349,187 @@
         </p:nvSpPr>
         <p:spPr>
           <a:xfrm>
-            <a:off x="6553200" y="6356350"/>
-            <a:ext cx="2133600" cy="365125"/>
+            <a:off x="612648" y="6356350"/>
+            <a:ext cx="1981200" cy="365760"/>
           </a:xfrm>
           <a:prstGeom prst="rect">
             <a:avLst/>
           </a:prstGeom>
         </p:spPr>
         <p:txBody>
-          <a:bodyPr vert="horz" lIns="91440" tIns="45720" rIns="91440" bIns="45720" rtlCol="0" anchor="ctr"/>
+          <a:bodyPr vert="horz"/>
           <a:lstStyle>
-            <a:lvl1pPr algn="r">
-              <a:defRPr sz="1200">
+            <a:lvl1pPr algn="l" eaLnBrk="1" latinLnBrk="0" hangingPunct="1">
+              <a:defRPr kumimoji="0" sz="1400">
                 <a:solidFill>
-                  <a:schemeClr val="tx1">
-                    <a:tint val="75000"/>
-                  </a:schemeClr>
+                  <a:schemeClr val="tx2"/>
                 </a:solidFill>
               </a:defRPr>
             </a:lvl1pPr>
           </a:lstStyle>
           <a:p>
-            <a:fld id="{C5EF2332-01BF-834F-8236-50238282D533}" type="slidenum">
-              <a:rPr lang="en-US" smtClean="0"/>
+            <a:pPr algn="l" eaLnBrk="1" latinLnBrk="0" hangingPunct="1"/>
+            <a:fld id="{EA7C8D44-3667-46F6-9772-CC52308E2A7F}" type="slidenum">
+              <a:rPr kumimoji="0" lang="en-US" smtClean="0"/>
+              <a:pPr algn="l" eaLnBrk="1" latinLnBrk="0" hangingPunct="1"/>
               <a:t>‹#›</a:t>
             </a:fld>
-            <a:endParaRPr lang="en-US"/>
+            <a:endParaRPr kumimoji="0" lang="en-US" sz="1600" dirty="0">
+              <a:solidFill>
+                <a:schemeClr val="tx2"/>
+              </a:solidFill>
+            </a:endParaRPr>
+          </a:p>
+        </p:txBody>
+      </p:sp>
+      <p:sp>
+        <p:nvSpPr>
+          <p:cNvPr id="28" name="Straight Connector 27"/>
+          <p:cNvSpPr>
+            <a:spLocks noChangeShapeType="1"/>
+          </p:cNvSpPr>
+          <p:nvPr/>
+        </p:nvSpPr>
+        <p:spPr bwMode="auto">
+          <a:xfrm>
+            <a:off x="457200" y="6353175"/>
+            <a:ext cx="8229600" cy="0"/>
+          </a:xfrm>
+          <a:prstGeom prst="line">
+            <a:avLst/>
+          </a:prstGeom>
+          <a:noFill/>
+          <a:ln w="9525" cap="flat" cmpd="sng" algn="ctr">
+            <a:solidFill>
+              <a:schemeClr val="accent2"/>
+            </a:solidFill>
+            <a:prstDash val="dash"/>
+            <a:round/>
+            <a:headEnd type="none" w="med" len="med"/>
+            <a:tailEnd type="none" w="med" len="med"/>
+          </a:ln>
+          <a:effectLst/>
+        </p:spPr>
+        <p:txBody>
+          <a:bodyPr vert="horz" wrap="square" lIns="91440" tIns="45720" rIns="91440" bIns="45720" anchor="t" compatLnSpc="1"/>
+          <a:lstStyle/>
+          <a:p>
+            <a:endParaRPr kumimoji="0" lang="en-US"/>
+          </a:p>
+        </p:txBody>
+      </p:sp>
+      <p:sp>
+        <p:nvSpPr>
+          <p:cNvPr id="29" name="Straight Connector 28"/>
+          <p:cNvSpPr>
+            <a:spLocks noChangeShapeType="1"/>
+          </p:cNvSpPr>
+          <p:nvPr/>
+        </p:nvSpPr>
+        <p:spPr bwMode="auto">
+          <a:xfrm>
+            <a:off x="457200" y="1143000"/>
+            <a:ext cx="8229600" cy="0"/>
+          </a:xfrm>
+          <a:prstGeom prst="line">
+            <a:avLst/>
+          </a:prstGeom>
+          <a:noFill/>
+          <a:ln w="9525" cap="flat" cmpd="sng" algn="ctr">
+            <a:solidFill>
+              <a:schemeClr val="accent2"/>
+            </a:solidFill>
+            <a:prstDash val="dash"/>
+            <a:round/>
+            <a:headEnd type="none" w="med" len="med"/>
+            <a:tailEnd type="none" w="med" len="med"/>
+          </a:ln>
+          <a:effectLst/>
+        </p:spPr>
+        <p:txBody>
+          <a:bodyPr vert="horz" wrap="square" lIns="91440" tIns="45720" rIns="91440" bIns="45720" anchor="t" compatLnSpc="1"/>
+          <a:lstStyle/>
+          <a:p>
+            <a:endParaRPr kumimoji="0" lang="en-US"/>
+          </a:p>
+        </p:txBody>
+      </p:sp>
+      <p:sp>
+        <p:nvSpPr>
+          <p:cNvPr id="10" name="Isosceles Triangle 9"/>
+          <p:cNvSpPr>
+            <a:spLocks noChangeAspect="1"/>
+          </p:cNvSpPr>
+          <p:nvPr/>
+        </p:nvSpPr>
+        <p:spPr>
+          <a:xfrm rot="5400000">
+            <a:off x="419100" y="6467475"/>
+            <a:ext cx="190849" cy="120314"/>
+          </a:xfrm>
+          <a:prstGeom prst="triangle">
+            <a:avLst>
+              <a:gd name="adj" fmla="val 50000"/>
+            </a:avLst>
+          </a:prstGeom>
+          <a:solidFill>
+            <a:schemeClr val="accent2"/>
+          </a:solidFill>
+          <a:ln w="25400" cap="rnd" cmpd="sng" algn="ctr">
+            <a:noFill/>
+            <a:prstDash val="solid"/>
+          </a:ln>
+          <a:effectLst/>
+        </p:spPr>
+        <p:style>
+          <a:lnRef idx="3">
+            <a:schemeClr val="lt1"/>
+          </a:lnRef>
+          <a:fillRef idx="1">
+            <a:schemeClr val="accent1"/>
+          </a:fillRef>
+          <a:effectRef idx="1">
+            <a:schemeClr val="accent1"/>
+          </a:effectRef>
+          <a:fontRef idx="minor">
+            <a:schemeClr val="lt1"/>
+          </a:fontRef>
+        </p:style>
+        <p:txBody>
+          <a:bodyPr anchor="ctr"/>
+          <a:lstStyle/>
+          <a:p>
+            <a:pPr algn="ctr" eaLnBrk="1" latinLnBrk="0" hangingPunct="1"/>
+            <a:endParaRPr kumimoji="0" lang="en-US"/>
           </a:p>
         </p:txBody>
       </p:sp>
     </p:spTree>
-    <p:extLst>
-      <p:ext uri="{BB962C8B-B14F-4D97-AF65-F5344CB8AC3E}">
-        <p14:creationId xmlns:p14="http://schemas.microsoft.com/office/powerpoint/2010/main" val="3676200875"/>
-      </p:ext>
-    </p:extLst>
   </p:cSld>
   <p:clrMap bg1="lt1" tx1="dk1" bg2="lt2" tx2="dk2" accent1="accent1" accent2="accent2" accent3="accent3" accent4="accent4" accent5="accent5" accent6="accent6" hlink="hlink" folHlink="folHlink"/>
   <p:sldLayoutIdLst>
-    <p:sldLayoutId id="2147483649" r:id="rId1"/>
-    <p:sldLayoutId id="2147483650" r:id="rId2"/>
-    <p:sldLayoutId id="2147483651" r:id="rId3"/>
-    <p:sldLayoutId id="2147483652" r:id="rId4"/>
-    <p:sldLayoutId id="2147483653" r:id="rId5"/>
-    <p:sldLayoutId id="2147483654" r:id="rId6"/>
-    <p:sldLayoutId id="2147483655" r:id="rId7"/>
-    <p:sldLayoutId id="2147483656" r:id="rId8"/>
-    <p:sldLayoutId id="2147483657" r:id="rId9"/>
-    <p:sldLayoutId id="2147483658" r:id="rId10"/>
-    <p:sldLayoutId id="2147483659" r:id="rId11"/>
+    <p:sldLayoutId id="2147483661" r:id="rId1"/>
+    <p:sldLayoutId id="2147483662" r:id="rId2"/>
+    <p:sldLayoutId id="2147483663" r:id="rId3"/>
+    <p:sldLayoutId id="2147483664" r:id="rId4"/>
+    <p:sldLayoutId id="2147483665" r:id="rId5"/>
+    <p:sldLayoutId id="2147483666" r:id="rId6"/>
+    <p:sldLayoutId id="2147483667" r:id="rId7"/>
+    <p:sldLayoutId id="2147483668" r:id="rId8"/>
+    <p:sldLayoutId id="2147483669" r:id="rId9"/>
+    <p:sldLayoutId id="2147483670" r:id="rId10"/>
+    <p:sldLayoutId id="2147483671" r:id="rId11"/>
   </p:sldLayoutIdLst>
   <p:txStyles>
     <p:titleStyle>
-      <a:lvl1pPr algn="ctr" defTabSz="457200" rtl="0" eaLnBrk="1" latinLnBrk="0" hangingPunct="1">
+      <a:lvl1pPr algn="l" rtl="0" eaLnBrk="1" latinLnBrk="0" hangingPunct="1">
         <a:spcBef>
           <a:spcPct val="0"/>
         </a:spcBef>
         <a:buNone/>
-        <a:defRPr sz="4400" kern="1200">
+        <a:defRPr kumimoji="0" sz="3200" kern="1200">
           <a:solidFill>
-            <a:schemeClr val="tx1"/>
+            <a:schemeClr val="tx2"/>
           </a:solidFill>
           <a:latin typeface="+mj-lt"/>
           <a:ea typeface="+mj-ea"/>
@@ -2869,13 +3538,17 @@
       </a:lvl1pPr>
     </p:titleStyle>
     <p:bodyStyle>
-      <a:lvl1pPr marL="342900" indent="-342900" algn="l" defTabSz="457200" rtl="0" eaLnBrk="1" latinLnBrk="0" hangingPunct="1">
+      <a:lvl1pPr marL="274320" indent="-274320" algn="l" rtl="0" eaLnBrk="1" latinLnBrk="0" hangingPunct="1">
         <a:spcBef>
-          <a:spcPct val="20000"/>
+          <a:spcPts val="600"/>
         </a:spcBef>
-        <a:buFont typeface="Arial"/>
-        <a:buChar char="•"/>
-        <a:defRPr sz="3200" kern="1200">
+        <a:buClr>
+          <a:schemeClr val="accent1"/>
+        </a:buClr>
+        <a:buSzPct val="76000"/>
+        <a:buFont typeface="Wingdings 3"/>
+        <a:buChar char=""/>
+        <a:defRPr kumimoji="0" sz="2600" kern="1200">
           <a:solidFill>
             <a:schemeClr val="tx1"/>
           </a:solidFill>
@@ -2884,28 +3557,38 @@
           <a:cs typeface="+mn-cs"/>
         </a:defRPr>
       </a:lvl1pPr>
-      <a:lvl2pPr marL="742950" indent="-285750" algn="l" defTabSz="457200" rtl="0" eaLnBrk="1" latinLnBrk="0" hangingPunct="1">
+      <a:lvl2pPr marL="548640" indent="-274320" algn="l" rtl="0" eaLnBrk="1" latinLnBrk="0" hangingPunct="1">
         <a:spcBef>
-          <a:spcPct val="20000"/>
+          <a:spcPts val="500"/>
         </a:spcBef>
-        <a:buFont typeface="Arial"/>
-        <a:buChar char="–"/>
-        <a:defRPr sz="2800" kern="1200">
+        <a:buClr>
+          <a:schemeClr val="accent2"/>
+        </a:buClr>
+        <a:buSzPct val="76000"/>
+        <a:buFont typeface="Wingdings 3"/>
+        <a:buChar char=""/>
+        <a:defRPr kumimoji="0" sz="2300" kern="1200">
           <a:solidFill>
-            <a:schemeClr val="tx1"/>
+            <a:schemeClr val="tx2"/>
           </a:solidFill>
           <a:latin typeface="+mn-lt"/>
           <a:ea typeface="+mn-ea"/>
           <a:cs typeface="+mn-cs"/>
         </a:defRPr>
       </a:lvl2pPr>
-      <a:lvl3pPr marL="1143000" indent="-228600" algn="l" defTabSz="457200" rtl="0" eaLnBrk="1" latinLnBrk="0" hangingPunct="1">
+      <a:lvl3pPr marL="822960" indent="-228600" algn="l" rtl="0" eaLnBrk="1" latinLnBrk="0" hangingPunct="1">
         <a:spcBef>
-          <a:spcPct val="20000"/>
+          <a:spcPts val="500"/>
         </a:spcBef>
-        <a:buFont typeface="Arial"/>
-        <a:buChar char="•"/>
-        <a:defRPr sz="2400" kern="1200">
+        <a:buClr>
+          <a:schemeClr val="bg1">
+            <a:shade val="50000"/>
+          </a:schemeClr>
+        </a:buClr>
+        <a:buSzPct val="76000"/>
+        <a:buFont typeface="Wingdings 3"/>
+        <a:buChar char=""/>
+        <a:defRPr kumimoji="0" sz="2000" kern="1200">
           <a:solidFill>
             <a:schemeClr val="tx1"/>
           </a:solidFill>
@@ -2914,13 +3597,19 @@
           <a:cs typeface="+mn-cs"/>
         </a:defRPr>
       </a:lvl3pPr>
-      <a:lvl4pPr marL="1600200" indent="-228600" algn="l" defTabSz="457200" rtl="0" eaLnBrk="1" latinLnBrk="0" hangingPunct="1">
+      <a:lvl4pPr marL="1097280" indent="-228600" algn="l" rtl="0" eaLnBrk="1" latinLnBrk="0" hangingPunct="1">
         <a:spcBef>
-          <a:spcPct val="20000"/>
+          <a:spcPts val="400"/>
         </a:spcBef>
-        <a:buFont typeface="Arial"/>
-        <a:buChar char="–"/>
-        <a:defRPr sz="2000" kern="1200">
+        <a:buClr>
+          <a:schemeClr val="accent2">
+            <a:shade val="75000"/>
+          </a:schemeClr>
+        </a:buClr>
+        <a:buSzPct val="70000"/>
+        <a:buFont typeface="Wingdings"/>
+        <a:buChar char=""/>
+        <a:defRPr kumimoji="0" sz="1800" kern="1200">
           <a:solidFill>
             <a:schemeClr val="tx1"/>
           </a:solidFill>
@@ -2929,13 +3618,17 @@
           <a:cs typeface="+mn-cs"/>
         </a:defRPr>
       </a:lvl4pPr>
-      <a:lvl5pPr marL="2057400" indent="-228600" algn="l" defTabSz="457200" rtl="0" eaLnBrk="1" latinLnBrk="0" hangingPunct="1">
+      <a:lvl5pPr marL="1371600" indent="-228600" algn="l" rtl="0" eaLnBrk="1" latinLnBrk="0" hangingPunct="1">
         <a:spcBef>
-          <a:spcPct val="20000"/>
+          <a:spcPts val="300"/>
         </a:spcBef>
-        <a:buFont typeface="Arial"/>
-        <a:buChar char="»"/>
-        <a:defRPr sz="2000" kern="1200">
+        <a:buClr>
+          <a:schemeClr val="accent2"/>
+        </a:buClr>
+        <a:buSzPct val="70000"/>
+        <a:buFont typeface="Wingdings"/>
+        <a:buChar char=""/>
+        <a:defRPr kumimoji="0" sz="1600" kern="1200">
           <a:solidFill>
             <a:schemeClr val="tx1"/>
           </a:solidFill>
@@ -2944,13 +3637,19 @@
           <a:cs typeface="+mn-cs"/>
         </a:defRPr>
       </a:lvl5pPr>
-      <a:lvl6pPr marL="2514600" indent="-228600" algn="l" defTabSz="457200" rtl="0" eaLnBrk="1" latinLnBrk="0" hangingPunct="1">
+      <a:lvl6pPr marL="1645920" indent="-182880" algn="l" rtl="0" eaLnBrk="1" latinLnBrk="0" hangingPunct="1">
         <a:spcBef>
-          <a:spcPct val="20000"/>
+          <a:spcPts val="300"/>
         </a:spcBef>
-        <a:buFont typeface="Arial"/>
-        <a:buChar char="•"/>
-        <a:defRPr sz="2000" kern="1200">
+        <a:buClr>
+          <a:srgbClr val="9FB8CD">
+            <a:shade val="75000"/>
+          </a:srgbClr>
+        </a:buClr>
+        <a:buSzPct val="75000"/>
+        <a:buFont typeface="Wingdings 3"/>
+        <a:buChar char=""/>
+        <a:defRPr kumimoji="0" lang="en-US" sz="1600" kern="1200" smtClean="0">
           <a:solidFill>
             <a:schemeClr val="tx1"/>
           </a:solidFill>
@@ -2959,13 +3658,19 @@
           <a:cs typeface="+mn-cs"/>
         </a:defRPr>
       </a:lvl6pPr>
-      <a:lvl7pPr marL="2971800" indent="-228600" algn="l" defTabSz="457200" rtl="0" eaLnBrk="1" latinLnBrk="0" hangingPunct="1">
+      <a:lvl7pPr marL="1828800" indent="-182880" algn="l" rtl="0" eaLnBrk="1" latinLnBrk="0" hangingPunct="1">
         <a:spcBef>
-          <a:spcPct val="20000"/>
+          <a:spcPts val="300"/>
         </a:spcBef>
-        <a:buFont typeface="Arial"/>
-        <a:buChar char="•"/>
-        <a:defRPr sz="2000" kern="1200">
+        <a:buClr>
+          <a:srgbClr val="727CA3">
+            <a:shade val="75000"/>
+          </a:srgbClr>
+        </a:buClr>
+        <a:buSzPct val="75000"/>
+        <a:buFont typeface="Wingdings 3"/>
+        <a:buChar char=""/>
+        <a:defRPr kumimoji="0" lang="en-US" sz="1400" kern="1200" smtClean="0">
           <a:solidFill>
             <a:schemeClr val="tx1"/>
           </a:solidFill>
@@ -2974,13 +3679,19 @@
           <a:cs typeface="+mn-cs"/>
         </a:defRPr>
       </a:lvl7pPr>
-      <a:lvl8pPr marL="3429000" indent="-228600" algn="l" defTabSz="457200" rtl="0" eaLnBrk="1" latinLnBrk="0" hangingPunct="1">
+      <a:lvl8pPr marL="2011680" indent="-182880" algn="l" rtl="0" eaLnBrk="1" latinLnBrk="0" hangingPunct="1">
         <a:spcBef>
-          <a:spcPct val="20000"/>
+          <a:spcPts val="300"/>
         </a:spcBef>
-        <a:buFont typeface="Arial"/>
-        <a:buChar char="•"/>
-        <a:defRPr sz="2000" kern="1200">
+        <a:buClr>
+          <a:prstClr val="white">
+            <a:shade val="50000"/>
+          </a:prstClr>
+        </a:buClr>
+        <a:buSzPct val="75000"/>
+        <a:buFont typeface="Wingdings 3"/>
+        <a:buChar char=""/>
+        <a:defRPr kumimoji="0" lang="en-US" sz="1400" kern="1200" smtClean="0">
           <a:solidFill>
             <a:schemeClr val="tx1"/>
           </a:solidFill>
@@ -2989,13 +3700,17 @@
           <a:cs typeface="+mn-cs"/>
         </a:defRPr>
       </a:lvl8pPr>
-      <a:lvl9pPr marL="3886200" indent="-228600" algn="l" defTabSz="457200" rtl="0" eaLnBrk="1" latinLnBrk="0" hangingPunct="1">
+      <a:lvl9pPr marL="2194560" indent="-182880" algn="l" rtl="0" eaLnBrk="1" latinLnBrk="0" hangingPunct="1">
         <a:spcBef>
-          <a:spcPct val="20000"/>
+          <a:spcPts val="300"/>
         </a:spcBef>
-        <a:buFont typeface="Arial"/>
-        <a:buChar char="•"/>
-        <a:defRPr sz="2000" kern="1200">
+        <a:buClr>
+          <a:srgbClr val="9FB8CD"/>
+        </a:buClr>
+        <a:buSzPct val="75000"/>
+        <a:buFont typeface="Wingdings 3"/>
+        <a:buChar char=""/>
+        <a:defRPr kumimoji="0" lang="en-US" sz="1200" kern="1200" smtClean="0">
           <a:solidFill>
             <a:schemeClr val="tx1"/>
           </a:solidFill>
@@ -3006,11 +3721,8 @@
       </a:lvl9pPr>
     </p:bodyStyle>
     <p:otherStyle>
-      <a:defPPr>
-        <a:defRPr lang="en-US"/>
-      </a:defPPr>
-      <a:lvl1pPr marL="0" algn="l" defTabSz="457200" rtl="0" eaLnBrk="1" latinLnBrk="0" hangingPunct="1">
-        <a:defRPr sz="1800" kern="1200">
+      <a:lvl1pPr marL="0" algn="l" rtl="0" eaLnBrk="1" latinLnBrk="0" hangingPunct="1">
+        <a:defRPr kumimoji="0" kern="1200">
           <a:solidFill>
             <a:schemeClr val="tx1"/>
           </a:solidFill>
@@ -3019,8 +3731,8 @@
           <a:cs typeface="+mn-cs"/>
         </a:defRPr>
       </a:lvl1pPr>
-      <a:lvl2pPr marL="457200" algn="l" defTabSz="457200" rtl="0" eaLnBrk="1" latinLnBrk="0" hangingPunct="1">
-        <a:defRPr sz="1800" kern="1200">
+      <a:lvl2pPr marL="457200" algn="l" rtl="0" eaLnBrk="1" latinLnBrk="0" hangingPunct="1">
+        <a:defRPr kumimoji="0" kern="1200">
           <a:solidFill>
             <a:schemeClr val="tx1"/>
           </a:solidFill>
@@ -3029,8 +3741,8 @@
           <a:cs typeface="+mn-cs"/>
         </a:defRPr>
       </a:lvl2pPr>
-      <a:lvl3pPr marL="914400" algn="l" defTabSz="457200" rtl="0" eaLnBrk="1" latinLnBrk="0" hangingPunct="1">
-        <a:defRPr sz="1800" kern="1200">
+      <a:lvl3pPr marL="914400" algn="l" rtl="0" eaLnBrk="1" latinLnBrk="0" hangingPunct="1">
+        <a:defRPr kumimoji="0" kern="1200">
           <a:solidFill>
             <a:schemeClr val="tx1"/>
           </a:solidFill>
@@ -3039,8 +3751,8 @@
           <a:cs typeface="+mn-cs"/>
         </a:defRPr>
       </a:lvl3pPr>
-      <a:lvl4pPr marL="1371600" algn="l" defTabSz="457200" rtl="0" eaLnBrk="1" latinLnBrk="0" hangingPunct="1">
-        <a:defRPr sz="1800" kern="1200">
+      <a:lvl4pPr marL="1371600" algn="l" rtl="0" eaLnBrk="1" latinLnBrk="0" hangingPunct="1">
+        <a:defRPr kumimoji="0" kern="1200">
           <a:solidFill>
             <a:schemeClr val="tx1"/>
           </a:solidFill>
@@ -3049,8 +3761,8 @@
           <a:cs typeface="+mn-cs"/>
         </a:defRPr>
       </a:lvl4pPr>
-      <a:lvl5pPr marL="1828800" algn="l" defTabSz="457200" rtl="0" eaLnBrk="1" latinLnBrk="0" hangingPunct="1">
-        <a:defRPr sz="1800" kern="1200">
+      <a:lvl5pPr marL="1828800" algn="l" rtl="0" eaLnBrk="1" latinLnBrk="0" hangingPunct="1">
+        <a:defRPr kumimoji="0" kern="1200">
           <a:solidFill>
             <a:schemeClr val="tx1"/>
           </a:solidFill>
@@ -3059,8 +3771,8 @@
           <a:cs typeface="+mn-cs"/>
         </a:defRPr>
       </a:lvl5pPr>
-      <a:lvl6pPr marL="2286000" algn="l" defTabSz="457200" rtl="0" eaLnBrk="1" latinLnBrk="0" hangingPunct="1">
-        <a:defRPr sz="1800" kern="1200">
+      <a:lvl6pPr marL="2286000" algn="l" rtl="0" eaLnBrk="1" latinLnBrk="0" hangingPunct="1">
+        <a:defRPr kumimoji="0" kern="1200">
           <a:solidFill>
             <a:schemeClr val="tx1"/>
           </a:solidFill>
@@ -3069,8 +3781,8 @@
           <a:cs typeface="+mn-cs"/>
         </a:defRPr>
       </a:lvl6pPr>
-      <a:lvl7pPr marL="2743200" algn="l" defTabSz="457200" rtl="0" eaLnBrk="1" latinLnBrk="0" hangingPunct="1">
-        <a:defRPr sz="1800" kern="1200">
+      <a:lvl7pPr marL="2743200" algn="l" rtl="0" eaLnBrk="1" latinLnBrk="0" hangingPunct="1">
+        <a:defRPr kumimoji="0" kern="1200">
           <a:solidFill>
             <a:schemeClr val="tx1"/>
           </a:solidFill>
@@ -3079,8 +3791,8 @@
           <a:cs typeface="+mn-cs"/>
         </a:defRPr>
       </a:lvl7pPr>
-      <a:lvl8pPr marL="3200400" algn="l" defTabSz="457200" rtl="0" eaLnBrk="1" latinLnBrk="0" hangingPunct="1">
-        <a:defRPr sz="1800" kern="1200">
+      <a:lvl8pPr marL="3200400" algn="l" rtl="0" eaLnBrk="1" latinLnBrk="0" hangingPunct="1">
+        <a:defRPr kumimoji="0" kern="1200">
           <a:solidFill>
             <a:schemeClr val="tx1"/>
           </a:solidFill>
@@ -3089,8 +3801,8 @@
           <a:cs typeface="+mn-cs"/>
         </a:defRPr>
       </a:lvl8pPr>
-      <a:lvl9pPr marL="3657600" algn="l" defTabSz="457200" rtl="0" eaLnBrk="1" latinLnBrk="0" hangingPunct="1">
-        <a:defRPr sz="1800" kern="1200">
+      <a:lvl9pPr marL="3657600" algn="l" rtl="0" eaLnBrk="1" latinLnBrk="0" hangingPunct="1">
+        <a:defRPr kumimoji="0" kern="1200">
           <a:solidFill>
             <a:schemeClr val="tx1"/>
           </a:solidFill>
@@ -3123,7 +3835,7 @@
       </p:grpSpPr>
       <p:sp>
         <p:nvSpPr>
-          <p:cNvPr id="2" name="Title 1"/>
+          <p:cNvPr id="8" name="Title 7"/>
           <p:cNvSpPr>
             <a:spLocks noGrp="1"/>
           </p:cNvSpPr>
@@ -3133,8 +3845,8 @@
         </p:nvSpPr>
         <p:spPr>
           <a:xfrm>
-            <a:off x="685800" y="2130425"/>
-            <a:ext cx="7772400" cy="1470025"/>
+            <a:off x="1219200" y="3886200"/>
+            <a:ext cx="6858000" cy="990600"/>
           </a:xfrm>
         </p:spPr>
         <p:txBody>
@@ -3177,7 +3889,7 @@
       </p:sp>
       <p:sp>
         <p:nvSpPr>
-          <p:cNvPr id="3" name="Subtitle 2"/>
+          <p:cNvPr id="9" name="Subtitle 8"/>
           <p:cNvSpPr>
             <a:spLocks noGrp="1"/>
           </p:cNvSpPr>
@@ -3187,8 +3899,8 @@
         </p:nvSpPr>
         <p:spPr>
           <a:xfrm>
-            <a:off x="1371600" y="3886200"/>
-            <a:ext cx="6400800" cy="1752600"/>
+            <a:off x="1219200" y="5124450"/>
+            <a:ext cx="6858000" cy="533400"/>
           </a:xfrm>
         </p:spPr>
         <p:txBody>
@@ -3245,7 +3957,7 @@
       </p:sp>
       <p:sp>
         <p:nvSpPr>
-          <p:cNvPr id="4" name="Date Placeholder 3"/>
+          <p:cNvPr id="28" name="Date Placeholder 27"/>
           <p:cNvSpPr>
             <a:spLocks noGrp="1"/>
           </p:cNvSpPr>
@@ -3253,7 +3965,12 @@
             <p:ph type="dt" sz="half" idx="10"/>
           </p:nvPr>
         </p:nvSpPr>
-        <p:spPr/>
+        <p:spPr>
+          <a:xfrm>
+            <a:off x="6400800" y="6355080"/>
+            <a:ext cx="2286000" cy="365760"/>
+          </a:xfrm>
+        </p:spPr>
         <p:txBody>
           <a:bodyPr/>
           <a:lstStyle/>
@@ -3349,12 +4066,12 @@
       </p:sp>
       <p:sp>
         <p:nvSpPr>
-          <p:cNvPr id="3" name="Content Placeholder 2"/>
-          <p:cNvSpPr>
-            <a:spLocks noGrp="1"/>
-          </p:cNvSpPr>
-          <p:nvPr>
-            <p:ph idx="1"/>
+          <p:cNvPr id="8" name="Content Placeholder 7"/>
+          <p:cNvSpPr>
+            <a:spLocks noGrp="1"/>
+          </p:cNvSpPr>
+          <p:nvPr>
+            <p:ph sz="quarter" idx="1"/>
           </p:nvPr>
         </p:nvSpPr>
         <p:spPr/>
@@ -3449,12 +4166,12 @@
       </p:sp>
       <p:sp>
         <p:nvSpPr>
-          <p:cNvPr id="3" name="Content Placeholder 2"/>
-          <p:cNvSpPr>
-            <a:spLocks noGrp="1"/>
-          </p:cNvSpPr>
-          <p:nvPr>
-            <p:ph idx="1"/>
+          <p:cNvPr id="8" name="Content Placeholder 7"/>
+          <p:cNvSpPr>
+            <a:spLocks noGrp="1"/>
+          </p:cNvSpPr>
+          <p:nvPr>
+            <p:ph sz="quarter" idx="1"/>
           </p:nvPr>
         </p:nvSpPr>
         <p:spPr/>
@@ -3547,12 +4264,12 @@
       </p:sp>
       <p:sp>
         <p:nvSpPr>
-          <p:cNvPr id="3" name="Content Placeholder 2"/>
-          <p:cNvSpPr>
-            <a:spLocks noGrp="1"/>
-          </p:cNvSpPr>
-          <p:nvPr>
-            <p:ph idx="1"/>
+          <p:cNvPr id="8" name="Content Placeholder 7"/>
+          <p:cNvSpPr>
+            <a:spLocks noGrp="1"/>
+          </p:cNvSpPr>
+          <p:nvPr>
+            <p:ph sz="quarter" idx="1"/>
           </p:nvPr>
         </p:nvSpPr>
         <p:spPr/>
@@ -3607,7 +4324,12 @@
             <p:ph type="title"/>
           </p:nvPr>
         </p:nvSpPr>
-        <p:spPr/>
+        <p:spPr>
+          <a:xfrm>
+            <a:off x="457200" y="228600"/>
+            <a:ext cx="8229600" cy="914400"/>
+          </a:xfrm>
+        </p:spPr>
         <p:txBody>
           <a:bodyPr/>
           <a:lstStyle/>
@@ -3632,12 +4354,12 @@
       </p:sp>
       <p:sp>
         <p:nvSpPr>
-          <p:cNvPr id="3" name="Content Placeholder 2"/>
-          <p:cNvSpPr>
-            <a:spLocks noGrp="1"/>
-          </p:cNvSpPr>
-          <p:nvPr>
-            <p:ph sz="half" idx="1"/>
+          <p:cNvPr id="9" name="Content Placeholder 8"/>
+          <p:cNvSpPr>
+            <a:spLocks noGrp="1"/>
+          </p:cNvSpPr>
+          <p:nvPr>
+            <p:ph sz="quarter" idx="1"/>
           </p:nvPr>
         </p:nvSpPr>
         <p:spPr/>
@@ -3685,7 +4407,7 @@
         </p:blipFill>
         <p:spPr bwMode="auto">
           <a:xfrm>
-            <a:off x="4648200" y="2108200"/>
+            <a:off x="4622800" y="1917700"/>
             <a:ext cx="4038600" cy="2997200"/>
           </a:xfrm>
           <a:prstGeom prst="rect">
@@ -3707,7 +4429,7 @@
         </p:nvSpPr>
         <p:spPr>
           <a:xfrm>
-            <a:off x="4648200" y="5613400"/>
+            <a:off x="4622800" y="5626100"/>
             <a:ext cx="4038600" cy="508000"/>
           </a:xfrm>
           <a:prstGeom prst="rect">
@@ -3836,8 +4558,8 @@
         </p:blipFill>
         <p:spPr bwMode="auto">
           <a:xfrm>
-            <a:off x="1968500" y="1600200"/>
-            <a:ext cx="5219700" cy="4013200"/>
+            <a:off x="1701800" y="1219200"/>
+            <a:ext cx="5740400" cy="4419600"/>
           </a:xfrm>
           <a:prstGeom prst="rect">
             <a:avLst/>
@@ -3858,7 +4580,7 @@
         </p:nvSpPr>
         <p:spPr>
           <a:xfrm>
-            <a:off x="457200" y="5613400"/>
+            <a:off x="457200" y="5638800"/>
             <a:ext cx="8229600" cy="508000"/>
           </a:xfrm>
           <a:prstGeom prst="rect">
@@ -3940,7 +4662,12 @@
             <p:ph type="title"/>
           </p:nvPr>
         </p:nvSpPr>
-        <p:spPr/>
+        <p:spPr>
+          <a:xfrm>
+            <a:off x="457200" y="228600"/>
+            <a:ext cx="8229600" cy="914400"/>
+          </a:xfrm>
+        </p:spPr>
         <p:txBody>
           <a:bodyPr/>
           <a:lstStyle/>
@@ -3965,12 +4692,12 @@
       </p:sp>
       <p:sp>
         <p:nvSpPr>
-          <p:cNvPr id="3" name="Content Placeholder 2"/>
-          <p:cNvSpPr>
-            <a:spLocks noGrp="1"/>
-          </p:cNvSpPr>
-          <p:nvPr>
-            <p:ph sz="half" idx="1"/>
+          <p:cNvPr id="9" name="Content Placeholder 8"/>
+          <p:cNvSpPr>
+            <a:spLocks noGrp="1"/>
+          </p:cNvSpPr>
+          <p:nvPr>
+            <p:ph sz="quarter" idx="1"/>
           </p:nvPr>
         </p:nvSpPr>
         <p:spPr/>
@@ -4038,7 +4765,7 @@
         </p:blipFill>
         <p:spPr bwMode="auto">
           <a:xfrm>
-            <a:off x="4648200" y="1816100"/>
+            <a:off x="4622800" y="1625600"/>
             <a:ext cx="4038600" cy="3594100"/>
           </a:xfrm>
           <a:prstGeom prst="rect">
@@ -4060,7 +4787,7 @@
         </p:nvSpPr>
         <p:spPr>
           <a:xfrm>
-            <a:off x="4648200" y="5613400"/>
+            <a:off x="4622800" y="5626100"/>
             <a:ext cx="4038600" cy="508000"/>
           </a:xfrm>
           <a:prstGeom prst="rect">
@@ -4227,12 +4954,12 @@
       </p:sp>
       <p:sp>
         <p:nvSpPr>
-          <p:cNvPr id="3" name="Content Placeholder 2"/>
-          <p:cNvSpPr>
-            <a:spLocks noGrp="1"/>
-          </p:cNvSpPr>
-          <p:nvPr>
-            <p:ph idx="1"/>
+          <p:cNvPr id="8" name="Content Placeholder 7"/>
+          <p:cNvSpPr>
+            <a:spLocks noGrp="1"/>
+          </p:cNvSpPr>
+          <p:nvPr>
+            <p:ph sz="quarter" idx="1"/>
           </p:nvPr>
         </p:nvSpPr>
         <p:spPr/>
@@ -4336,12 +5063,12 @@
       </p:sp>
       <p:sp>
         <p:nvSpPr>
-          <p:cNvPr id="3" name="Content Placeholder 2"/>
-          <p:cNvSpPr>
-            <a:spLocks noGrp="1"/>
-          </p:cNvSpPr>
-          <p:nvPr>
-            <p:ph idx="1"/>
+          <p:cNvPr id="8" name="Content Placeholder 7"/>
+          <p:cNvSpPr>
+            <a:spLocks noGrp="1"/>
+          </p:cNvSpPr>
+          <p:nvPr>
+            <p:ph sz="quarter" idx="1"/>
           </p:nvPr>
         </p:nvSpPr>
         <p:spPr/>
@@ -4443,12 +5170,12 @@
       </p:sp>
       <p:sp>
         <p:nvSpPr>
-          <p:cNvPr id="3" name="Content Placeholder 2"/>
-          <p:cNvSpPr>
-            <a:spLocks noGrp="1"/>
-          </p:cNvSpPr>
-          <p:nvPr>
-            <p:ph idx="1"/>
+          <p:cNvPr id="8" name="Content Placeholder 7"/>
+          <p:cNvSpPr>
+            <a:spLocks noGrp="1"/>
+          </p:cNvSpPr>
+          <p:nvPr>
+            <p:ph sz="quarter" idx="1"/>
           </p:nvPr>
         </p:nvSpPr>
         <p:spPr/>
@@ -4586,12 +5313,12 @@
       </p:sp>
       <p:sp>
         <p:nvSpPr>
-          <p:cNvPr id="3" name="Content Placeholder 2"/>
-          <p:cNvSpPr>
-            <a:spLocks noGrp="1"/>
-          </p:cNvSpPr>
-          <p:nvPr>
-            <p:ph idx="1"/>
+          <p:cNvPr id="8" name="Content Placeholder 7"/>
+          <p:cNvSpPr>
+            <a:spLocks noGrp="1"/>
+          </p:cNvSpPr>
+          <p:nvPr>
+            <p:ph sz="quarter" idx="1"/>
           </p:nvPr>
         </p:nvSpPr>
         <p:spPr/>
@@ -4665,9 +5392,9 @@
 </file>
 
 <file path=ppt/theme/theme1.xml><?xml version="1.0" encoding="utf-8"?>
-<a:theme xmlns:a="http://schemas.openxmlformats.org/drawingml/2006/main" name="Office Theme">
+<a:theme xmlns:a="http://schemas.openxmlformats.org/drawingml/2006/main" name="Origin">
   <a:themeElements>
-    <a:clrScheme name="Office">
+    <a:clrScheme name="Origin">
       <a:dk1>
         <a:sysClr val="windowText" lastClr="000000"/>
       </a:dk1>
@@ -4675,48 +5402,50 @@
         <a:sysClr val="window" lastClr="FFFFFF"/>
       </a:lt1>
       <a:dk2>
-        <a:srgbClr val="1F497D"/>
+        <a:srgbClr val="464653"/>
       </a:dk2>
       <a:lt2>
-        <a:srgbClr val="EEECE1"/>
+        <a:srgbClr val="DDE9EC"/>
       </a:lt2>
       <a:accent1>
-        <a:srgbClr val="4F81BD"/>
+        <a:srgbClr val="727CA3"/>
       </a:accent1>
       <a:accent2>
-        <a:srgbClr val="C0504D"/>
+        <a:srgbClr val="9FB8CD"/>
       </a:accent2>
       <a:accent3>
-        <a:srgbClr val="9BBB59"/>
+        <a:srgbClr val="D2DA7A"/>
       </a:accent3>
       <a:accent4>
-        <a:srgbClr val="8064A2"/>
+        <a:srgbClr val="FADA7A"/>
       </a:accent4>
       <a:accent5>
-        <a:srgbClr val="4BACC6"/>
+        <a:srgbClr val="B88472"/>
       </a:accent5>
       <a:accent6>
-        <a:srgbClr val="F79646"/>
+        <a:srgbClr val="8E736A"/>
       </a:accent6>
       <a:hlink>
-        <a:srgbClr val="0000FF"/>
+        <a:srgbClr val="B292CA"/>
       </a:hlink>
       <a:folHlink>
-        <a:srgbClr val="800080"/>
+        <a:srgbClr val="6B5680"/>
       </a:folHlink>
     </a:clrScheme>
-    <a:fontScheme name="Office">
+    <a:fontScheme name="Origin">
       <a:majorFont>
-        <a:latin typeface="Calibri"/>
+        <a:latin typeface="Bookman Old Style"/>
         <a:ea typeface=""/>
         <a:cs typeface=""/>
-        <a:font script="Jpan" typeface="ＭＳ Ｐゴシック"/>
-        <a:font script="Hang" typeface="맑은 고딕"/>
+        <a:font script="Grek" typeface="Cambria"/>
+        <a:font script="Cyrl" typeface="Cambria"/>
+        <a:font script="Jpan" typeface="HG明朝E"/>
+        <a:font script="Hang" typeface="돋움"/>
         <a:font script="Hans" typeface="宋体"/>
-        <a:font script="Hant" typeface="新細明體"/>
+        <a:font script="Hant" typeface="標楷體"/>
         <a:font script="Arab" typeface="Times New Roman"/>
         <a:font script="Hebr" typeface="Times New Roman"/>
-        <a:font script="Thai" typeface="Angsana New"/>
+        <a:font script="Thai" typeface="Browallia New"/>
         <a:font script="Ethi" typeface="Nyala"/>
         <a:font script="Beng" typeface="Vrinda"/>
         <a:font script="Gujr" typeface="Shruti"/>
@@ -4739,15 +5468,16 @@
         <a:font script="Mong" typeface="Mongolian Baiti"/>
         <a:font script="Viet" typeface="Times New Roman"/>
         <a:font script="Uigh" typeface="Microsoft Uighur"/>
-        <a:font script="Geor" typeface="Sylfaen"/>
       </a:majorFont>
       <a:minorFont>
-        <a:latin typeface="Calibri"/>
+        <a:latin typeface="Gill Sans MT"/>
         <a:ea typeface=""/>
         <a:cs typeface=""/>
+        <a:font script="Grek" typeface="Calibri"/>
+        <a:font script="Cyrl" typeface="Calibri"/>
         <a:font script="Jpan" typeface="ＭＳ Ｐゴシック"/>
         <a:font script="Hang" typeface="맑은 고딕"/>
-        <a:font script="Hans" typeface="宋体"/>
+        <a:font script="Hans" typeface="华文新魏"/>
         <a:font script="Hant" typeface="新細明體"/>
         <a:font script="Arab" typeface="Arial"/>
         <a:font script="Hebr" typeface="Arial"/>
@@ -4774,10 +5504,9 @@
         <a:font script="Mong" typeface="Mongolian Baiti"/>
         <a:font script="Viet" typeface="Arial"/>
         <a:font script="Uigh" typeface="Microsoft Uighur"/>
-        <a:font script="Geor" typeface="Sylfaen"/>
       </a:minorFont>
     </a:fontScheme>
-    <a:fmtScheme name="Office">
+    <a:fmtScheme name="Origin">
       <a:fillStyleLst>
         <a:solidFill>
           <a:schemeClr val="phClr"/>
@@ -4786,52 +5515,93 @@
           <a:gsLst>
             <a:gs pos="0">
               <a:schemeClr val="phClr">
-                <a:tint val="50000"/>
-                <a:satMod val="300000"/>
+                <a:tint val="45000"/>
+                <a:satMod val="200000"/>
               </a:schemeClr>
             </a:gs>
-            <a:gs pos="35000">
+            <a:gs pos="30000">
               <a:schemeClr val="phClr">
-                <a:tint val="37000"/>
-                <a:satMod val="300000"/>
+                <a:tint val="61000"/>
+                <a:satMod val="200000"/>
+              </a:schemeClr>
+            </a:gs>
+            <a:gs pos="45000">
+              <a:schemeClr val="phClr">
+                <a:tint val="66000"/>
+                <a:satMod val="200000"/>
+              </a:schemeClr>
+            </a:gs>
+            <a:gs pos="55000">
+              <a:schemeClr val="phClr">
+                <a:tint val="66000"/>
+                <a:satMod val="200000"/>
+              </a:schemeClr>
+            </a:gs>
+            <a:gs pos="73000">
+              <a:schemeClr val="phClr">
+                <a:tint val="61000"/>
+                <a:satMod val="200000"/>
               </a:schemeClr>
             </a:gs>
             <a:gs pos="100000">
               <a:schemeClr val="phClr">
-                <a:tint val="15000"/>
-                <a:satMod val="350000"/>
+                <a:tint val="45000"/>
+                <a:satMod val="200000"/>
               </a:schemeClr>
             </a:gs>
           </a:gsLst>
-          <a:lin ang="16200000" scaled="1"/>
+          <a:lin ang="950000" scaled="1"/>
         </a:gradFill>
         <a:gradFill rotWithShape="1">
           <a:gsLst>
             <a:gs pos="0">
               <a:schemeClr val="phClr">
-                <a:tint val="100000"/>
+                <a:shade val="63000"/>
+              </a:schemeClr>
+            </a:gs>
+            <a:gs pos="30000">
+              <a:schemeClr val="phClr">
+                <a:shade val="90000"/>
+                <a:satMod val="110000"/>
+              </a:schemeClr>
+            </a:gs>
+            <a:gs pos="45000">
+              <a:schemeClr val="phClr">
                 <a:shade val="100000"/>
-                <a:satMod val="130000"/>
+                <a:satMod val="118000"/>
+              </a:schemeClr>
+            </a:gs>
+            <a:gs pos="55000">
+              <a:schemeClr val="phClr">
+                <a:shade val="100000"/>
+                <a:satMod val="118000"/>
+              </a:schemeClr>
+            </a:gs>
+            <a:gs pos="73000">
+              <a:schemeClr val="phClr">
+                <a:shade val="90000"/>
+                <a:satMod val="110000"/>
               </a:schemeClr>
             </a:gs>
             <a:gs pos="100000">
               <a:schemeClr val="phClr">
-                <a:tint val="50000"/>
-                <a:shade val="100000"/>
-                <a:satMod val="350000"/>
+                <a:shade val="63000"/>
               </a:schemeClr>
             </a:gs>
           </a:gsLst>
-          <a:lin ang="16200000" scaled="0"/>
+          <a:lin ang="950000" scaled="1"/>
         </a:gradFill>
       </a:fillStyleLst>
       <a:lnStyleLst>
         <a:ln w="9525" cap="flat" cmpd="sng" algn="ctr">
           <a:solidFill>
-            <a:schemeClr val="phClr">
-              <a:shade val="95000"/>
-              <a:satMod val="105000"/>
-            </a:schemeClr>
+            <a:schemeClr val="phClr"/>
+          </a:solidFill>
+          <a:prstDash val="solid"/>
+        </a:ln>
+        <a:ln w="19050" cap="flat" cmpd="sng" algn="ctr">
+          <a:solidFill>
+            <a:schemeClr val="phClr"/>
           </a:solidFill>
           <a:prstDash val="solid"/>
         </a:ln>
@@ -4841,50 +5611,66 @@
           </a:solidFill>
           <a:prstDash val="solid"/>
         </a:ln>
-        <a:ln w="38100" cap="flat" cmpd="sng" algn="ctr">
-          <a:solidFill>
-            <a:schemeClr val="phClr"/>
-          </a:solidFill>
-          <a:prstDash val="solid"/>
-        </a:ln>
       </a:lnStyleLst>
       <a:effectStyleLst>
         <a:effectStyle>
           <a:effectLst>
-            <a:outerShdw blurRad="40000" dist="20000" dir="5400000" rotWithShape="0">
+            <a:outerShdw blurRad="38100" dist="25400" dir="5400000" rotWithShape="0">
               <a:srgbClr val="000000">
-                <a:alpha val="38000"/>
+                <a:alpha val="40000"/>
               </a:srgbClr>
             </a:outerShdw>
           </a:effectLst>
         </a:effectStyle>
         <a:effectStyle>
           <a:effectLst>
-            <a:outerShdw blurRad="40000" dist="23000" dir="5400000" rotWithShape="0">
+            <a:outerShdw blurRad="50800" dist="43000" dir="5400000" rotWithShape="0">
               <a:srgbClr val="000000">
-                <a:alpha val="35000"/>
-              </a:srgbClr>
-            </a:outerShdw>
-          </a:effectLst>
-        </a:effectStyle>
-        <a:effectStyle>
-          <a:effectLst>
-            <a:outerShdw blurRad="40000" dist="23000" dir="5400000" rotWithShape="0">
-              <a:srgbClr val="000000">
-                <a:alpha val="35000"/>
+                <a:alpha val="40000"/>
               </a:srgbClr>
             </a:outerShdw>
           </a:effectLst>
           <a:scene3d>
-            <a:camera prst="orthographicFront">
+            <a:camera prst="orthographicFront" fov="0">
               <a:rot lat="0" lon="0" rev="0"/>
             </a:camera>
-            <a:lightRig rig="threePt" dir="t">
-              <a:rot lat="0" lon="0" rev="1200000"/>
+            <a:lightRig rig="balanced" dir="t">
+              <a:rot lat="0" lon="0" rev="0"/>
             </a:lightRig>
           </a:scene3d>
-          <a:sp3d>
-            <a:bevelT w="63500" h="25400"/>
+          <a:sp3d prstMaterial="matte">
+            <a:bevelT w="0" h="0"/>
+            <a:contourClr>
+              <a:schemeClr val="phClr">
+                <a:tint val="100000"/>
+                <a:shade val="100000"/>
+                <a:hueMod val="100000"/>
+                <a:satMod val="100000"/>
+              </a:schemeClr>
+            </a:contourClr>
+          </a:sp3d>
+        </a:effectStyle>
+        <a:effectStyle>
+          <a:effectLst>
+            <a:outerShdw blurRad="50800" dist="25400" dir="5400000" rotWithShape="0">
+              <a:srgbClr val="000000">
+                <a:alpha val="50000"/>
+              </a:srgbClr>
+            </a:outerShdw>
+          </a:effectLst>
+          <a:scene3d>
+            <a:camera prst="orthographicFront" fov="0">
+              <a:rot lat="0" lon="0" rev="0"/>
+            </a:camera>
+            <a:lightRig rig="soft" dir="t">
+              <a:rot lat="0" lon="0" rev="2700000"/>
+            </a:lightRig>
+          </a:scene3d>
+          <a:sp3d prstMaterial="matte">
+            <a:bevelT w="50800" h="50800"/>
+            <a:contourClr>
+              <a:schemeClr val="phClr"/>
+            </a:contourClr>
           </a:sp3d>
         </a:effectStyle>
       </a:effectStyleLst>
@@ -4896,90 +5682,43 @@
           <a:gsLst>
             <a:gs pos="0">
               <a:schemeClr val="phClr">
-                <a:tint val="40000"/>
-                <a:satMod val="350000"/>
+                <a:shade val="60000"/>
+                <a:satMod val="300000"/>
               </a:schemeClr>
             </a:gs>
-            <a:gs pos="40000">
+            <a:gs pos="30000">
               <a:schemeClr val="phClr">
-                <a:tint val="45000"/>
-                <a:shade val="99000"/>
-                <a:satMod val="350000"/>
+                <a:shade val="80000"/>
+                <a:satMod val="230000"/>
               </a:schemeClr>
             </a:gs>
             <a:gs pos="100000">
               <a:schemeClr val="phClr">
-                <a:shade val="20000"/>
-                <a:satMod val="255000"/>
+                <a:tint val="97000"/>
+                <a:satMod val="220000"/>
               </a:schemeClr>
             </a:gs>
           </a:gsLst>
-          <a:path path="circle">
-            <a:fillToRect l="50000" t="-80000" r="50000" b="180000"/>
-          </a:path>
+          <a:lin ang="16200000" scaled="1"/>
         </a:gradFill>
-        <a:gradFill rotWithShape="1">
-          <a:gsLst>
-            <a:gs pos="0">
+        <a:blipFill>
+          <a:blip xmlns:r="http://schemas.openxmlformats.org/officeDocument/2006/relationships" r:embed="rId1">
+            <a:duotone>
               <a:schemeClr val="phClr">
-                <a:tint val="80000"/>
-                <a:satMod val="300000"/>
+                <a:shade val="6000"/>
+                <a:satMod val="120000"/>
               </a:schemeClr>
-            </a:gs>
-            <a:gs pos="100000">
               <a:schemeClr val="phClr">
-                <a:shade val="30000"/>
-                <a:satMod val="200000"/>
+                <a:tint val="90000"/>
               </a:schemeClr>
-            </a:gs>
-          </a:gsLst>
-          <a:path path="circle">
-            <a:fillToRect l="50000" t="50000" r="50000" b="50000"/>
-          </a:path>
-        </a:gradFill>
+            </a:duotone>
+          </a:blip>
+          <a:tile tx="0" ty="0" sx="35000" sy="40000" flip="x" algn="tl"/>
+        </a:blipFill>
       </a:bgFillStyleLst>
     </a:fmtScheme>
   </a:themeElements>
-  <a:objectDefaults>
-    <a:spDef>
-      <a:spPr/>
-      <a:bodyPr/>
-      <a:lstStyle/>
-      <a:style>
-        <a:lnRef idx="1">
-          <a:schemeClr val="accent1"/>
-        </a:lnRef>
-        <a:fillRef idx="3">
-          <a:schemeClr val="accent1"/>
-        </a:fillRef>
-        <a:effectRef idx="2">
-          <a:schemeClr val="accent1"/>
-        </a:effectRef>
-        <a:fontRef idx="minor">
-          <a:schemeClr val="lt1"/>
-        </a:fontRef>
-      </a:style>
-    </a:spDef>
-    <a:lnDef>
-      <a:spPr/>
-      <a:bodyPr/>
-      <a:lstStyle/>
-      <a:style>
-        <a:lnRef idx="2">
-          <a:schemeClr val="accent1"/>
-        </a:lnRef>
-        <a:fillRef idx="0">
-          <a:schemeClr val="accent1"/>
-        </a:fillRef>
-        <a:effectRef idx="1">
-          <a:schemeClr val="accent1"/>
-        </a:effectRef>
-        <a:fontRef idx="minor">
-          <a:schemeClr val="tx1"/>
-        </a:fontRef>
-      </a:style>
-    </a:lnDef>
-  </a:objectDefaults>
+  <a:objectDefaults/>
   <a:extraClrSchemeLst/>
 </a:theme>
 </file>
--- a/phiproject_ay.pptx
+++ b/phiproject_ay.pptx
@@ -5099,7 +5099,7 @@
             </a:pPr>
             <a:r>
               <a:rPr/>
-              <a:t>RStudio 1.2 vs RStudio &lt; 1.2</a:t>
+              <a:t>RMarkdown templates</a:t>
             </a:r>
           </a:p>
           <a:p>
@@ -5108,7 +5108,7 @@
             </a:pPr>
             <a:r>
               <a:rPr/>
-              <a:t>RMarkdown templates</a:t>
+              <a:t>RStudio 1.2 vs RStudio &lt; 1.2</a:t>
             </a:r>
           </a:p>
         </p:txBody>
